--- a/tortuga bay 1.pptx
+++ b/tortuga bay 1.pptx
@@ -5,10 +5,10 @@
     <p:sldMasterId id="2147483648" r:id="rId1"/>
   </p:sldMasterIdLst>
   <p:notesMasterIdLst>
-    <p:notesMasterId r:id="rId7"/>
+    <p:notesMasterId r:id="rId8"/>
   </p:notesMasterIdLst>
   <p:handoutMasterIdLst>
-    <p:handoutMasterId r:id="rId8"/>
+    <p:handoutMasterId r:id="rId9"/>
   </p:handoutMasterIdLst>
   <p:sldIdLst>
     <p:sldId id="256" r:id="rId2"/>
@@ -16,6 +16,7 @@
     <p:sldId id="270" r:id="rId4"/>
     <p:sldId id="258" r:id="rId5"/>
     <p:sldId id="268" r:id="rId6"/>
+    <p:sldId id="271" r:id="rId7"/>
   </p:sldIdLst>
   <p:sldSz cx="9144000" cy="6858000" type="screen4x3"/>
   <p:notesSz cx="6797675" cy="9874250"/>
@@ -276,7 +277,7 @@
     </p:spTree>
     <p:extLst>
       <p:ext uri="{BB962C8B-B14F-4D97-AF65-F5344CB8AC3E}">
-        <p14:creationId xmlns:p14="http://schemas.microsoft.com/office/powerpoint/2010/main" xmlns="" val="2213009851"/>
+        <p14:creationId xmlns="" xmlns:p14="http://schemas.microsoft.com/office/powerpoint/2010/main" val="2213009851"/>
       </p:ext>
     </p:extLst>
   </p:cSld>
@@ -537,7 +538,7 @@
     </p:spTree>
     <p:extLst>
       <p:ext uri="{BB962C8B-B14F-4D97-AF65-F5344CB8AC3E}">
-        <p14:creationId xmlns:p14="http://schemas.microsoft.com/office/powerpoint/2010/main" xmlns="" val="2501243732"/>
+        <p14:creationId xmlns="" xmlns:p14="http://schemas.microsoft.com/office/powerpoint/2010/main" val="2501243732"/>
       </p:ext>
     </p:extLst>
   </p:cSld>
@@ -838,7 +839,7 @@
     </p:spTree>
     <p:extLst>
       <p:ext uri="{BB962C8B-B14F-4D97-AF65-F5344CB8AC3E}">
-        <p14:creationId xmlns:p14="http://schemas.microsoft.com/office/powerpoint/2010/main" xmlns="" val="2070404567"/>
+        <p14:creationId xmlns="" xmlns:p14="http://schemas.microsoft.com/office/powerpoint/2010/main" val="2070404567"/>
       </p:ext>
     </p:extLst>
   </p:cSld>
@@ -1020,7 +1021,7 @@
     </p:spTree>
     <p:extLst>
       <p:ext uri="{BB962C8B-B14F-4D97-AF65-F5344CB8AC3E}">
-        <p14:creationId xmlns:p14="http://schemas.microsoft.com/office/powerpoint/2010/main" xmlns="" val="2365711366"/>
+        <p14:creationId xmlns="" xmlns:p14="http://schemas.microsoft.com/office/powerpoint/2010/main" val="2365711366"/>
       </p:ext>
     </p:extLst>
   </p:cSld>
@@ -1205,7 +1206,7 @@
     </p:spTree>
     <p:extLst>
       <p:ext uri="{BB962C8B-B14F-4D97-AF65-F5344CB8AC3E}">
-        <p14:creationId xmlns:p14="http://schemas.microsoft.com/office/powerpoint/2010/main" xmlns="" val="707905946"/>
+        <p14:creationId xmlns="" xmlns:p14="http://schemas.microsoft.com/office/powerpoint/2010/main" val="707905946"/>
       </p:ext>
     </p:extLst>
   </p:cSld>
@@ -1380,7 +1381,7 @@
     </p:spTree>
     <p:extLst>
       <p:ext uri="{BB962C8B-B14F-4D97-AF65-F5344CB8AC3E}">
-        <p14:creationId xmlns:p14="http://schemas.microsoft.com/office/powerpoint/2010/main" xmlns="" val="1869324206"/>
+        <p14:creationId xmlns="" xmlns:p14="http://schemas.microsoft.com/office/powerpoint/2010/main" val="1869324206"/>
       </p:ext>
     </p:extLst>
   </p:cSld>
@@ -1631,7 +1632,7 @@
     </p:spTree>
     <p:extLst>
       <p:ext uri="{BB962C8B-B14F-4D97-AF65-F5344CB8AC3E}">
-        <p14:creationId xmlns:p14="http://schemas.microsoft.com/office/powerpoint/2010/main" xmlns="" val="4219159056"/>
+        <p14:creationId xmlns="" xmlns:p14="http://schemas.microsoft.com/office/powerpoint/2010/main" val="4219159056"/>
       </p:ext>
     </p:extLst>
   </p:cSld>
@@ -1924,7 +1925,7 @@
     </p:spTree>
     <p:extLst>
       <p:ext uri="{BB962C8B-B14F-4D97-AF65-F5344CB8AC3E}">
-        <p14:creationId xmlns:p14="http://schemas.microsoft.com/office/powerpoint/2010/main" xmlns="" val="1106473477"/>
+        <p14:creationId xmlns="" xmlns:p14="http://schemas.microsoft.com/office/powerpoint/2010/main" val="1106473477"/>
       </p:ext>
     </p:extLst>
   </p:cSld>
@@ -2351,7 +2352,7 @@
     </p:spTree>
     <p:extLst>
       <p:ext uri="{BB962C8B-B14F-4D97-AF65-F5344CB8AC3E}">
-        <p14:creationId xmlns:p14="http://schemas.microsoft.com/office/powerpoint/2010/main" xmlns="" val="2304094589"/>
+        <p14:creationId xmlns="" xmlns:p14="http://schemas.microsoft.com/office/powerpoint/2010/main" val="2304094589"/>
       </p:ext>
     </p:extLst>
   </p:cSld>
@@ -2474,7 +2475,7 @@
     </p:spTree>
     <p:extLst>
       <p:ext uri="{BB962C8B-B14F-4D97-AF65-F5344CB8AC3E}">
-        <p14:creationId xmlns:p14="http://schemas.microsoft.com/office/powerpoint/2010/main" xmlns="" val="1861322463"/>
+        <p14:creationId xmlns="" xmlns:p14="http://schemas.microsoft.com/office/powerpoint/2010/main" val="1861322463"/>
       </p:ext>
     </p:extLst>
   </p:cSld>
@@ -2574,7 +2575,7 @@
     </p:spTree>
     <p:extLst>
       <p:ext uri="{BB962C8B-B14F-4D97-AF65-F5344CB8AC3E}">
-        <p14:creationId xmlns:p14="http://schemas.microsoft.com/office/powerpoint/2010/main" xmlns="" val="1290982777"/>
+        <p14:creationId xmlns="" xmlns:p14="http://schemas.microsoft.com/office/powerpoint/2010/main" val="1290982777"/>
       </p:ext>
     </p:extLst>
   </p:cSld>
@@ -2856,7 +2857,7 @@
     </p:spTree>
     <p:extLst>
       <p:ext uri="{BB962C8B-B14F-4D97-AF65-F5344CB8AC3E}">
-        <p14:creationId xmlns:p14="http://schemas.microsoft.com/office/powerpoint/2010/main" xmlns="" val="1936420163"/>
+        <p14:creationId xmlns="" xmlns:p14="http://schemas.microsoft.com/office/powerpoint/2010/main" val="1936420163"/>
       </p:ext>
     </p:extLst>
   </p:cSld>
@@ -3114,7 +3115,7 @@
     </p:spTree>
     <p:extLst>
       <p:ext uri="{BB962C8B-B14F-4D97-AF65-F5344CB8AC3E}">
-        <p14:creationId xmlns:p14="http://schemas.microsoft.com/office/powerpoint/2010/main" xmlns="" val="3541544067"/>
+        <p14:creationId xmlns="" xmlns:p14="http://schemas.microsoft.com/office/powerpoint/2010/main" val="3541544067"/>
       </p:ext>
     </p:extLst>
   </p:cSld>
@@ -3398,7 +3399,7 @@
               </a:duotone>
               <a:extLst>
                 <a:ext uri="{BEBA8EAE-BF5A-486C-A8C5-ECC9F3942E4B}">
-                  <a14:imgProps xmlns:a14="http://schemas.microsoft.com/office/drawing/2010/main" xmlns="">
+                  <a14:imgProps xmlns="" xmlns:a14="http://schemas.microsoft.com/office/drawing/2010/main">
                     <a14:imgLayer r:embed="rId14">
                       <a14:imgEffect>
                         <a14:saturation sat="0"/>
@@ -3407,7 +3408,7 @@
                   </a14:imgProps>
                 </a:ext>
                 <a:ext uri="{28A0092B-C50C-407E-A947-70E740481C1C}">
-                  <a14:useLocalDpi xmlns:a14="http://schemas.microsoft.com/office/drawing/2010/main" xmlns="" val="0"/>
+                  <a14:useLocalDpi xmlns="" xmlns:a14="http://schemas.microsoft.com/office/drawing/2010/main" val="0"/>
                 </a:ext>
               </a:extLst>
             </a:blip>
@@ -3437,7 +3438,7 @@
             <a:blip r:embed="rId15" cstate="print">
               <a:extLst>
                 <a:ext uri="{28A0092B-C50C-407E-A947-70E740481C1C}">
-                  <a14:useLocalDpi xmlns:a14="http://schemas.microsoft.com/office/drawing/2010/main" xmlns="" val="0"/>
+                  <a14:useLocalDpi xmlns="" xmlns:a14="http://schemas.microsoft.com/office/drawing/2010/main" val="0"/>
                 </a:ext>
               </a:extLst>
             </a:blip>
@@ -3459,7 +3460,7 @@
     </p:spTree>
     <p:extLst>
       <p:ext uri="{BB962C8B-B14F-4D97-AF65-F5344CB8AC3E}">
-        <p14:creationId xmlns:p14="http://schemas.microsoft.com/office/powerpoint/2010/main" xmlns="" val="3586662826"/>
+        <p14:creationId xmlns="" xmlns:p14="http://schemas.microsoft.com/office/powerpoint/2010/main" val="3586662826"/>
       </p:ext>
     </p:extLst>
   </p:cSld>
@@ -3929,7 +3930,7 @@
             <a:blip r:embed="rId2" cstate="print">
               <a:extLst>
                 <a:ext uri="{28A0092B-C50C-407E-A947-70E740481C1C}">
-                  <a14:useLocalDpi xmlns:a14="http://schemas.microsoft.com/office/drawing/2010/main" xmlns="" val="0"/>
+                  <a14:useLocalDpi xmlns="" xmlns:a14="http://schemas.microsoft.com/office/drawing/2010/main" val="0"/>
                 </a:ext>
               </a:extLst>
             </a:blip>
@@ -4148,27 +4149,7 @@
                   <a:latin typeface="-윤고딕330" pitchFamily="18" charset="-127"/>
                   <a:ea typeface="-윤고딕330" pitchFamily="18" charset="-127"/>
                 </a:rPr>
-                <a:t>Project Manager </a:t>
-              </a:r>
-              <a:r>
-                <a:rPr lang="en-US" altLang="ko-KR" sz="1400" dirty="0" smtClean="0">
-                  <a:ln>
-                    <a:solidFill>
-                      <a:schemeClr val="bg1">
-                        <a:alpha val="0"/>
-                      </a:schemeClr>
-                    </a:solidFill>
-                  </a:ln>
-                  <a:solidFill>
-                    <a:schemeClr val="tx1">
-                      <a:lumMod val="75000"/>
-                      <a:lumOff val="25000"/>
-                    </a:schemeClr>
-                  </a:solidFill>
-                  <a:latin typeface="-윤고딕330" pitchFamily="18" charset="-127"/>
-                  <a:ea typeface="-윤고딕330" pitchFamily="18" charset="-127"/>
-                </a:rPr>
-                <a:t>– </a:t>
+                <a:t>Project Manager – </a:t>
               </a:r>
               <a:r>
                 <a:rPr lang="ko-KR" altLang="en-US" sz="1600" dirty="0" smtClean="0">
@@ -4289,7 +4270,7 @@
               </a:duotone>
               <a:extLst>
                 <a:ext uri="{28A0092B-C50C-407E-A947-70E740481C1C}">
-                  <a14:useLocalDpi xmlns:a14="http://schemas.microsoft.com/office/drawing/2010/main" xmlns="" val="0"/>
+                  <a14:useLocalDpi xmlns="" xmlns:a14="http://schemas.microsoft.com/office/drawing/2010/main" val="0"/>
                 </a:ext>
               </a:extLst>
             </a:blip>
@@ -4636,7 +4617,7 @@
     </p:spTree>
     <p:extLst>
       <p:ext uri="{BB962C8B-B14F-4D97-AF65-F5344CB8AC3E}">
-        <p14:creationId xmlns:p14="http://schemas.microsoft.com/office/powerpoint/2010/main" xmlns="" val="3658200479"/>
+        <p14:creationId xmlns="" xmlns:p14="http://schemas.microsoft.com/office/powerpoint/2010/main" val="3658200479"/>
       </p:ext>
     </p:extLst>
   </p:cSld>
@@ -4927,7 +4908,27 @@
                 <a:latin typeface="-윤고딕330" pitchFamily="18" charset="-127"/>
                 <a:ea typeface="-윤고딕330" pitchFamily="18" charset="-127"/>
               </a:rPr>
-              <a:t>1.1 </a:t>
+              <a:t>1.1  </a:t>
+            </a:r>
+            <a:r>
+              <a:rPr lang="ko-KR" altLang="en-US" sz="1500" dirty="0" smtClean="0">
+                <a:ln>
+                  <a:solidFill>
+                    <a:schemeClr val="bg1">
+                      <a:alpha val="0"/>
+                    </a:schemeClr>
+                  </a:solidFill>
+                </a:ln>
+                <a:solidFill>
+                  <a:schemeClr val="tx1">
+                    <a:lumMod val="75000"/>
+                    <a:lumOff val="25000"/>
+                  </a:schemeClr>
+                </a:solidFill>
+                <a:latin typeface="-윤고딕330" pitchFamily="18" charset="-127"/>
+                <a:ea typeface="-윤고딕330" pitchFamily="18" charset="-127"/>
+              </a:rPr>
+              <a:t>제목</a:t>
             </a:r>
             <a:r>
               <a:rPr lang="en-US" altLang="ko-KR" sz="1500" dirty="0" smtClean="0">
@@ -4949,6 +4950,33 @@
               </a:rPr>
               <a:t> </a:t>
             </a:r>
+          </a:p>
+          <a:p>
+            <a:pPr lvl="1">
+              <a:lnSpc>
+                <a:spcPct val="130000"/>
+              </a:lnSpc>
+            </a:pPr>
+            <a:r>
+              <a:rPr lang="en-US" altLang="ko-KR" sz="1500" dirty="0" smtClean="0">
+                <a:ln>
+                  <a:solidFill>
+                    <a:schemeClr val="bg1">
+                      <a:alpha val="0"/>
+                    </a:schemeClr>
+                  </a:solidFill>
+                </a:ln>
+                <a:solidFill>
+                  <a:schemeClr val="tx1">
+                    <a:lumMod val="75000"/>
+                    <a:lumOff val="25000"/>
+                  </a:schemeClr>
+                </a:solidFill>
+                <a:latin typeface="-윤고딕330" pitchFamily="18" charset="-127"/>
+                <a:ea typeface="-윤고딕330" pitchFamily="18" charset="-127"/>
+              </a:rPr>
+              <a:t>1.2  </a:t>
+            </a:r>
             <a:r>
               <a:rPr lang="ko-KR" altLang="en-US" sz="1500" dirty="0" smtClean="0">
                 <a:ln>
@@ -4967,27 +4995,7 @@
                 <a:latin typeface="-윤고딕330" pitchFamily="18" charset="-127"/>
                 <a:ea typeface="-윤고딕330" pitchFamily="18" charset="-127"/>
               </a:rPr>
-              <a:t>제목</a:t>
-            </a:r>
-            <a:r>
-              <a:rPr lang="en-US" altLang="ko-KR" sz="1500" dirty="0" smtClean="0">
-                <a:ln>
-                  <a:solidFill>
-                    <a:schemeClr val="bg1">
-                      <a:alpha val="0"/>
-                    </a:schemeClr>
-                  </a:solidFill>
-                </a:ln>
-                <a:solidFill>
-                  <a:schemeClr val="tx1">
-                    <a:lumMod val="75000"/>
-                    <a:lumOff val="25000"/>
-                  </a:schemeClr>
-                </a:solidFill>
-                <a:latin typeface="-윤고딕330" pitchFamily="18" charset="-127"/>
-                <a:ea typeface="-윤고딕330" pitchFamily="18" charset="-127"/>
-              </a:rPr>
-              <a:t> </a:t>
+              <a:t>장르</a:t>
             </a:r>
             <a:endParaRPr lang="en-US" altLang="ko-KR" sz="1500" dirty="0" smtClean="0">
               <a:ln>
@@ -5031,7 +5039,7 @@
                 <a:latin typeface="-윤고딕330" pitchFamily="18" charset="-127"/>
                 <a:ea typeface="-윤고딕330" pitchFamily="18" charset="-127"/>
               </a:rPr>
-              <a:t>1.2  </a:t>
+              <a:t>1.3  </a:t>
             </a:r>
             <a:r>
               <a:rPr lang="ko-KR" altLang="en-US" sz="1500" dirty="0" smtClean="0">
@@ -5051,7 +5059,7 @@
                 <a:latin typeface="-윤고딕330" pitchFamily="18" charset="-127"/>
                 <a:ea typeface="-윤고딕330" pitchFamily="18" charset="-127"/>
               </a:rPr>
-              <a:t>장르</a:t>
+              <a:t>의도 및 목적</a:t>
             </a:r>
             <a:endParaRPr lang="en-US" altLang="ko-KR" sz="1500" dirty="0" smtClean="0">
               <a:ln>
@@ -5095,7 +5103,7 @@
                 <a:latin typeface="-윤고딕330" pitchFamily="18" charset="-127"/>
                 <a:ea typeface="-윤고딕330" pitchFamily="18" charset="-127"/>
               </a:rPr>
-              <a:t>1.3  </a:t>
+              <a:t>1.4  </a:t>
             </a:r>
             <a:r>
               <a:rPr lang="ko-KR" altLang="en-US" sz="1500" dirty="0" smtClean="0">
@@ -5115,7 +5123,7 @@
                 <a:latin typeface="-윤고딕330" pitchFamily="18" charset="-127"/>
                 <a:ea typeface="-윤고딕330" pitchFamily="18" charset="-127"/>
               </a:rPr>
-              <a:t>의도 및 목적</a:t>
+              <a:t>특징</a:t>
             </a:r>
             <a:endParaRPr lang="en-US" altLang="ko-KR" sz="1500" dirty="0" smtClean="0">
               <a:ln>
@@ -5159,7 +5167,7 @@
                 <a:latin typeface="-윤고딕330" pitchFamily="18" charset="-127"/>
                 <a:ea typeface="-윤고딕330" pitchFamily="18" charset="-127"/>
               </a:rPr>
-              <a:t>1.4  </a:t>
+              <a:t>1.5  </a:t>
             </a:r>
             <a:r>
               <a:rPr lang="ko-KR" altLang="en-US" sz="1500" dirty="0" smtClean="0">
@@ -5179,9 +5187,9 @@
                 <a:latin typeface="-윤고딕330" pitchFamily="18" charset="-127"/>
                 <a:ea typeface="-윤고딕330" pitchFamily="18" charset="-127"/>
               </a:rPr>
-              <a:t>특징</a:t>
-            </a:r>
-            <a:endParaRPr lang="en-US" altLang="ko-KR" sz="1500" dirty="0" smtClean="0">
+              <a:t>소재 및 배경</a:t>
+            </a:r>
+            <a:endParaRPr lang="en-US" altLang="ko-KR" sz="2000" dirty="0" smtClean="0">
               <a:ln>
                 <a:solidFill>
                   <a:schemeClr val="bg1">
@@ -5200,13 +5208,13 @@
             </a:endParaRPr>
           </a:p>
           <a:p>
-            <a:pPr lvl="1">
+            <a:pPr>
               <a:lnSpc>
                 <a:spcPct val="130000"/>
               </a:lnSpc>
             </a:pPr>
             <a:r>
-              <a:rPr lang="en-US" altLang="ko-KR" sz="1500" dirty="0" smtClean="0">
+              <a:rPr lang="en-US" altLang="ko-KR" sz="2000" dirty="0" smtClean="0">
                 <a:ln>
                   <a:solidFill>
                     <a:schemeClr val="bg1">
@@ -5223,10 +5231,10 @@
                 <a:latin typeface="-윤고딕330" pitchFamily="18" charset="-127"/>
                 <a:ea typeface="-윤고딕330" pitchFamily="18" charset="-127"/>
               </a:rPr>
-              <a:t>1.5  </a:t>
-            </a:r>
-            <a:r>
-              <a:rPr lang="ko-KR" altLang="en-US" sz="1500" dirty="0" smtClean="0">
+              <a:t>2. </a:t>
+            </a:r>
+            <a:r>
+              <a:rPr lang="ko-KR" altLang="en-US" sz="2000" dirty="0" smtClean="0">
                 <a:ln>
                   <a:solidFill>
                     <a:schemeClr val="bg1">
@@ -5243,7 +5251,7 @@
                 <a:latin typeface="-윤고딕330" pitchFamily="18" charset="-127"/>
                 <a:ea typeface="-윤고딕330" pitchFamily="18" charset="-127"/>
               </a:rPr>
-              <a:t>소재 및 배경</a:t>
+              <a:t>게임 목표</a:t>
             </a:r>
             <a:endParaRPr lang="en-US" altLang="ko-KR" sz="2000" dirty="0" smtClean="0">
               <a:ln>
@@ -5264,13 +5272,13 @@
             </a:endParaRPr>
           </a:p>
           <a:p>
-            <a:pPr>
+            <a:pPr lvl="1">
               <a:lnSpc>
                 <a:spcPct val="130000"/>
               </a:lnSpc>
             </a:pPr>
             <a:r>
-              <a:rPr lang="en-US" altLang="ko-KR" sz="2000" dirty="0" smtClean="0">
+              <a:rPr lang="en-US" altLang="ko-KR" sz="1500" dirty="0" smtClean="0">
                 <a:ln>
                   <a:solidFill>
                     <a:schemeClr val="bg1">
@@ -5287,10 +5295,10 @@
                 <a:latin typeface="-윤고딕330" pitchFamily="18" charset="-127"/>
                 <a:ea typeface="-윤고딕330" pitchFamily="18" charset="-127"/>
               </a:rPr>
-              <a:t>2. </a:t>
-            </a:r>
-            <a:r>
-              <a:rPr lang="ko-KR" altLang="en-US" sz="2000" dirty="0" smtClean="0">
+              <a:t>2.1  </a:t>
+            </a:r>
+            <a:r>
+              <a:rPr lang="ko-KR" altLang="en-US" sz="1500" dirty="0" smtClean="0">
                 <a:ln>
                   <a:solidFill>
                     <a:schemeClr val="bg1">
@@ -5307,29 +5315,9 @@
                 <a:latin typeface="-윤고딕330" pitchFamily="18" charset="-127"/>
                 <a:ea typeface="-윤고딕330" pitchFamily="18" charset="-127"/>
               </a:rPr>
-              <a:t>게임 </a:t>
-            </a:r>
-            <a:r>
-              <a:rPr lang="ko-KR" altLang="en-US" sz="2000" dirty="0" smtClean="0">
-                <a:ln>
-                  <a:solidFill>
-                    <a:schemeClr val="bg1">
-                      <a:alpha val="0"/>
-                    </a:schemeClr>
-                  </a:solidFill>
-                </a:ln>
-                <a:solidFill>
-                  <a:schemeClr val="tx1">
-                    <a:lumMod val="75000"/>
-                    <a:lumOff val="25000"/>
-                  </a:schemeClr>
-                </a:solidFill>
-                <a:latin typeface="-윤고딕330" pitchFamily="18" charset="-127"/>
-                <a:ea typeface="-윤고딕330" pitchFamily="18" charset="-127"/>
-              </a:rPr>
               <a:t>목표</a:t>
             </a:r>
-            <a:endParaRPr lang="en-US" altLang="ko-KR" sz="2000" dirty="0" smtClean="0">
+            <a:endParaRPr lang="en-US" altLang="ko-KR" sz="1500" dirty="0" smtClean="0">
               <a:ln>
                 <a:solidFill>
                   <a:schemeClr val="bg1">
@@ -5371,27 +5359,7 @@
                 <a:latin typeface="-윤고딕330" pitchFamily="18" charset="-127"/>
                 <a:ea typeface="-윤고딕330" pitchFamily="18" charset="-127"/>
               </a:rPr>
-              <a:t>2</a:t>
-            </a:r>
-            <a:r>
-              <a:rPr lang="en-US" altLang="ko-KR" sz="1500" dirty="0" smtClean="0">
-                <a:ln>
-                  <a:solidFill>
-                    <a:schemeClr val="bg1">
-                      <a:alpha val="0"/>
-                    </a:schemeClr>
-                  </a:solidFill>
-                </a:ln>
-                <a:solidFill>
-                  <a:schemeClr val="tx1">
-                    <a:lumMod val="75000"/>
-                    <a:lumOff val="25000"/>
-                  </a:schemeClr>
-                </a:solidFill>
-                <a:latin typeface="-윤고딕330" pitchFamily="18" charset="-127"/>
-                <a:ea typeface="-윤고딕330" pitchFamily="18" charset="-127"/>
-              </a:rPr>
-              <a:t>.1  </a:t>
+              <a:t>2.2  </a:t>
             </a:r>
             <a:r>
               <a:rPr lang="ko-KR" altLang="en-US" sz="1500" dirty="0" smtClean="0">
@@ -5411,7 +5379,7 @@
                 <a:latin typeface="-윤고딕330" pitchFamily="18" charset="-127"/>
                 <a:ea typeface="-윤고딕330" pitchFamily="18" charset="-127"/>
               </a:rPr>
-              <a:t>목표</a:t>
+              <a:t>요약</a:t>
             </a:r>
             <a:endParaRPr lang="en-US" altLang="ko-KR" sz="1500" dirty="0" smtClean="0">
               <a:ln>
@@ -5455,7 +5423,7 @@
                 <a:latin typeface="-윤고딕330" pitchFamily="18" charset="-127"/>
                 <a:ea typeface="-윤고딕330" pitchFamily="18" charset="-127"/>
               </a:rPr>
-              <a:t>2.2  </a:t>
+              <a:t>2.3  </a:t>
             </a:r>
             <a:r>
               <a:rPr lang="ko-KR" altLang="en-US" sz="1500" dirty="0" smtClean="0">
@@ -5475,9 +5443,9 @@
                 <a:latin typeface="-윤고딕330" pitchFamily="18" charset="-127"/>
                 <a:ea typeface="-윤고딕330" pitchFamily="18" charset="-127"/>
               </a:rPr>
-              <a:t>요약</a:t>
-            </a:r>
-            <a:endParaRPr lang="en-US" altLang="ko-KR" sz="1500" dirty="0" smtClean="0">
+              <a:t>방식</a:t>
+            </a:r>
+            <a:endParaRPr lang="en-US" altLang="ko-KR" sz="2000" dirty="0" smtClean="0">
               <a:ln>
                 <a:solidFill>
                   <a:schemeClr val="bg1">
@@ -5496,90 +5464,6 @@
             </a:endParaRPr>
           </a:p>
           <a:p>
-            <a:pPr lvl="1">
-              <a:lnSpc>
-                <a:spcPct val="130000"/>
-              </a:lnSpc>
-            </a:pPr>
-            <a:r>
-              <a:rPr lang="en-US" altLang="ko-KR" sz="1500" dirty="0" smtClean="0">
-                <a:ln>
-                  <a:solidFill>
-                    <a:schemeClr val="bg1">
-                      <a:alpha val="0"/>
-                    </a:schemeClr>
-                  </a:solidFill>
-                </a:ln>
-                <a:solidFill>
-                  <a:schemeClr val="tx1">
-                    <a:lumMod val="75000"/>
-                    <a:lumOff val="25000"/>
-                  </a:schemeClr>
-                </a:solidFill>
-                <a:latin typeface="-윤고딕330" pitchFamily="18" charset="-127"/>
-                <a:ea typeface="-윤고딕330" pitchFamily="18" charset="-127"/>
-              </a:rPr>
-              <a:t>2</a:t>
-            </a:r>
-            <a:r>
-              <a:rPr lang="en-US" altLang="ko-KR" sz="1500" dirty="0" smtClean="0">
-                <a:ln>
-                  <a:solidFill>
-                    <a:schemeClr val="bg1">
-                      <a:alpha val="0"/>
-                    </a:schemeClr>
-                  </a:solidFill>
-                </a:ln>
-                <a:solidFill>
-                  <a:schemeClr val="tx1">
-                    <a:lumMod val="75000"/>
-                    <a:lumOff val="25000"/>
-                  </a:schemeClr>
-                </a:solidFill>
-                <a:latin typeface="-윤고딕330" pitchFamily="18" charset="-127"/>
-                <a:ea typeface="-윤고딕330" pitchFamily="18" charset="-127"/>
-              </a:rPr>
-              <a:t>.3  </a:t>
-            </a:r>
-            <a:r>
-              <a:rPr lang="ko-KR" altLang="en-US" sz="1500" dirty="0" smtClean="0">
-                <a:ln>
-                  <a:solidFill>
-                    <a:schemeClr val="bg1">
-                      <a:alpha val="0"/>
-                    </a:schemeClr>
-                  </a:solidFill>
-                </a:ln>
-                <a:solidFill>
-                  <a:schemeClr val="tx1">
-                    <a:lumMod val="75000"/>
-                    <a:lumOff val="25000"/>
-                  </a:schemeClr>
-                </a:solidFill>
-                <a:latin typeface="-윤고딕330" pitchFamily="18" charset="-127"/>
-                <a:ea typeface="-윤고딕330" pitchFamily="18" charset="-127"/>
-              </a:rPr>
-              <a:t>방식</a:t>
-            </a:r>
-            <a:endParaRPr lang="en-US" altLang="ko-KR" sz="2000" dirty="0" smtClean="0">
-              <a:ln>
-                <a:solidFill>
-                  <a:schemeClr val="bg1">
-                    <a:alpha val="0"/>
-                  </a:schemeClr>
-                </a:solidFill>
-              </a:ln>
-              <a:solidFill>
-                <a:schemeClr val="tx1">
-                  <a:lumMod val="75000"/>
-                  <a:lumOff val="25000"/>
-                </a:schemeClr>
-              </a:solidFill>
-              <a:latin typeface="-윤고딕330" pitchFamily="18" charset="-127"/>
-              <a:ea typeface="-윤고딕330" pitchFamily="18" charset="-127"/>
-            </a:endParaRPr>
-          </a:p>
-          <a:p>
             <a:pPr>
               <a:lnSpc>
                 <a:spcPct val="130000"/>
@@ -5603,27 +5487,7 @@
                 <a:latin typeface="-윤고딕330" pitchFamily="18" charset="-127"/>
                 <a:ea typeface="-윤고딕330" pitchFamily="18" charset="-127"/>
               </a:rPr>
-              <a:t>3</a:t>
-            </a:r>
-            <a:r>
-              <a:rPr lang="en-US" altLang="ko-KR" sz="2000" dirty="0" smtClean="0">
-                <a:ln>
-                  <a:solidFill>
-                    <a:schemeClr val="bg1">
-                      <a:alpha val="0"/>
-                    </a:schemeClr>
-                  </a:solidFill>
-                </a:ln>
-                <a:solidFill>
-                  <a:schemeClr val="tx1">
-                    <a:lumMod val="75000"/>
-                    <a:lumOff val="25000"/>
-                  </a:schemeClr>
-                </a:solidFill>
-                <a:latin typeface="-윤고딕330" pitchFamily="18" charset="-127"/>
-                <a:ea typeface="-윤고딕330" pitchFamily="18" charset="-127"/>
-              </a:rPr>
-              <a:t>. </a:t>
+              <a:t>3. </a:t>
             </a:r>
             <a:r>
               <a:rPr lang="ko-KR" altLang="en-US" sz="2000" dirty="0" smtClean="0">
@@ -6277,7 +6141,7 @@
     </p:spTree>
     <p:extLst>
       <p:ext uri="{BB962C8B-B14F-4D97-AF65-F5344CB8AC3E}">
-        <p14:creationId xmlns:p14="http://schemas.microsoft.com/office/powerpoint/2010/main" xmlns="" val="2378213369"/>
+        <p14:creationId xmlns="" xmlns:p14="http://schemas.microsoft.com/office/powerpoint/2010/main" val="2378213369"/>
       </p:ext>
     </p:extLst>
   </p:cSld>
@@ -7158,7 +7022,7 @@
     </p:spTree>
     <p:extLst>
       <p:ext uri="{BB962C8B-B14F-4D97-AF65-F5344CB8AC3E}">
-        <p14:creationId xmlns:p14="http://schemas.microsoft.com/office/powerpoint/2010/main" xmlns="" val="2378213369"/>
+        <p14:creationId xmlns="" xmlns:p14="http://schemas.microsoft.com/office/powerpoint/2010/main" val="2378213369"/>
       </p:ext>
     </p:extLst>
   </p:cSld>
@@ -7332,7 +7196,7 @@
             <a:blip r:embed="rId2" cstate="print">
               <a:extLst>
                 <a:ext uri="{28A0092B-C50C-407E-A947-70E740481C1C}">
-                  <a14:useLocalDpi xmlns:a14="http://schemas.microsoft.com/office/drawing/2010/main" xmlns="" val="0"/>
+                  <a14:useLocalDpi xmlns="" xmlns:a14="http://schemas.microsoft.com/office/drawing/2010/main" val="0"/>
                 </a:ext>
               </a:extLst>
             </a:blip>
@@ -7535,7 +7399,7 @@
     </p:spTree>
     <p:extLst>
       <p:ext uri="{BB962C8B-B14F-4D97-AF65-F5344CB8AC3E}">
-        <p14:creationId xmlns:p14="http://schemas.microsoft.com/office/powerpoint/2010/main" xmlns="" val="2619248131"/>
+        <p14:creationId xmlns="" xmlns:p14="http://schemas.microsoft.com/office/powerpoint/2010/main" val="2619248131"/>
       </p:ext>
     </p:extLst>
   </p:cSld>
@@ -7581,9 +7445,9 @@
         <p:grpSpPr>
           <a:xfrm>
             <a:off x="224258" y="285909"/>
-            <a:ext cx="2083580" cy="4221470"/>
+            <a:ext cx="2083580" cy="2421270"/>
             <a:chOff x="224258" y="285909"/>
-            <a:chExt cx="2083580" cy="4221470"/>
+            <a:chExt cx="2083580" cy="2421270"/>
           </a:xfrm>
         </p:grpSpPr>
         <p:pic>
@@ -7598,7 +7462,7 @@
             <a:blip r:embed="rId2" cstate="print">
               <a:extLst>
                 <a:ext uri="{28A0092B-C50C-407E-A947-70E740481C1C}">
-                  <a14:useLocalDpi xmlns:a14="http://schemas.microsoft.com/office/drawing/2010/main" xmlns="" val="0"/>
+                  <a14:useLocalDpi xmlns="" xmlns:a14="http://schemas.microsoft.com/office/drawing/2010/main" val="0"/>
                 </a:ext>
               </a:extLst>
             </a:blip>
@@ -7674,26 +7538,7 @@
                   <a:latin typeface="-윤고딕330" pitchFamily="18" charset="-127"/>
                   <a:ea typeface="-윤고딕330" pitchFamily="18" charset="-127"/>
                 </a:rPr>
-                <a:t>제</a:t>
-              </a:r>
-              <a:r>
-                <a:rPr lang="ko-KR" altLang="en-US" sz="3600" dirty="0" smtClean="0">
-                  <a:ln>
-                    <a:solidFill>
-                      <a:schemeClr val="bg1">
-                        <a:alpha val="0"/>
-                      </a:schemeClr>
-                    </a:solidFill>
-                  </a:ln>
-                  <a:solidFill>
-                    <a:schemeClr val="accent6">
-                      <a:lumMod val="50000"/>
-                    </a:schemeClr>
-                  </a:solidFill>
-                  <a:latin typeface="-윤고딕330" pitchFamily="18" charset="-127"/>
-                  <a:ea typeface="-윤고딕330" pitchFamily="18" charset="-127"/>
-                </a:rPr>
-                <a:t>목</a:t>
+                <a:t>제목</a:t>
               </a:r>
               <a:endParaRPr lang="ko-KR" altLang="en-US" sz="2000" dirty="0">
                 <a:ln>
@@ -7722,7 +7567,7 @@
           </p:nvSpPr>
           <p:spPr>
             <a:xfrm>
-              <a:off x="359869" y="2204864"/>
+              <a:off x="359869" y="2060848"/>
               <a:ext cx="1947969" cy="646331"/>
             </a:xfrm>
             <a:prstGeom prst="rect">
@@ -7793,85 +7638,6 @@
             </a:p>
           </p:txBody>
         </p:sp>
-        <p:sp>
-          <p:nvSpPr>
-            <p:cNvPr id="18" name="TextBox 17"/>
-            <p:cNvSpPr txBox="1"/>
-            <p:nvPr/>
-          </p:nvSpPr>
-          <p:spPr>
-            <a:xfrm>
-              <a:off x="359869" y="3861048"/>
-              <a:ext cx="1947969" cy="646331"/>
-            </a:xfrm>
-            <a:prstGeom prst="rect">
-              <a:avLst/>
-            </a:prstGeom>
-            <a:noFill/>
-          </p:spPr>
-          <p:txBody>
-            <a:bodyPr wrap="none" rtlCol="0">
-              <a:spAutoFit/>
-            </a:bodyPr>
-            <a:lstStyle/>
-            <a:p>
-              <a:r>
-                <a:rPr lang="en-US" altLang="ko-KR" sz="3600" dirty="0" smtClean="0">
-                  <a:ln>
-                    <a:solidFill>
-                      <a:schemeClr val="bg1">
-                        <a:alpha val="0"/>
-                      </a:schemeClr>
-                    </a:solidFill>
-                  </a:ln>
-                  <a:solidFill>
-                    <a:schemeClr val="accent6">
-                      <a:lumMod val="50000"/>
-                    </a:schemeClr>
-                  </a:solidFill>
-                  <a:latin typeface="-윤고딕330" pitchFamily="18" charset="-127"/>
-                  <a:ea typeface="-윤고딕330" pitchFamily="18" charset="-127"/>
-                </a:rPr>
-                <a:t>1.3 </a:t>
-              </a:r>
-              <a:r>
-                <a:rPr lang="ko-KR" altLang="en-US" sz="3600" dirty="0" smtClean="0">
-                  <a:ln>
-                    <a:solidFill>
-                      <a:schemeClr val="bg1">
-                        <a:alpha val="0"/>
-                      </a:schemeClr>
-                    </a:solidFill>
-                  </a:ln>
-                  <a:solidFill>
-                    <a:schemeClr val="accent6">
-                      <a:lumMod val="50000"/>
-                    </a:schemeClr>
-                  </a:solidFill>
-                  <a:latin typeface="-윤고딕330" pitchFamily="18" charset="-127"/>
-                  <a:ea typeface="-윤고딕330" pitchFamily="18" charset="-127"/>
-                </a:rPr>
-                <a:t>목적</a:t>
-              </a:r>
-              <a:endParaRPr lang="ko-KR" altLang="en-US" sz="2000" dirty="0">
-                <a:ln>
-                  <a:solidFill>
-                    <a:schemeClr val="bg1">
-                      <a:alpha val="0"/>
-                    </a:schemeClr>
-                  </a:solidFill>
-                </a:ln>
-                <a:solidFill>
-                  <a:schemeClr val="accent6">
-                    <a:lumMod val="50000"/>
-                  </a:schemeClr>
-                </a:solidFill>
-                <a:latin typeface="-윤고딕330" pitchFamily="18" charset="-127"/>
-                <a:ea typeface="-윤고딕330" pitchFamily="18" charset="-127"/>
-              </a:endParaRPr>
-            </a:p>
-          </p:txBody>
-        </p:sp>
       </p:grpSp>
       <p:sp>
         <p:nvSpPr>
@@ -7950,25 +7716,8 @@
                   </a:schemeClr>
                 </a:solidFill>
               </a:rPr>
-              <a:t>(</a:t>
-            </a:r>
-            <a:r>
-              <a:rPr lang="en-US" altLang="ko-KR" sz="2000" dirty="0" smtClean="0">
-                <a:solidFill>
-                  <a:schemeClr val="accent6">
-                    <a:lumMod val="50000"/>
-                  </a:schemeClr>
-                </a:solidFill>
-              </a:rPr>
-              <a:t>Tortuga Bay)</a:t>
-            </a:r>
-            <a:endParaRPr lang="en-US" altLang="ko-KR" sz="2000" dirty="0" smtClean="0">
-              <a:solidFill>
-                <a:schemeClr val="accent6">
-                  <a:lumMod val="50000"/>
-                </a:schemeClr>
-              </a:solidFill>
-            </a:endParaRPr>
+              <a:t>(Tortuga Bay)</a:t>
+            </a:r>
           </a:p>
         </p:txBody>
       </p:sp>
@@ -7980,7 +7729,7 @@
         </p:nvSpPr>
         <p:spPr>
           <a:xfrm>
-            <a:off x="588509" y="2870834"/>
+            <a:off x="588509" y="2780928"/>
             <a:ext cx="8555491" cy="609911"/>
           </a:xfrm>
           <a:prstGeom prst="rect">
@@ -8019,121 +7768,25 @@
                   </a:schemeClr>
                 </a:solidFill>
               </a:rPr>
-              <a:t> 전략 시뮬레이션 </a:t>
-            </a:r>
-            <a:r>
-              <a:rPr lang="ko-KR" altLang="en-US" sz="2000" dirty="0" smtClean="0">
+              <a:t> 전략 시뮬레이션 어드벤처 </a:t>
+            </a:r>
+            <a:r>
+              <a:rPr lang="en-US" altLang="ko-KR" sz="2000" dirty="0" smtClean="0">
                 <a:solidFill>
                   <a:schemeClr val="accent6">
                     <a:lumMod val="50000"/>
                   </a:schemeClr>
                 </a:solidFill>
               </a:rPr>
-              <a:t>어드벤처</a:t>
-            </a:r>
-            <a:r>
-              <a:rPr lang="ko-KR" altLang="en-US" sz="2000" dirty="0" smtClean="0">
-                <a:solidFill>
-                  <a:schemeClr val="accent6">
-                    <a:lumMod val="50000"/>
-                  </a:schemeClr>
-                </a:solidFill>
-              </a:rPr>
-              <a:t> </a:t>
-            </a:r>
-            <a:r>
-              <a:rPr lang="en-US" altLang="ko-KR" sz="2000" dirty="0" smtClean="0">
-                <a:solidFill>
-                  <a:schemeClr val="accent6">
-                    <a:lumMod val="50000"/>
-                  </a:schemeClr>
-                </a:solidFill>
-              </a:rPr>
               <a:t>RPG</a:t>
             </a:r>
-            <a:endParaRPr lang="en-US" altLang="ko-KR" sz="2000" dirty="0" smtClean="0">
-              <a:solidFill>
-                <a:schemeClr val="accent6">
-                  <a:lumMod val="50000"/>
-                </a:schemeClr>
-              </a:solidFill>
-            </a:endParaRPr>
-          </a:p>
-        </p:txBody>
-      </p:sp>
-      <p:sp>
-        <p:nvSpPr>
-          <p:cNvPr id="20" name="TextBox 19"/>
-          <p:cNvSpPr txBox="1"/>
-          <p:nvPr/>
-        </p:nvSpPr>
-        <p:spPr>
-          <a:xfrm>
-            <a:off x="588509" y="4581128"/>
-            <a:ext cx="8555491" cy="1323439"/>
-          </a:xfrm>
-          <a:prstGeom prst="rect">
-            <a:avLst/>
-          </a:prstGeom>
-          <a:noFill/>
-        </p:spPr>
-        <p:txBody>
-          <a:bodyPr wrap="square" rtlCol="0">
-            <a:spAutoFit/>
-          </a:bodyPr>
-          <a:lstStyle/>
-          <a:p>
-            <a:pPr marL="285750" indent="-285750">
-              <a:lnSpc>
-                <a:spcPct val="200000"/>
-              </a:lnSpc>
-              <a:buFont typeface="Arial" pitchFamily="34" charset="0"/>
-              <a:buChar char="•"/>
-            </a:pPr>
-            <a:r>
-              <a:rPr lang="ko-KR" altLang="en-US" sz="2000" dirty="0" smtClean="0">
-                <a:solidFill>
-                  <a:schemeClr val="accent6">
-                    <a:lumMod val="50000"/>
-                  </a:schemeClr>
-                </a:solidFill>
-              </a:rPr>
-              <a:t>단순 노가다 게임으로 변질될 수 있는 </a:t>
-            </a:r>
-            <a:r>
-              <a:rPr lang="en-US" altLang="ko-KR" sz="2000" dirty="0" smtClean="0">
-                <a:solidFill>
-                  <a:schemeClr val="accent6">
-                    <a:lumMod val="50000"/>
-                  </a:schemeClr>
-                </a:solidFill>
-              </a:rPr>
-              <a:t>RPG</a:t>
-            </a:r>
-            <a:r>
-              <a:rPr lang="ko-KR" altLang="en-US" sz="2000" smtClean="0">
-                <a:solidFill>
-                  <a:schemeClr val="accent6">
-                    <a:lumMod val="50000"/>
-                  </a:schemeClr>
-                </a:solidFill>
-              </a:rPr>
-              <a:t>의 단점을 보안하고자 기승전결의 시나리오를 엮</a:t>
-            </a:r>
-            <a:endParaRPr lang="en-US" altLang="ko-KR" sz="2000" dirty="0" smtClean="0">
-              <a:solidFill>
-                <a:schemeClr val="accent6">
-                  <a:lumMod val="50000"/>
-                </a:schemeClr>
-              </a:solidFill>
-            </a:endParaRPr>
           </a:p>
         </p:txBody>
       </p:sp>
     </p:spTree>
     <p:extLst>
       <p:ext uri="{BB962C8B-B14F-4D97-AF65-F5344CB8AC3E}">
-        <p14:creationId xmlns:p14="http://schemas.microsoft.com/office/powerpoint/2010/main" xmlns="" val="527779912"/>
+        <p14:creationId xmlns="" xmlns:p14="http://schemas.microsoft.com/office/powerpoint/2010/main" val="527779912"/>
       </p:ext>
     </p:extLst>
   </p:cSld>
@@ -8150,6 +7803,442 @@
       </p:par>
     </p:tnLst>
   </p:timing>
+</p:sld>
+</file>
+
+<file path=ppt/slides/slide6.xml><?xml version="1.0" encoding="utf-8"?>
+<p:sld xmlns:a="http://schemas.openxmlformats.org/drawingml/2006/main" xmlns:r="http://schemas.openxmlformats.org/officeDocument/2006/relationships" xmlns:p="http://schemas.openxmlformats.org/presentationml/2006/main">
+  <p:cSld>
+    <p:spTree>
+      <p:nvGrpSpPr>
+        <p:cNvPr id="1" name=""/>
+        <p:cNvGrpSpPr/>
+        <p:nvPr/>
+      </p:nvGrpSpPr>
+      <p:grpSpPr>
+        <a:xfrm>
+          <a:off x="0" y="0"/>
+          <a:ext cx="0" cy="0"/>
+          <a:chOff x="0" y="0"/>
+          <a:chExt cx="0" cy="0"/>
+        </a:xfrm>
+      </p:grpSpPr>
+      <p:sp>
+        <p:nvSpPr>
+          <p:cNvPr id="4" name="슬라이드 번호 개체 틀 3"/>
+          <p:cNvSpPr>
+            <a:spLocks noGrp="1"/>
+          </p:cNvSpPr>
+          <p:nvPr>
+            <p:ph type="sldNum" sz="quarter" idx="12"/>
+          </p:nvPr>
+        </p:nvSpPr>
+        <p:spPr/>
+        <p:txBody>
+          <a:bodyPr/>
+          <a:lstStyle/>
+          <a:p>
+            <a:fld id="{6077AF18-BF2E-40A5-AFCC-D5AE0C2FE057}" type="slidenum">
+              <a:rPr lang="ko-KR" altLang="en-US" smtClean="0"/>
+              <a:pPr/>
+              <a:t>6</a:t>
+            </a:fld>
+            <a:endParaRPr lang="ko-KR" altLang="en-US" dirty="0"/>
+          </a:p>
+        </p:txBody>
+      </p:sp>
+      <p:sp>
+        <p:nvSpPr>
+          <p:cNvPr id="10" name="TextBox 9"/>
+          <p:cNvSpPr txBox="1"/>
+          <p:nvPr/>
+        </p:nvSpPr>
+        <p:spPr>
+          <a:xfrm>
+            <a:off x="359869" y="332656"/>
+            <a:ext cx="1947969" cy="646331"/>
+          </a:xfrm>
+          <a:prstGeom prst="rect">
+            <a:avLst/>
+          </a:prstGeom>
+          <a:noFill/>
+        </p:spPr>
+        <p:txBody>
+          <a:bodyPr wrap="none" rtlCol="0">
+            <a:spAutoFit/>
+          </a:bodyPr>
+          <a:lstStyle/>
+          <a:p>
+            <a:r>
+              <a:rPr lang="en-US" altLang="ko-KR" sz="3600" dirty="0" smtClean="0">
+                <a:ln>
+                  <a:solidFill>
+                    <a:schemeClr val="bg1">
+                      <a:alpha val="0"/>
+                    </a:schemeClr>
+                  </a:solidFill>
+                </a:ln>
+                <a:solidFill>
+                  <a:schemeClr val="accent6">
+                    <a:lumMod val="50000"/>
+                  </a:schemeClr>
+                </a:solidFill>
+                <a:latin typeface="-윤고딕330" pitchFamily="18" charset="-127"/>
+                <a:ea typeface="-윤고딕330" pitchFamily="18" charset="-127"/>
+              </a:rPr>
+              <a:t>1.3 </a:t>
+            </a:r>
+            <a:r>
+              <a:rPr lang="ko-KR" altLang="en-US" sz="3600" dirty="0" smtClean="0">
+                <a:ln>
+                  <a:solidFill>
+                    <a:schemeClr val="bg1">
+                      <a:alpha val="0"/>
+                    </a:schemeClr>
+                  </a:solidFill>
+                </a:ln>
+                <a:solidFill>
+                  <a:schemeClr val="accent6">
+                    <a:lumMod val="50000"/>
+                  </a:schemeClr>
+                </a:solidFill>
+                <a:latin typeface="-윤고딕330" pitchFamily="18" charset="-127"/>
+                <a:ea typeface="-윤고딕330" pitchFamily="18" charset="-127"/>
+              </a:rPr>
+              <a:t>특징</a:t>
+            </a:r>
+            <a:endParaRPr lang="ko-KR" altLang="en-US" sz="2000" dirty="0">
+              <a:ln>
+                <a:solidFill>
+                  <a:schemeClr val="bg1">
+                    <a:alpha val="0"/>
+                  </a:schemeClr>
+                </a:solidFill>
+              </a:ln>
+              <a:solidFill>
+                <a:schemeClr val="accent6">
+                  <a:lumMod val="50000"/>
+                </a:schemeClr>
+              </a:solidFill>
+              <a:latin typeface="-윤고딕330" pitchFamily="18" charset="-127"/>
+              <a:ea typeface="-윤고딕330" pitchFamily="18" charset="-127"/>
+            </a:endParaRPr>
+          </a:p>
+        </p:txBody>
+      </p:sp>
+      <p:grpSp>
+        <p:nvGrpSpPr>
+          <p:cNvPr id="12" name="그룹 11"/>
+          <p:cNvGrpSpPr/>
+          <p:nvPr/>
+        </p:nvGrpSpPr>
+        <p:grpSpPr>
+          <a:xfrm>
+            <a:off x="827584" y="1340768"/>
+            <a:ext cx="7297655" cy="1800200"/>
+            <a:chOff x="1979712" y="4653136"/>
+            <a:chExt cx="7297655" cy="1800200"/>
+          </a:xfrm>
+        </p:grpSpPr>
+        <p:sp>
+          <p:nvSpPr>
+            <p:cNvPr id="5" name="모서리가 둥근 직사각형 4"/>
+            <p:cNvSpPr/>
+            <p:nvPr/>
+          </p:nvSpPr>
+          <p:spPr>
+            <a:xfrm>
+              <a:off x="1979712" y="4653136"/>
+              <a:ext cx="4464496" cy="1800200"/>
+            </a:xfrm>
+            <a:prstGeom prst="roundRect">
+              <a:avLst/>
+            </a:prstGeom>
+            <a:solidFill>
+              <a:schemeClr val="accent6">
+                <a:lumMod val="60000"/>
+                <a:lumOff val="40000"/>
+              </a:schemeClr>
+            </a:solidFill>
+            <a:ln>
+              <a:noFill/>
+            </a:ln>
+          </p:spPr>
+          <p:style>
+            <a:lnRef idx="2">
+              <a:schemeClr val="accent1">
+                <a:shade val="50000"/>
+              </a:schemeClr>
+            </a:lnRef>
+            <a:fillRef idx="1">
+              <a:schemeClr val="accent1"/>
+            </a:fillRef>
+            <a:effectRef idx="0">
+              <a:schemeClr val="accent1"/>
+            </a:effectRef>
+            <a:fontRef idx="minor">
+              <a:schemeClr val="lt1"/>
+            </a:fontRef>
+          </p:style>
+          <p:txBody>
+            <a:bodyPr rtlCol="0" anchor="ctr"/>
+            <a:lstStyle/>
+            <a:p>
+              <a:pPr algn="ctr"/>
+              <a:r>
+                <a:rPr lang="ko-KR" altLang="en-US" b="1" dirty="0" smtClean="0">
+                  <a:solidFill>
+                    <a:schemeClr val="tx1"/>
+                  </a:solidFill>
+                </a:rPr>
+                <a:t>다양한 전개의 시나리오와 </a:t>
+              </a:r>
+              <a:r>
+                <a:rPr lang="ko-KR" altLang="en-US" b="1" dirty="0" err="1" smtClean="0">
+                  <a:solidFill>
+                    <a:schemeClr val="tx1"/>
+                  </a:solidFill>
+                </a:rPr>
+                <a:t>콘텐츠</a:t>
+              </a:r>
+              <a:endParaRPr lang="en-US" altLang="ko-KR" b="1" dirty="0" smtClean="0">
+                <a:solidFill>
+                  <a:schemeClr val="tx1"/>
+                </a:solidFill>
+              </a:endParaRPr>
+            </a:p>
+            <a:p>
+              <a:pPr algn="ctr"/>
+              <a:endParaRPr lang="en-US" altLang="ko-KR" dirty="0" smtClean="0"/>
+            </a:p>
+            <a:p>
+              <a:pPr algn="ctr"/>
+              <a:endParaRPr lang="en-US" altLang="ko-KR" dirty="0" smtClean="0"/>
+            </a:p>
+            <a:p>
+              <a:pPr algn="ctr"/>
+              <a:endParaRPr lang="en-US" altLang="ko-KR" dirty="0" smtClean="0"/>
+            </a:p>
+            <a:p>
+              <a:pPr algn="ctr"/>
+              <a:endParaRPr lang="ko-KR" altLang="en-US" dirty="0"/>
+            </a:p>
+          </p:txBody>
+        </p:sp>
+        <p:sp>
+          <p:nvSpPr>
+            <p:cNvPr id="6" name="모서리가 둥근 직사각형 5"/>
+            <p:cNvSpPr/>
+            <p:nvPr/>
+          </p:nvSpPr>
+          <p:spPr>
+            <a:xfrm>
+              <a:off x="3419872" y="5301208"/>
+              <a:ext cx="1584176" cy="1008112"/>
+            </a:xfrm>
+            <a:prstGeom prst="roundRect">
+              <a:avLst/>
+            </a:prstGeom>
+            <a:solidFill>
+              <a:srgbClr val="FFC000"/>
+            </a:solidFill>
+          </p:spPr>
+          <p:style>
+            <a:lnRef idx="2">
+              <a:schemeClr val="accent1">
+                <a:shade val="50000"/>
+              </a:schemeClr>
+            </a:lnRef>
+            <a:fillRef idx="1">
+              <a:schemeClr val="accent1"/>
+            </a:fillRef>
+            <a:effectRef idx="0">
+              <a:schemeClr val="accent1"/>
+            </a:effectRef>
+            <a:fontRef idx="minor">
+              <a:schemeClr val="lt1"/>
+            </a:fontRef>
+          </p:style>
+          <p:txBody>
+            <a:bodyPr rtlCol="0" anchor="ctr"/>
+            <a:lstStyle/>
+            <a:p>
+              <a:pPr algn="ctr"/>
+              <a:r>
+                <a:rPr lang="ko-KR" altLang="en-US" b="1" dirty="0" smtClean="0">
+                  <a:solidFill>
+                    <a:schemeClr val="tx1"/>
+                  </a:solidFill>
+                </a:rPr>
+                <a:t>단순 반복 작업 </a:t>
+              </a:r>
+              <a:r>
+                <a:rPr lang="en-US" altLang="ko-KR" b="1" dirty="0" smtClean="0">
+                  <a:solidFill>
+                    <a:schemeClr val="tx1"/>
+                  </a:solidFill>
+                </a:rPr>
+                <a:t>RPG</a:t>
+              </a:r>
+              <a:endParaRPr lang="ko-KR" altLang="en-US" b="1" dirty="0">
+                <a:solidFill>
+                  <a:schemeClr val="tx1"/>
+                </a:solidFill>
+              </a:endParaRPr>
+            </a:p>
+          </p:txBody>
+        </p:sp>
+        <p:cxnSp>
+          <p:nvCxnSpPr>
+            <p:cNvPr id="7" name="직선 화살표 연결선 6"/>
+            <p:cNvCxnSpPr/>
+            <p:nvPr/>
+          </p:nvCxnSpPr>
+          <p:spPr>
+            <a:xfrm flipH="1" flipV="1">
+              <a:off x="4932040" y="5949280"/>
+              <a:ext cx="1872208" cy="216024"/>
+            </a:xfrm>
+            <a:prstGeom prst="straightConnector1">
+              <a:avLst/>
+            </a:prstGeom>
+            <a:ln w="38100">
+              <a:solidFill>
+                <a:schemeClr val="tx2">
+                  <a:lumMod val="75000"/>
+                </a:schemeClr>
+              </a:solidFill>
+              <a:tailEnd type="arrow"/>
+            </a:ln>
+          </p:spPr>
+          <p:style>
+            <a:lnRef idx="1">
+              <a:schemeClr val="accent1"/>
+            </a:lnRef>
+            <a:fillRef idx="0">
+              <a:schemeClr val="accent1"/>
+            </a:fillRef>
+            <a:effectRef idx="0">
+              <a:schemeClr val="accent1"/>
+            </a:effectRef>
+            <a:fontRef idx="minor">
+              <a:schemeClr val="tx1"/>
+            </a:fontRef>
+          </p:style>
+        </p:cxnSp>
+        <p:sp>
+          <p:nvSpPr>
+            <p:cNvPr id="8" name="TextBox 7"/>
+            <p:cNvSpPr txBox="1"/>
+            <p:nvPr/>
+          </p:nvSpPr>
+          <p:spPr>
+            <a:xfrm>
+              <a:off x="6870134" y="6011996"/>
+              <a:ext cx="2166362" cy="369332"/>
+            </a:xfrm>
+            <a:prstGeom prst="rect">
+              <a:avLst/>
+            </a:prstGeom>
+            <a:noFill/>
+          </p:spPr>
+          <p:txBody>
+            <a:bodyPr wrap="none" rtlCol="0">
+              <a:spAutoFit/>
+            </a:bodyPr>
+            <a:lstStyle/>
+            <a:p>
+              <a:r>
+                <a:rPr lang="en-US" altLang="ko-KR" dirty="0" smtClean="0"/>
+                <a:t>RPG</a:t>
+              </a:r>
+              <a:r>
+                <a:rPr lang="ko-KR" altLang="en-US" dirty="0" smtClean="0"/>
+                <a:t>의 치명적 단점</a:t>
+              </a:r>
+              <a:endParaRPr lang="ko-KR" altLang="en-US" dirty="0"/>
+            </a:p>
+          </p:txBody>
+        </p:sp>
+        <p:cxnSp>
+          <p:nvCxnSpPr>
+            <p:cNvPr id="9" name="직선 화살표 연결선 8"/>
+            <p:cNvCxnSpPr/>
+            <p:nvPr/>
+          </p:nvCxnSpPr>
+          <p:spPr>
+            <a:xfrm flipH="1">
+              <a:off x="6156176" y="5085184"/>
+              <a:ext cx="936104" cy="0"/>
+            </a:xfrm>
+            <a:prstGeom prst="straightConnector1">
+              <a:avLst/>
+            </a:prstGeom>
+            <a:ln w="38100">
+              <a:solidFill>
+                <a:srgbClr val="C00000"/>
+              </a:solidFill>
+              <a:tailEnd type="arrow"/>
+            </a:ln>
+          </p:spPr>
+          <p:style>
+            <a:lnRef idx="1">
+              <a:schemeClr val="accent2"/>
+            </a:lnRef>
+            <a:fillRef idx="0">
+              <a:schemeClr val="accent2"/>
+            </a:fillRef>
+            <a:effectRef idx="0">
+              <a:schemeClr val="accent2"/>
+            </a:effectRef>
+            <a:fontRef idx="minor">
+              <a:schemeClr val="tx1"/>
+            </a:fontRef>
+          </p:style>
+        </p:cxnSp>
+        <p:sp>
+          <p:nvSpPr>
+            <p:cNvPr id="11" name="TextBox 10"/>
+            <p:cNvSpPr txBox="1"/>
+            <p:nvPr/>
+          </p:nvSpPr>
+          <p:spPr>
+            <a:xfrm>
+              <a:off x="7164288" y="4869160"/>
+              <a:ext cx="2113079" cy="369332"/>
+            </a:xfrm>
+            <a:prstGeom prst="rect">
+              <a:avLst/>
+            </a:prstGeom>
+            <a:noFill/>
+          </p:spPr>
+          <p:txBody>
+            <a:bodyPr wrap="none" rtlCol="0">
+              <a:spAutoFit/>
+            </a:bodyPr>
+            <a:lstStyle/>
+            <a:p>
+              <a:r>
+                <a:rPr lang="ko-KR" altLang="en-US" err="1" smtClean="0"/>
+                <a:t>토투가베이의</a:t>
+              </a:r>
+              <a:r>
+                <a:rPr lang="ko-KR" altLang="en-US" dirty="0" smtClean="0"/>
+                <a:t> 강점</a:t>
+              </a:r>
+              <a:endParaRPr lang="ko-KR" altLang="en-US" dirty="0"/>
+            </a:p>
+          </p:txBody>
+        </p:sp>
+      </p:grpSp>
+    </p:spTree>
+  </p:cSld>
+  <p:clrMapOvr>
+    <a:masterClrMapping/>
+  </p:clrMapOvr>
+  <p:transition spd="slow">
+    <p:push dir="u"/>
+  </p:transition>
 </p:sld>
 </file>
 

--- a/tortuga bay 1.pptx
+++ b/tortuga bay 1.pptx
@@ -5,18 +5,30 @@
     <p:sldMasterId id="2147483648" r:id="rId1"/>
   </p:sldMasterIdLst>
   <p:notesMasterIdLst>
-    <p:notesMasterId r:id="rId8"/>
+    <p:notesMasterId r:id="rId20"/>
   </p:notesMasterIdLst>
   <p:handoutMasterIdLst>
-    <p:handoutMasterId r:id="rId9"/>
+    <p:handoutMasterId r:id="rId21"/>
   </p:handoutMasterIdLst>
   <p:sldIdLst>
     <p:sldId id="256" r:id="rId2"/>
     <p:sldId id="269" r:id="rId3"/>
-    <p:sldId id="270" r:id="rId4"/>
-    <p:sldId id="258" r:id="rId5"/>
+    <p:sldId id="258" r:id="rId4"/>
+    <p:sldId id="284" r:id="rId5"/>
     <p:sldId id="268" r:id="rId6"/>
-    <p:sldId id="271" r:id="rId7"/>
+    <p:sldId id="285" r:id="rId7"/>
+    <p:sldId id="271" r:id="rId8"/>
+    <p:sldId id="275" r:id="rId9"/>
+    <p:sldId id="272" r:id="rId10"/>
+    <p:sldId id="273" r:id="rId11"/>
+    <p:sldId id="274" r:id="rId12"/>
+    <p:sldId id="276" r:id="rId13"/>
+    <p:sldId id="277" r:id="rId14"/>
+    <p:sldId id="278" r:id="rId15"/>
+    <p:sldId id="279" r:id="rId16"/>
+    <p:sldId id="280" r:id="rId17"/>
+    <p:sldId id="281" r:id="rId18"/>
+    <p:sldId id="282" r:id="rId19"/>
   </p:sldIdLst>
   <p:sldSz cx="9144000" cy="6858000" type="screen4x3"/>
   <p:notesSz cx="6797675" cy="9874250"/>
@@ -277,7 +289,7 @@
     </p:spTree>
     <p:extLst>
       <p:ext uri="{BB962C8B-B14F-4D97-AF65-F5344CB8AC3E}">
-        <p14:creationId xmlns="" xmlns:p14="http://schemas.microsoft.com/office/powerpoint/2010/main" val="2213009851"/>
+        <p14:creationId xmlns:p14="http://schemas.microsoft.com/office/powerpoint/2010/main" xmlns="" val="2213009851"/>
       </p:ext>
     </p:extLst>
   </p:cSld>
@@ -538,7 +550,7 @@
     </p:spTree>
     <p:extLst>
       <p:ext uri="{BB962C8B-B14F-4D97-AF65-F5344CB8AC3E}">
-        <p14:creationId xmlns="" xmlns:p14="http://schemas.microsoft.com/office/powerpoint/2010/main" val="2501243732"/>
+        <p14:creationId xmlns:p14="http://schemas.microsoft.com/office/powerpoint/2010/main" xmlns="" val="2501243732"/>
       </p:ext>
     </p:extLst>
   </p:cSld>
@@ -839,7 +851,7 @@
     </p:spTree>
     <p:extLst>
       <p:ext uri="{BB962C8B-B14F-4D97-AF65-F5344CB8AC3E}">
-        <p14:creationId xmlns="" xmlns:p14="http://schemas.microsoft.com/office/powerpoint/2010/main" val="2070404567"/>
+        <p14:creationId xmlns:p14="http://schemas.microsoft.com/office/powerpoint/2010/main" xmlns="" val="2070404567"/>
       </p:ext>
     </p:extLst>
   </p:cSld>
@@ -1021,7 +1033,7 @@
     </p:spTree>
     <p:extLst>
       <p:ext uri="{BB962C8B-B14F-4D97-AF65-F5344CB8AC3E}">
-        <p14:creationId xmlns="" xmlns:p14="http://schemas.microsoft.com/office/powerpoint/2010/main" val="2365711366"/>
+        <p14:creationId xmlns:p14="http://schemas.microsoft.com/office/powerpoint/2010/main" xmlns="" val="2365711366"/>
       </p:ext>
     </p:extLst>
   </p:cSld>
@@ -1206,7 +1218,7 @@
     </p:spTree>
     <p:extLst>
       <p:ext uri="{BB962C8B-B14F-4D97-AF65-F5344CB8AC3E}">
-        <p14:creationId xmlns="" xmlns:p14="http://schemas.microsoft.com/office/powerpoint/2010/main" val="707905946"/>
+        <p14:creationId xmlns:p14="http://schemas.microsoft.com/office/powerpoint/2010/main" xmlns="" val="707905946"/>
       </p:ext>
     </p:extLst>
   </p:cSld>
@@ -1381,7 +1393,7 @@
     </p:spTree>
     <p:extLst>
       <p:ext uri="{BB962C8B-B14F-4D97-AF65-F5344CB8AC3E}">
-        <p14:creationId xmlns="" xmlns:p14="http://schemas.microsoft.com/office/powerpoint/2010/main" val="1869324206"/>
+        <p14:creationId xmlns:p14="http://schemas.microsoft.com/office/powerpoint/2010/main" xmlns="" val="1869324206"/>
       </p:ext>
     </p:extLst>
   </p:cSld>
@@ -1632,7 +1644,7 @@
     </p:spTree>
     <p:extLst>
       <p:ext uri="{BB962C8B-B14F-4D97-AF65-F5344CB8AC3E}">
-        <p14:creationId xmlns="" xmlns:p14="http://schemas.microsoft.com/office/powerpoint/2010/main" val="4219159056"/>
+        <p14:creationId xmlns:p14="http://schemas.microsoft.com/office/powerpoint/2010/main" xmlns="" val="4219159056"/>
       </p:ext>
     </p:extLst>
   </p:cSld>
@@ -1925,7 +1937,7 @@
     </p:spTree>
     <p:extLst>
       <p:ext uri="{BB962C8B-B14F-4D97-AF65-F5344CB8AC3E}">
-        <p14:creationId xmlns="" xmlns:p14="http://schemas.microsoft.com/office/powerpoint/2010/main" val="1106473477"/>
+        <p14:creationId xmlns:p14="http://schemas.microsoft.com/office/powerpoint/2010/main" xmlns="" val="1106473477"/>
       </p:ext>
     </p:extLst>
   </p:cSld>
@@ -2352,7 +2364,7 @@
     </p:spTree>
     <p:extLst>
       <p:ext uri="{BB962C8B-B14F-4D97-AF65-F5344CB8AC3E}">
-        <p14:creationId xmlns="" xmlns:p14="http://schemas.microsoft.com/office/powerpoint/2010/main" val="2304094589"/>
+        <p14:creationId xmlns:p14="http://schemas.microsoft.com/office/powerpoint/2010/main" xmlns="" val="2304094589"/>
       </p:ext>
     </p:extLst>
   </p:cSld>
@@ -2475,7 +2487,7 @@
     </p:spTree>
     <p:extLst>
       <p:ext uri="{BB962C8B-B14F-4D97-AF65-F5344CB8AC3E}">
-        <p14:creationId xmlns="" xmlns:p14="http://schemas.microsoft.com/office/powerpoint/2010/main" val="1861322463"/>
+        <p14:creationId xmlns:p14="http://schemas.microsoft.com/office/powerpoint/2010/main" xmlns="" val="1861322463"/>
       </p:ext>
     </p:extLst>
   </p:cSld>
@@ -2575,7 +2587,7 @@
     </p:spTree>
     <p:extLst>
       <p:ext uri="{BB962C8B-B14F-4D97-AF65-F5344CB8AC3E}">
-        <p14:creationId xmlns="" xmlns:p14="http://schemas.microsoft.com/office/powerpoint/2010/main" val="1290982777"/>
+        <p14:creationId xmlns:p14="http://schemas.microsoft.com/office/powerpoint/2010/main" xmlns="" val="1290982777"/>
       </p:ext>
     </p:extLst>
   </p:cSld>
@@ -2857,7 +2869,7 @@
     </p:spTree>
     <p:extLst>
       <p:ext uri="{BB962C8B-B14F-4D97-AF65-F5344CB8AC3E}">
-        <p14:creationId xmlns="" xmlns:p14="http://schemas.microsoft.com/office/powerpoint/2010/main" val="1936420163"/>
+        <p14:creationId xmlns:p14="http://schemas.microsoft.com/office/powerpoint/2010/main" xmlns="" val="1936420163"/>
       </p:ext>
     </p:extLst>
   </p:cSld>
@@ -3115,7 +3127,7 @@
     </p:spTree>
     <p:extLst>
       <p:ext uri="{BB962C8B-B14F-4D97-AF65-F5344CB8AC3E}">
-        <p14:creationId xmlns="" xmlns:p14="http://schemas.microsoft.com/office/powerpoint/2010/main" val="3541544067"/>
+        <p14:creationId xmlns:p14="http://schemas.microsoft.com/office/powerpoint/2010/main" xmlns="" val="3541544067"/>
       </p:ext>
     </p:extLst>
   </p:cSld>
@@ -3399,7 +3411,7 @@
               </a:duotone>
               <a:extLst>
                 <a:ext uri="{BEBA8EAE-BF5A-486C-A8C5-ECC9F3942E4B}">
-                  <a14:imgProps xmlns="" xmlns:a14="http://schemas.microsoft.com/office/drawing/2010/main">
+                  <a14:imgProps xmlns:a14="http://schemas.microsoft.com/office/drawing/2010/main" xmlns="">
                     <a14:imgLayer r:embed="rId14">
                       <a14:imgEffect>
                         <a14:saturation sat="0"/>
@@ -3408,7 +3420,7 @@
                   </a14:imgProps>
                 </a:ext>
                 <a:ext uri="{28A0092B-C50C-407E-A947-70E740481C1C}">
-                  <a14:useLocalDpi xmlns="" xmlns:a14="http://schemas.microsoft.com/office/drawing/2010/main" val="0"/>
+                  <a14:useLocalDpi xmlns:a14="http://schemas.microsoft.com/office/drawing/2010/main" xmlns="" val="0"/>
                 </a:ext>
               </a:extLst>
             </a:blip>
@@ -3438,7 +3450,7 @@
             <a:blip r:embed="rId15" cstate="print">
               <a:extLst>
                 <a:ext uri="{28A0092B-C50C-407E-A947-70E740481C1C}">
-                  <a14:useLocalDpi xmlns="" xmlns:a14="http://schemas.microsoft.com/office/drawing/2010/main" val="0"/>
+                  <a14:useLocalDpi xmlns:a14="http://schemas.microsoft.com/office/drawing/2010/main" xmlns="" val="0"/>
                 </a:ext>
               </a:extLst>
             </a:blip>
@@ -3460,7 +3472,7 @@
     </p:spTree>
     <p:extLst>
       <p:ext uri="{BB962C8B-B14F-4D97-AF65-F5344CB8AC3E}">
-        <p14:creationId xmlns="" xmlns:p14="http://schemas.microsoft.com/office/powerpoint/2010/main" val="3586662826"/>
+        <p14:creationId xmlns:p14="http://schemas.microsoft.com/office/powerpoint/2010/main" xmlns="" val="3586662826"/>
       </p:ext>
     </p:extLst>
   </p:cSld>
@@ -3930,7 +3942,7 @@
             <a:blip r:embed="rId2" cstate="print">
               <a:extLst>
                 <a:ext uri="{28A0092B-C50C-407E-A947-70E740481C1C}">
-                  <a14:useLocalDpi xmlns="" xmlns:a14="http://schemas.microsoft.com/office/drawing/2010/main" val="0"/>
+                  <a14:useLocalDpi xmlns:a14="http://schemas.microsoft.com/office/drawing/2010/main" xmlns="" val="0"/>
                 </a:ext>
               </a:extLst>
             </a:blip>
@@ -4118,7 +4130,7 @@
           <p:spPr>
             <a:xfrm>
               <a:off x="323528" y="3851756"/>
-              <a:ext cx="3265638" cy="369332"/>
+              <a:ext cx="2747868" cy="338554"/>
             </a:xfrm>
             <a:prstGeom prst="rect">
               <a:avLst/>
@@ -4149,7 +4161,27 @@
                   <a:latin typeface="-윤고딕330" pitchFamily="18" charset="-127"/>
                   <a:ea typeface="-윤고딕330" pitchFamily="18" charset="-127"/>
                 </a:rPr>
-                <a:t>Project Manager – </a:t>
+                <a:t>Project Manager </a:t>
+              </a:r>
+              <a:r>
+                <a:rPr lang="en-US" altLang="ko-KR" sz="1400" dirty="0" smtClean="0">
+                  <a:ln>
+                    <a:solidFill>
+                      <a:schemeClr val="bg1">
+                        <a:alpha val="0"/>
+                      </a:schemeClr>
+                    </a:solidFill>
+                  </a:ln>
+                  <a:solidFill>
+                    <a:schemeClr val="tx1">
+                      <a:lumMod val="75000"/>
+                      <a:lumOff val="25000"/>
+                    </a:schemeClr>
+                  </a:solidFill>
+                  <a:latin typeface="-윤고딕330" pitchFamily="18" charset="-127"/>
+                  <a:ea typeface="-윤고딕330" pitchFamily="18" charset="-127"/>
+                </a:rPr>
+                <a:t>  –  </a:t>
               </a:r>
               <a:r>
                 <a:rPr lang="ko-KR" altLang="en-US" sz="1600" dirty="0" smtClean="0">
@@ -4170,66 +4202,6 @@
                   <a:ea typeface="-윤고딕330" pitchFamily="18" charset="-127"/>
                 </a:rPr>
                 <a:t>김 경만 </a:t>
-              </a:r>
-              <a:r>
-                <a:rPr lang="en-US" altLang="ko-KR" sz="1600" dirty="0" smtClean="0">
-                  <a:ln>
-                    <a:solidFill>
-                      <a:schemeClr val="bg1">
-                        <a:alpha val="0"/>
-                      </a:schemeClr>
-                    </a:solidFill>
-                  </a:ln>
-                  <a:solidFill>
-                    <a:schemeClr val="tx1">
-                      <a:lumMod val="75000"/>
-                      <a:lumOff val="25000"/>
-                    </a:schemeClr>
-                  </a:solidFill>
-                  <a:latin typeface="-윤고딕330" pitchFamily="18" charset="-127"/>
-                  <a:ea typeface="-윤고딕330" pitchFamily="18" charset="-127"/>
-                </a:rPr>
-                <a:t>(3</a:t>
-              </a:r>
-              <a:r>
-                <a:rPr lang="ko-KR" altLang="en-US" sz="1600" dirty="0" smtClean="0">
-                  <a:ln>
-                    <a:solidFill>
-                      <a:schemeClr val="bg1">
-                        <a:alpha val="0"/>
-                      </a:schemeClr>
-                    </a:solidFill>
-                  </a:ln>
-                  <a:solidFill>
-                    <a:schemeClr val="tx1">
-                      <a:lumMod val="75000"/>
-                      <a:lumOff val="25000"/>
-                    </a:schemeClr>
-                  </a:solidFill>
-                  <a:latin typeface="-윤고딕330" pitchFamily="18" charset="-127"/>
-                  <a:ea typeface="-윤고딕330" pitchFamily="18" charset="-127"/>
-                </a:rPr>
-                <a:t>학년</a:t>
-              </a:r>
-              <a:r>
-                <a:rPr lang="en-US" altLang="ko-KR" dirty="0" smtClean="0">
-                  <a:ln>
-                    <a:solidFill>
-                      <a:schemeClr val="bg1">
-                        <a:alpha val="0"/>
-                      </a:schemeClr>
-                    </a:solidFill>
-                  </a:ln>
-                  <a:solidFill>
-                    <a:schemeClr val="tx1">
-                      <a:lumMod val="75000"/>
-                      <a:lumOff val="25000"/>
-                    </a:schemeClr>
-                  </a:solidFill>
-                  <a:latin typeface="-윤고딕330" pitchFamily="18" charset="-127"/>
-                  <a:ea typeface="-윤고딕330" pitchFamily="18" charset="-127"/>
-                </a:rPr>
-                <a:t>)</a:t>
               </a:r>
               <a:endParaRPr lang="ko-KR" altLang="en-US" sz="1600" dirty="0">
                 <a:ln>
@@ -4270,7 +4242,7 @@
               </a:duotone>
               <a:extLst>
                 <a:ext uri="{28A0092B-C50C-407E-A947-70E740481C1C}">
-                  <a14:useLocalDpi xmlns="" xmlns:a14="http://schemas.microsoft.com/office/drawing/2010/main" val="0"/>
+                  <a14:useLocalDpi xmlns:a14="http://schemas.microsoft.com/office/drawing/2010/main" xmlns="" val="0"/>
                 </a:ext>
               </a:extLst>
             </a:blip>
@@ -4297,7 +4269,7 @@
         </p:nvSpPr>
         <p:spPr>
           <a:xfrm>
-            <a:off x="1547664" y="4365104"/>
+            <a:off x="1043608" y="4365104"/>
             <a:ext cx="2016224" cy="830997"/>
           </a:xfrm>
           <a:prstGeom prst="rect">
@@ -4334,27 +4306,7 @@
                 <a:latin typeface="-윤고딕330" pitchFamily="18" charset="-127"/>
                 <a:ea typeface="-윤고딕330" pitchFamily="18" charset="-127"/>
               </a:rPr>
-              <a:t>이 가을 </a:t>
-            </a:r>
-            <a:r>
-              <a:rPr lang="en-US" altLang="ko-KR" sz="1600" dirty="0" smtClean="0">
-                <a:ln>
-                  <a:solidFill>
-                    <a:schemeClr val="bg1">
-                      <a:alpha val="0"/>
-                    </a:schemeClr>
-                  </a:solidFill>
-                </a:ln>
-                <a:solidFill>
-                  <a:schemeClr val="tx1">
-                    <a:lumMod val="75000"/>
-                    <a:lumOff val="25000"/>
-                  </a:schemeClr>
-                </a:solidFill>
-                <a:latin typeface="-윤고딕330" pitchFamily="18" charset="-127"/>
-                <a:ea typeface="-윤고딕330" pitchFamily="18" charset="-127"/>
-              </a:rPr>
-              <a:t>(3</a:t>
+              <a:t>이 </a:t>
             </a:r>
             <a:r>
               <a:rPr lang="ko-KR" altLang="en-US" sz="1600" dirty="0" smtClean="0">
@@ -4374,47 +4326,7 @@
                 <a:latin typeface="-윤고딕330" pitchFamily="18" charset="-127"/>
                 <a:ea typeface="-윤고딕330" pitchFamily="18" charset="-127"/>
               </a:rPr>
-              <a:t>학년</a:t>
-            </a:r>
-            <a:r>
-              <a:rPr lang="en-US" altLang="ko-KR" sz="1600" dirty="0" smtClean="0">
-                <a:ln>
-                  <a:solidFill>
-                    <a:schemeClr val="bg1">
-                      <a:alpha val="0"/>
-                    </a:schemeClr>
-                  </a:solidFill>
-                </a:ln>
-                <a:solidFill>
-                  <a:schemeClr val="tx1">
-                    <a:lumMod val="75000"/>
-                    <a:lumOff val="25000"/>
-                  </a:schemeClr>
-                </a:solidFill>
-                <a:latin typeface="-윤고딕330" pitchFamily="18" charset="-127"/>
-                <a:ea typeface="-윤고딕330" pitchFamily="18" charset="-127"/>
-              </a:rPr>
-              <a:t>)</a:t>
-            </a:r>
-            <a:r>
-              <a:rPr lang="ko-KR" altLang="en-US" sz="1600" dirty="0" smtClean="0">
-                <a:ln>
-                  <a:solidFill>
-                    <a:schemeClr val="bg1">
-                      <a:alpha val="0"/>
-                    </a:schemeClr>
-                  </a:solidFill>
-                </a:ln>
-                <a:solidFill>
-                  <a:schemeClr val="tx1">
-                    <a:lumMod val="75000"/>
-                    <a:lumOff val="25000"/>
-                  </a:schemeClr>
-                </a:solidFill>
-                <a:latin typeface="-윤고딕330" pitchFamily="18" charset="-127"/>
-                <a:ea typeface="-윤고딕330" pitchFamily="18" charset="-127"/>
-              </a:rPr>
-              <a:t> </a:t>
+              <a:t>가을</a:t>
             </a:r>
             <a:endParaRPr lang="en-US" altLang="ko-KR" sz="1600" dirty="0" smtClean="0">
               <a:ln>
@@ -4458,27 +4370,7 @@
                 <a:latin typeface="-윤고딕330" pitchFamily="18" charset="-127"/>
                 <a:ea typeface="-윤고딕330" pitchFamily="18" charset="-127"/>
               </a:rPr>
-              <a:t>이 윤희 </a:t>
-            </a:r>
-            <a:r>
-              <a:rPr lang="en-US" altLang="ko-KR" sz="1600" dirty="0" smtClean="0">
-                <a:ln>
-                  <a:solidFill>
-                    <a:schemeClr val="bg1">
-                      <a:alpha val="0"/>
-                    </a:schemeClr>
-                  </a:solidFill>
-                </a:ln>
-                <a:solidFill>
-                  <a:schemeClr val="tx1">
-                    <a:lumMod val="75000"/>
-                    <a:lumOff val="25000"/>
-                  </a:schemeClr>
-                </a:solidFill>
-                <a:latin typeface="-윤고딕330" pitchFamily="18" charset="-127"/>
-                <a:ea typeface="-윤고딕330" pitchFamily="18" charset="-127"/>
-              </a:rPr>
-              <a:t>(3</a:t>
+              <a:t>이 </a:t>
             </a:r>
             <a:r>
               <a:rPr lang="ko-KR" altLang="en-US" sz="1600" dirty="0" smtClean="0">
@@ -4498,47 +4390,7 @@
                 <a:latin typeface="-윤고딕330" pitchFamily="18" charset="-127"/>
                 <a:ea typeface="-윤고딕330" pitchFamily="18" charset="-127"/>
               </a:rPr>
-              <a:t>학년</a:t>
-            </a:r>
-            <a:r>
-              <a:rPr lang="en-US" altLang="ko-KR" sz="1600" dirty="0" smtClean="0">
-                <a:ln>
-                  <a:solidFill>
-                    <a:schemeClr val="bg1">
-                      <a:alpha val="0"/>
-                    </a:schemeClr>
-                  </a:solidFill>
-                </a:ln>
-                <a:solidFill>
-                  <a:schemeClr val="tx1">
-                    <a:lumMod val="75000"/>
-                    <a:lumOff val="25000"/>
-                  </a:schemeClr>
-                </a:solidFill>
-                <a:latin typeface="-윤고딕330" pitchFamily="18" charset="-127"/>
-                <a:ea typeface="-윤고딕330" pitchFamily="18" charset="-127"/>
-              </a:rPr>
-              <a:t>)</a:t>
-            </a:r>
-            <a:r>
-              <a:rPr lang="ko-KR" altLang="en-US" sz="1600" dirty="0" smtClean="0">
-                <a:ln>
-                  <a:solidFill>
-                    <a:schemeClr val="bg1">
-                      <a:alpha val="0"/>
-                    </a:schemeClr>
-                  </a:solidFill>
-                </a:ln>
-                <a:solidFill>
-                  <a:schemeClr val="tx1">
-                    <a:lumMod val="75000"/>
-                    <a:lumOff val="25000"/>
-                  </a:schemeClr>
-                </a:solidFill>
-                <a:latin typeface="-윤고딕330" pitchFamily="18" charset="-127"/>
-                <a:ea typeface="-윤고딕330" pitchFamily="18" charset="-127"/>
-              </a:rPr>
-              <a:t> </a:t>
+              <a:t>윤희</a:t>
             </a:r>
             <a:endParaRPr lang="ko-KR" altLang="en-US" sz="1600" dirty="0">
               <a:ln>
@@ -4560,64 +4412,10 @@
           </a:p>
         </p:txBody>
       </p:sp>
-      <p:sp>
-        <p:nvSpPr>
-          <p:cNvPr id="15" name="TextBox 14"/>
-          <p:cNvSpPr txBox="1"/>
-          <p:nvPr/>
-        </p:nvSpPr>
-        <p:spPr>
-          <a:xfrm>
-            <a:off x="6633376" y="3212976"/>
-            <a:ext cx="2510624" cy="338554"/>
-          </a:xfrm>
-          <a:prstGeom prst="rect">
-            <a:avLst/>
-          </a:prstGeom>
-          <a:noFill/>
-        </p:spPr>
-        <p:txBody>
-          <a:bodyPr wrap="none" rtlCol="0">
-            <a:spAutoFit/>
-          </a:bodyPr>
-          <a:lstStyle/>
-          <a:p>
-            <a:r>
-              <a:rPr lang="ko-KR" altLang="en-US" sz="1600" dirty="0" smtClean="0">
-                <a:ln>
-                  <a:solidFill>
-                    <a:schemeClr val="bg1">
-                      <a:alpha val="0"/>
-                    </a:schemeClr>
-                  </a:solidFill>
-                </a:ln>
-                <a:solidFill>
-                  <a:schemeClr val="tx1">
-                    <a:lumMod val="75000"/>
-                    <a:lumOff val="25000"/>
-                  </a:schemeClr>
-                </a:solidFill>
-                <a:latin typeface="-윤고딕330" pitchFamily="18" charset="-127"/>
-                <a:ea typeface="-윤고딕330" pitchFamily="18" charset="-127"/>
-              </a:rPr>
-              <a:t>명지대학교 컴퓨터공학과</a:t>
-            </a:r>
-            <a:endParaRPr lang="ko-KR" altLang="en-US" sz="1600" dirty="0">
-              <a:solidFill>
-                <a:schemeClr val="tx1">
-                  <a:lumMod val="50000"/>
-                  <a:lumOff val="50000"/>
-                </a:schemeClr>
-              </a:solidFill>
-              <a:ea typeface="-윤고딕330"/>
-            </a:endParaRPr>
-          </a:p>
-        </p:txBody>
-      </p:sp>
     </p:spTree>
     <p:extLst>
       <p:ext uri="{BB962C8B-B14F-4D97-AF65-F5344CB8AC3E}">
-        <p14:creationId xmlns="" xmlns:p14="http://schemas.microsoft.com/office/powerpoint/2010/main" val="3658200479"/>
+        <p14:creationId xmlns:p14="http://schemas.microsoft.com/office/powerpoint/2010/main" xmlns="" val="3658200479"/>
       </p:ext>
     </p:extLst>
   </p:cSld>
@@ -4634,6 +4432,1431 @@
       </p:par>
     </p:tnLst>
   </p:timing>
+</p:sld>
+</file>
+
+<file path=ppt/slides/slide10.xml><?xml version="1.0" encoding="utf-8"?>
+<p:sld xmlns:a="http://schemas.openxmlformats.org/drawingml/2006/main" xmlns:r="http://schemas.openxmlformats.org/officeDocument/2006/relationships" xmlns:p="http://schemas.openxmlformats.org/presentationml/2006/main">
+  <p:cSld>
+    <p:spTree>
+      <p:nvGrpSpPr>
+        <p:cNvPr id="1" name=""/>
+        <p:cNvGrpSpPr/>
+        <p:nvPr/>
+      </p:nvGrpSpPr>
+      <p:grpSpPr>
+        <a:xfrm>
+          <a:off x="0" y="0"/>
+          <a:ext cx="0" cy="0"/>
+          <a:chOff x="0" y="0"/>
+          <a:chExt cx="0" cy="0"/>
+        </a:xfrm>
+      </p:grpSpPr>
+      <p:sp>
+        <p:nvSpPr>
+          <p:cNvPr id="4" name="슬라이드 번호 개체 틀 3"/>
+          <p:cNvSpPr>
+            <a:spLocks noGrp="1"/>
+          </p:cNvSpPr>
+          <p:nvPr>
+            <p:ph type="sldNum" sz="quarter" idx="12"/>
+          </p:nvPr>
+        </p:nvSpPr>
+        <p:spPr/>
+        <p:txBody>
+          <a:bodyPr/>
+          <a:lstStyle/>
+          <a:p>
+            <a:fld id="{6077AF18-BF2E-40A5-AFCC-D5AE0C2FE057}" type="slidenum">
+              <a:rPr lang="ko-KR" altLang="en-US" smtClean="0"/>
+              <a:pPr/>
+              <a:t>10</a:t>
+            </a:fld>
+            <a:endParaRPr lang="ko-KR" altLang="en-US" dirty="0"/>
+          </a:p>
+        </p:txBody>
+      </p:sp>
+      <p:sp>
+        <p:nvSpPr>
+          <p:cNvPr id="5" name="TextBox 4"/>
+          <p:cNvSpPr txBox="1"/>
+          <p:nvPr/>
+        </p:nvSpPr>
+        <p:spPr>
+          <a:xfrm>
+            <a:off x="359869" y="332656"/>
+            <a:ext cx="3640740" cy="646331"/>
+          </a:xfrm>
+          <a:prstGeom prst="rect">
+            <a:avLst/>
+          </a:prstGeom>
+          <a:noFill/>
+        </p:spPr>
+        <p:txBody>
+          <a:bodyPr wrap="none" rtlCol="0">
+            <a:spAutoFit/>
+          </a:bodyPr>
+          <a:lstStyle/>
+          <a:p>
+            <a:r>
+              <a:rPr lang="en-US" altLang="ko-KR" sz="3600" dirty="0" smtClean="0">
+                <a:ln>
+                  <a:solidFill>
+                    <a:schemeClr val="bg1">
+                      <a:alpha val="0"/>
+                    </a:schemeClr>
+                  </a:solidFill>
+                </a:ln>
+                <a:solidFill>
+                  <a:schemeClr val="accent6">
+                    <a:lumMod val="50000"/>
+                  </a:schemeClr>
+                </a:solidFill>
+                <a:latin typeface="-윤고딕330" pitchFamily="18" charset="-127"/>
+                <a:ea typeface="-윤고딕330" pitchFamily="18" charset="-127"/>
+              </a:rPr>
+              <a:t>1.3 </a:t>
+            </a:r>
+            <a:r>
+              <a:rPr lang="ko-KR" altLang="en-US" sz="3600" dirty="0" smtClean="0">
+                <a:ln>
+                  <a:solidFill>
+                    <a:schemeClr val="bg1">
+                      <a:alpha val="0"/>
+                    </a:schemeClr>
+                  </a:solidFill>
+                </a:ln>
+                <a:solidFill>
+                  <a:schemeClr val="accent6">
+                    <a:lumMod val="50000"/>
+                  </a:schemeClr>
+                </a:solidFill>
+                <a:latin typeface="-윤고딕330" pitchFamily="18" charset="-127"/>
+                <a:ea typeface="-윤고딕330" pitchFamily="18" charset="-127"/>
+              </a:rPr>
+              <a:t>소재 및 배경</a:t>
+            </a:r>
+            <a:endParaRPr lang="ko-KR" altLang="en-US" sz="2000" dirty="0">
+              <a:ln>
+                <a:solidFill>
+                  <a:schemeClr val="bg1">
+                    <a:alpha val="0"/>
+                  </a:schemeClr>
+                </a:solidFill>
+              </a:ln>
+              <a:solidFill>
+                <a:schemeClr val="accent6">
+                  <a:lumMod val="50000"/>
+                </a:schemeClr>
+              </a:solidFill>
+              <a:latin typeface="-윤고딕330" pitchFamily="18" charset="-127"/>
+              <a:ea typeface="-윤고딕330" pitchFamily="18" charset="-127"/>
+            </a:endParaRPr>
+          </a:p>
+        </p:txBody>
+      </p:sp>
+    </p:spTree>
+  </p:cSld>
+  <p:clrMapOvr>
+    <a:masterClrMapping/>
+  </p:clrMapOvr>
+  <p:transition spd="slow">
+    <p:push dir="u"/>
+  </p:transition>
+</p:sld>
+</file>
+
+<file path=ppt/slides/slide11.xml><?xml version="1.0" encoding="utf-8"?>
+<p:sld xmlns:a="http://schemas.openxmlformats.org/drawingml/2006/main" xmlns:r="http://schemas.openxmlformats.org/officeDocument/2006/relationships" xmlns:p="http://schemas.openxmlformats.org/presentationml/2006/main">
+  <p:cSld>
+    <p:spTree>
+      <p:nvGrpSpPr>
+        <p:cNvPr id="1" name=""/>
+        <p:cNvGrpSpPr/>
+        <p:nvPr/>
+      </p:nvGrpSpPr>
+      <p:grpSpPr>
+        <a:xfrm>
+          <a:off x="0" y="0"/>
+          <a:ext cx="0" cy="0"/>
+          <a:chOff x="0" y="0"/>
+          <a:chExt cx="0" cy="0"/>
+        </a:xfrm>
+      </p:grpSpPr>
+      <p:sp>
+        <p:nvSpPr>
+          <p:cNvPr id="4" name="슬라이드 번호 개체 틀 3"/>
+          <p:cNvSpPr>
+            <a:spLocks noGrp="1"/>
+          </p:cNvSpPr>
+          <p:nvPr>
+            <p:ph type="sldNum" sz="quarter" idx="12"/>
+          </p:nvPr>
+        </p:nvSpPr>
+        <p:spPr/>
+        <p:txBody>
+          <a:bodyPr/>
+          <a:lstStyle/>
+          <a:p>
+            <a:fld id="{6077AF18-BF2E-40A5-AFCC-D5AE0C2FE057}" type="slidenum">
+              <a:rPr lang="ko-KR" altLang="en-US" smtClean="0"/>
+              <a:pPr/>
+              <a:t>11</a:t>
+            </a:fld>
+            <a:endParaRPr lang="ko-KR" altLang="en-US" dirty="0"/>
+          </a:p>
+        </p:txBody>
+      </p:sp>
+      <p:sp>
+        <p:nvSpPr>
+          <p:cNvPr id="5" name="TextBox 4"/>
+          <p:cNvSpPr txBox="1"/>
+          <p:nvPr/>
+        </p:nvSpPr>
+        <p:spPr>
+          <a:xfrm>
+            <a:off x="359869" y="332656"/>
+            <a:ext cx="3640740" cy="646331"/>
+          </a:xfrm>
+          <a:prstGeom prst="rect">
+            <a:avLst/>
+          </a:prstGeom>
+          <a:noFill/>
+        </p:spPr>
+        <p:txBody>
+          <a:bodyPr wrap="none" rtlCol="0">
+            <a:spAutoFit/>
+          </a:bodyPr>
+          <a:lstStyle/>
+          <a:p>
+            <a:r>
+              <a:rPr lang="en-US" altLang="ko-KR" sz="3600" dirty="0" smtClean="0">
+                <a:ln>
+                  <a:solidFill>
+                    <a:schemeClr val="bg1">
+                      <a:alpha val="0"/>
+                    </a:schemeClr>
+                  </a:solidFill>
+                </a:ln>
+                <a:solidFill>
+                  <a:schemeClr val="accent6">
+                    <a:lumMod val="50000"/>
+                  </a:schemeClr>
+                </a:solidFill>
+                <a:latin typeface="-윤고딕330" pitchFamily="18" charset="-127"/>
+                <a:ea typeface="-윤고딕330" pitchFamily="18" charset="-127"/>
+              </a:rPr>
+              <a:t>1.3 </a:t>
+            </a:r>
+            <a:r>
+              <a:rPr lang="ko-KR" altLang="en-US" sz="3600" dirty="0" smtClean="0">
+                <a:ln>
+                  <a:solidFill>
+                    <a:schemeClr val="bg1">
+                      <a:alpha val="0"/>
+                    </a:schemeClr>
+                  </a:solidFill>
+                </a:ln>
+                <a:solidFill>
+                  <a:schemeClr val="accent6">
+                    <a:lumMod val="50000"/>
+                  </a:schemeClr>
+                </a:solidFill>
+                <a:latin typeface="-윤고딕330" pitchFamily="18" charset="-127"/>
+                <a:ea typeface="-윤고딕330" pitchFamily="18" charset="-127"/>
+              </a:rPr>
+              <a:t>소재 및 배경</a:t>
+            </a:r>
+            <a:endParaRPr lang="ko-KR" altLang="en-US" sz="2000" dirty="0">
+              <a:ln>
+                <a:solidFill>
+                  <a:schemeClr val="bg1">
+                    <a:alpha val="0"/>
+                  </a:schemeClr>
+                </a:solidFill>
+              </a:ln>
+              <a:solidFill>
+                <a:schemeClr val="accent6">
+                  <a:lumMod val="50000"/>
+                </a:schemeClr>
+              </a:solidFill>
+              <a:latin typeface="-윤고딕330" pitchFamily="18" charset="-127"/>
+              <a:ea typeface="-윤고딕330" pitchFamily="18" charset="-127"/>
+            </a:endParaRPr>
+          </a:p>
+        </p:txBody>
+      </p:sp>
+    </p:spTree>
+  </p:cSld>
+  <p:clrMapOvr>
+    <a:masterClrMapping/>
+  </p:clrMapOvr>
+  <p:transition spd="slow">
+    <p:push dir="u"/>
+  </p:transition>
+</p:sld>
+</file>
+
+<file path=ppt/slides/slide12.xml><?xml version="1.0" encoding="utf-8"?>
+<p:sld xmlns:a="http://schemas.openxmlformats.org/drawingml/2006/main" xmlns:r="http://schemas.openxmlformats.org/officeDocument/2006/relationships" xmlns:p="http://schemas.openxmlformats.org/presentationml/2006/main">
+  <p:cSld>
+    <p:spTree>
+      <p:nvGrpSpPr>
+        <p:cNvPr id="1" name=""/>
+        <p:cNvGrpSpPr/>
+        <p:nvPr/>
+      </p:nvGrpSpPr>
+      <p:grpSpPr>
+        <a:xfrm>
+          <a:off x="0" y="0"/>
+          <a:ext cx="0" cy="0"/>
+          <a:chOff x="0" y="0"/>
+          <a:chExt cx="0" cy="0"/>
+        </a:xfrm>
+      </p:grpSpPr>
+      <p:grpSp>
+        <p:nvGrpSpPr>
+          <p:cNvPr id="3" name="그룹 26"/>
+          <p:cNvGrpSpPr/>
+          <p:nvPr/>
+        </p:nvGrpSpPr>
+        <p:grpSpPr>
+          <a:xfrm>
+            <a:off x="0" y="0"/>
+            <a:ext cx="9144000" cy="6858000"/>
+            <a:chOff x="0" y="0"/>
+            <a:chExt cx="9144000" cy="6858000"/>
+          </a:xfrm>
+        </p:grpSpPr>
+        <p:cxnSp>
+          <p:nvCxnSpPr>
+            <p:cNvPr id="24" name="직선 연결선 23"/>
+            <p:cNvCxnSpPr/>
+            <p:nvPr/>
+          </p:nvCxnSpPr>
+          <p:spPr>
+            <a:xfrm>
+              <a:off x="4920165" y="5085184"/>
+              <a:ext cx="0" cy="1772816"/>
+            </a:xfrm>
+            <a:prstGeom prst="line">
+              <a:avLst/>
+            </a:prstGeom>
+            <a:ln>
+              <a:solidFill>
+                <a:schemeClr val="bg1">
+                  <a:lumMod val="85000"/>
+                </a:schemeClr>
+              </a:solidFill>
+            </a:ln>
+          </p:spPr>
+          <p:style>
+            <a:lnRef idx="1">
+              <a:schemeClr val="accent1"/>
+            </a:lnRef>
+            <a:fillRef idx="0">
+              <a:schemeClr val="accent1"/>
+            </a:fillRef>
+            <a:effectRef idx="0">
+              <a:schemeClr val="accent1"/>
+            </a:effectRef>
+            <a:fontRef idx="minor">
+              <a:schemeClr val="tx1"/>
+            </a:fontRef>
+          </p:style>
+        </p:cxnSp>
+        <p:cxnSp>
+          <p:nvCxnSpPr>
+            <p:cNvPr id="20" name="직선 연결선 19"/>
+            <p:cNvCxnSpPr/>
+            <p:nvPr/>
+          </p:nvCxnSpPr>
+          <p:spPr>
+            <a:xfrm>
+              <a:off x="0" y="4149080"/>
+              <a:ext cx="2987824" cy="0"/>
+            </a:xfrm>
+            <a:prstGeom prst="line">
+              <a:avLst/>
+            </a:prstGeom>
+            <a:ln>
+              <a:solidFill>
+                <a:schemeClr val="bg1">
+                  <a:lumMod val="85000"/>
+                </a:schemeClr>
+              </a:solidFill>
+            </a:ln>
+          </p:spPr>
+          <p:style>
+            <a:lnRef idx="1">
+              <a:schemeClr val="accent1"/>
+            </a:lnRef>
+            <a:fillRef idx="0">
+              <a:schemeClr val="accent1"/>
+            </a:fillRef>
+            <a:effectRef idx="0">
+              <a:schemeClr val="accent1"/>
+            </a:effectRef>
+            <a:fontRef idx="minor">
+              <a:schemeClr val="tx1"/>
+            </a:fontRef>
+          </p:style>
+        </p:cxnSp>
+        <p:cxnSp>
+          <p:nvCxnSpPr>
+            <p:cNvPr id="18" name="직선 연결선 17"/>
+            <p:cNvCxnSpPr/>
+            <p:nvPr/>
+          </p:nvCxnSpPr>
+          <p:spPr>
+            <a:xfrm>
+              <a:off x="6156176" y="2697045"/>
+              <a:ext cx="2987824" cy="0"/>
+            </a:xfrm>
+            <a:prstGeom prst="line">
+              <a:avLst/>
+            </a:prstGeom>
+            <a:ln>
+              <a:solidFill>
+                <a:schemeClr val="bg1">
+                  <a:lumMod val="85000"/>
+                </a:schemeClr>
+              </a:solidFill>
+            </a:ln>
+          </p:spPr>
+          <p:style>
+            <a:lnRef idx="1">
+              <a:schemeClr val="accent1"/>
+            </a:lnRef>
+            <a:fillRef idx="0">
+              <a:schemeClr val="accent1"/>
+            </a:fillRef>
+            <a:effectRef idx="0">
+              <a:schemeClr val="accent1"/>
+            </a:effectRef>
+            <a:fontRef idx="minor">
+              <a:schemeClr val="tx1"/>
+            </a:fontRef>
+          </p:style>
+        </p:cxnSp>
+        <p:pic>
+          <p:nvPicPr>
+            <p:cNvPr id="2" name="그림 1"/>
+            <p:cNvPicPr>
+              <a:picLocks noChangeAspect="1"/>
+            </p:cNvPicPr>
+            <p:nvPr/>
+          </p:nvPicPr>
+          <p:blipFill>
+            <a:blip r:embed="rId2" cstate="print">
+              <a:extLst>
+                <a:ext uri="{28A0092B-C50C-407E-A947-70E740481C1C}">
+                  <a14:useLocalDpi xmlns:a14="http://schemas.microsoft.com/office/drawing/2010/main" xmlns="" val="0"/>
+                </a:ext>
+              </a:extLst>
+            </a:blip>
+            <a:stretch>
+              <a:fillRect/>
+            </a:stretch>
+          </p:blipFill>
+          <p:spPr>
+            <a:xfrm rot="1601709">
+              <a:off x="3132987" y="1989987"/>
+              <a:ext cx="2878027" cy="2878027"/>
+            </a:xfrm>
+            <a:prstGeom prst="rect">
+              <a:avLst/>
+            </a:prstGeom>
+          </p:spPr>
+        </p:pic>
+        <p:sp>
+          <p:nvSpPr>
+            <p:cNvPr id="14" name="TextBox 13"/>
+            <p:cNvSpPr txBox="1"/>
+            <p:nvPr/>
+          </p:nvSpPr>
+          <p:spPr>
+            <a:xfrm>
+              <a:off x="3653391" y="3383994"/>
+              <a:ext cx="1965603" cy="477054"/>
+            </a:xfrm>
+            <a:prstGeom prst="rect">
+              <a:avLst/>
+            </a:prstGeom>
+            <a:noFill/>
+          </p:spPr>
+          <p:txBody>
+            <a:bodyPr wrap="none" rtlCol="0">
+              <a:spAutoFit/>
+            </a:bodyPr>
+            <a:lstStyle/>
+            <a:p>
+              <a:r>
+                <a:rPr lang="en-US" altLang="ko-KR" sz="2500" dirty="0" smtClean="0">
+                  <a:ln>
+                    <a:solidFill>
+                      <a:schemeClr val="bg1">
+                        <a:alpha val="0"/>
+                      </a:schemeClr>
+                    </a:solidFill>
+                  </a:ln>
+                  <a:solidFill>
+                    <a:schemeClr val="tx1">
+                      <a:lumMod val="75000"/>
+                      <a:lumOff val="25000"/>
+                    </a:schemeClr>
+                  </a:solidFill>
+                  <a:latin typeface="-윤고딕330" pitchFamily="18" charset="-127"/>
+                  <a:ea typeface="-윤고딕330" pitchFamily="18" charset="-127"/>
+                </a:rPr>
+                <a:t>2. </a:t>
+              </a:r>
+              <a:r>
+                <a:rPr lang="ko-KR" altLang="en-US" sz="2500" dirty="0" smtClean="0">
+                  <a:ln>
+                    <a:solidFill>
+                      <a:schemeClr val="bg1">
+                        <a:alpha val="0"/>
+                      </a:schemeClr>
+                    </a:solidFill>
+                  </a:ln>
+                  <a:solidFill>
+                    <a:schemeClr val="tx1">
+                      <a:lumMod val="75000"/>
+                      <a:lumOff val="25000"/>
+                    </a:schemeClr>
+                  </a:solidFill>
+                  <a:latin typeface="-윤고딕330" pitchFamily="18" charset="-127"/>
+                  <a:ea typeface="-윤고딕330" pitchFamily="18" charset="-127"/>
+                </a:rPr>
+                <a:t>게임 목표</a:t>
+              </a:r>
+              <a:endParaRPr lang="ko-KR" altLang="en-US" sz="2500" dirty="0">
+                <a:ln>
+                  <a:solidFill>
+                    <a:schemeClr val="bg1">
+                      <a:alpha val="0"/>
+                    </a:schemeClr>
+                  </a:solidFill>
+                </a:ln>
+                <a:solidFill>
+                  <a:schemeClr val="tx1">
+                    <a:lumMod val="75000"/>
+                    <a:lumOff val="25000"/>
+                  </a:schemeClr>
+                </a:solidFill>
+                <a:latin typeface="-윤고딕330" pitchFamily="18" charset="-127"/>
+                <a:ea typeface="-윤고딕330" pitchFamily="18" charset="-127"/>
+              </a:endParaRPr>
+            </a:p>
+          </p:txBody>
+        </p:sp>
+        <p:cxnSp>
+          <p:nvCxnSpPr>
+            <p:cNvPr id="21" name="직선 연결선 20"/>
+            <p:cNvCxnSpPr/>
+            <p:nvPr/>
+          </p:nvCxnSpPr>
+          <p:spPr>
+            <a:xfrm>
+              <a:off x="4247456" y="0"/>
+              <a:ext cx="0" cy="1700808"/>
+            </a:xfrm>
+            <a:prstGeom prst="line">
+              <a:avLst/>
+            </a:prstGeom>
+            <a:ln>
+              <a:solidFill>
+                <a:schemeClr val="bg1">
+                  <a:lumMod val="85000"/>
+                </a:schemeClr>
+              </a:solidFill>
+            </a:ln>
+          </p:spPr>
+          <p:style>
+            <a:lnRef idx="1">
+              <a:schemeClr val="accent1"/>
+            </a:lnRef>
+            <a:fillRef idx="0">
+              <a:schemeClr val="accent1"/>
+            </a:fillRef>
+            <a:effectRef idx="0">
+              <a:schemeClr val="accent1"/>
+            </a:effectRef>
+            <a:fontRef idx="minor">
+              <a:schemeClr val="tx1"/>
+            </a:fontRef>
+          </p:style>
+        </p:cxnSp>
+        <p:sp>
+          <p:nvSpPr>
+            <p:cNvPr id="26" name="TextBox 25"/>
+            <p:cNvSpPr txBox="1"/>
+            <p:nvPr/>
+          </p:nvSpPr>
+          <p:spPr>
+            <a:xfrm>
+              <a:off x="8436253" y="164890"/>
+              <a:ext cx="444352" cy="369332"/>
+            </a:xfrm>
+            <a:prstGeom prst="rect">
+              <a:avLst/>
+            </a:prstGeom>
+            <a:noFill/>
+          </p:spPr>
+          <p:txBody>
+            <a:bodyPr wrap="none" rtlCol="0">
+              <a:spAutoFit/>
+            </a:bodyPr>
+            <a:lstStyle/>
+            <a:p>
+              <a:r>
+                <a:rPr lang="en-US" altLang="ko-KR" dirty="0" smtClean="0">
+                  <a:ln>
+                    <a:solidFill>
+                      <a:schemeClr val="bg1">
+                        <a:alpha val="0"/>
+                      </a:schemeClr>
+                    </a:solidFill>
+                  </a:ln>
+                  <a:solidFill>
+                    <a:schemeClr val="tx1">
+                      <a:lumMod val="75000"/>
+                      <a:lumOff val="25000"/>
+                    </a:schemeClr>
+                  </a:solidFill>
+                  <a:latin typeface="-윤고딕330" pitchFamily="18" charset="-127"/>
+                  <a:ea typeface="-윤고딕330" pitchFamily="18" charset="-127"/>
+                </a:rPr>
+                <a:t>01</a:t>
+              </a:r>
+              <a:endParaRPr lang="ko-KR" altLang="en-US" sz="800" dirty="0">
+                <a:ln>
+                  <a:solidFill>
+                    <a:schemeClr val="bg1">
+                      <a:alpha val="0"/>
+                    </a:schemeClr>
+                  </a:solidFill>
+                </a:ln>
+                <a:solidFill>
+                  <a:schemeClr val="tx1">
+                    <a:lumMod val="75000"/>
+                    <a:lumOff val="25000"/>
+                  </a:schemeClr>
+                </a:solidFill>
+                <a:latin typeface="-윤고딕330" pitchFamily="18" charset="-127"/>
+                <a:ea typeface="-윤고딕330" pitchFamily="18" charset="-127"/>
+              </a:endParaRPr>
+            </a:p>
+          </p:txBody>
+        </p:sp>
+      </p:grpSp>
+    </p:spTree>
+    <p:extLst>
+      <p:ext uri="{BB962C8B-B14F-4D97-AF65-F5344CB8AC3E}">
+        <p14:creationId xmlns:p14="http://schemas.microsoft.com/office/powerpoint/2010/main" xmlns="" val="2619248131"/>
+      </p:ext>
+    </p:extLst>
+  </p:cSld>
+  <p:clrMapOvr>
+    <a:masterClrMapping/>
+  </p:clrMapOvr>
+  <p:transition spd="slow">
+    <p:push dir="u"/>
+  </p:transition>
+  <p:timing>
+    <p:tnLst>
+      <p:par>
+        <p:cTn id="1" dur="indefinite" restart="never" nodeType="tmRoot"/>
+      </p:par>
+    </p:tnLst>
+  </p:timing>
+</p:sld>
+</file>
+
+<file path=ppt/slides/slide13.xml><?xml version="1.0" encoding="utf-8"?>
+<p:sld xmlns:a="http://schemas.openxmlformats.org/drawingml/2006/main" xmlns:r="http://schemas.openxmlformats.org/officeDocument/2006/relationships" xmlns:p="http://schemas.openxmlformats.org/presentationml/2006/main">
+  <p:cSld>
+    <p:spTree>
+      <p:nvGrpSpPr>
+        <p:cNvPr id="1" name=""/>
+        <p:cNvGrpSpPr/>
+        <p:nvPr/>
+      </p:nvGrpSpPr>
+      <p:grpSpPr>
+        <a:xfrm>
+          <a:off x="0" y="0"/>
+          <a:ext cx="0" cy="0"/>
+          <a:chOff x="0" y="0"/>
+          <a:chExt cx="0" cy="0"/>
+        </a:xfrm>
+      </p:grpSpPr>
+      <p:sp>
+        <p:nvSpPr>
+          <p:cNvPr id="4" name="슬라이드 번호 개체 틀 3"/>
+          <p:cNvSpPr>
+            <a:spLocks noGrp="1"/>
+          </p:cNvSpPr>
+          <p:nvPr>
+            <p:ph type="sldNum" sz="quarter" idx="12"/>
+          </p:nvPr>
+        </p:nvSpPr>
+        <p:spPr/>
+        <p:txBody>
+          <a:bodyPr/>
+          <a:lstStyle/>
+          <a:p>
+            <a:fld id="{6077AF18-BF2E-40A5-AFCC-D5AE0C2FE057}" type="slidenum">
+              <a:rPr lang="ko-KR" altLang="en-US" smtClean="0"/>
+              <a:pPr/>
+              <a:t>13</a:t>
+            </a:fld>
+            <a:endParaRPr lang="ko-KR" altLang="en-US" dirty="0"/>
+          </a:p>
+        </p:txBody>
+      </p:sp>
+      <p:sp>
+        <p:nvSpPr>
+          <p:cNvPr id="5" name="TextBox 4"/>
+          <p:cNvSpPr txBox="1"/>
+          <p:nvPr/>
+        </p:nvSpPr>
+        <p:spPr>
+          <a:xfrm>
+            <a:off x="359869" y="332656"/>
+            <a:ext cx="1672253" cy="646331"/>
+          </a:xfrm>
+          <a:prstGeom prst="rect">
+            <a:avLst/>
+          </a:prstGeom>
+          <a:noFill/>
+        </p:spPr>
+        <p:txBody>
+          <a:bodyPr wrap="none" rtlCol="0">
+            <a:spAutoFit/>
+          </a:bodyPr>
+          <a:lstStyle/>
+          <a:p>
+            <a:r>
+              <a:rPr lang="en-US" altLang="ko-KR" sz="3600" dirty="0" smtClean="0">
+                <a:ln>
+                  <a:solidFill>
+                    <a:schemeClr val="bg1">
+                      <a:alpha val="0"/>
+                    </a:schemeClr>
+                  </a:solidFill>
+                </a:ln>
+                <a:solidFill>
+                  <a:schemeClr val="accent6">
+                    <a:lumMod val="50000"/>
+                  </a:schemeClr>
+                </a:solidFill>
+                <a:latin typeface="-윤고딕330" pitchFamily="18" charset="-127"/>
+                <a:ea typeface="-윤고딕330" pitchFamily="18" charset="-127"/>
+              </a:rPr>
+              <a:t>2. </a:t>
+            </a:r>
+            <a:r>
+              <a:rPr lang="ko-KR" altLang="en-US" sz="3600" dirty="0" smtClean="0">
+                <a:ln>
+                  <a:solidFill>
+                    <a:schemeClr val="bg1">
+                      <a:alpha val="0"/>
+                    </a:schemeClr>
+                  </a:solidFill>
+                </a:ln>
+                <a:solidFill>
+                  <a:schemeClr val="accent6">
+                    <a:lumMod val="50000"/>
+                  </a:schemeClr>
+                </a:solidFill>
+                <a:latin typeface="-윤고딕330" pitchFamily="18" charset="-127"/>
+                <a:ea typeface="-윤고딕330" pitchFamily="18" charset="-127"/>
+              </a:rPr>
+              <a:t>목표</a:t>
+            </a:r>
+            <a:endParaRPr lang="ko-KR" altLang="en-US" sz="2000" dirty="0">
+              <a:ln>
+                <a:solidFill>
+                  <a:schemeClr val="bg1">
+                    <a:alpha val="0"/>
+                  </a:schemeClr>
+                </a:solidFill>
+              </a:ln>
+              <a:solidFill>
+                <a:schemeClr val="accent6">
+                  <a:lumMod val="50000"/>
+                </a:schemeClr>
+              </a:solidFill>
+              <a:latin typeface="-윤고딕330" pitchFamily="18" charset="-127"/>
+              <a:ea typeface="-윤고딕330" pitchFamily="18" charset="-127"/>
+            </a:endParaRPr>
+          </a:p>
+        </p:txBody>
+      </p:sp>
+    </p:spTree>
+  </p:cSld>
+  <p:clrMapOvr>
+    <a:masterClrMapping/>
+  </p:clrMapOvr>
+  <p:transition spd="slow">
+    <p:push dir="u"/>
+  </p:transition>
+</p:sld>
+</file>
+
+<file path=ppt/slides/slide14.xml><?xml version="1.0" encoding="utf-8"?>
+<p:sld xmlns:a="http://schemas.openxmlformats.org/drawingml/2006/main" xmlns:r="http://schemas.openxmlformats.org/officeDocument/2006/relationships" xmlns:p="http://schemas.openxmlformats.org/presentationml/2006/main">
+  <p:cSld>
+    <p:spTree>
+      <p:nvGrpSpPr>
+        <p:cNvPr id="1" name=""/>
+        <p:cNvGrpSpPr/>
+        <p:nvPr/>
+      </p:nvGrpSpPr>
+      <p:grpSpPr>
+        <a:xfrm>
+          <a:off x="0" y="0"/>
+          <a:ext cx="0" cy="0"/>
+          <a:chOff x="0" y="0"/>
+          <a:chExt cx="0" cy="0"/>
+        </a:xfrm>
+      </p:grpSpPr>
+      <p:sp>
+        <p:nvSpPr>
+          <p:cNvPr id="4" name="슬라이드 번호 개체 틀 3"/>
+          <p:cNvSpPr>
+            <a:spLocks noGrp="1"/>
+          </p:cNvSpPr>
+          <p:nvPr>
+            <p:ph type="sldNum" sz="quarter" idx="12"/>
+          </p:nvPr>
+        </p:nvSpPr>
+        <p:spPr/>
+        <p:txBody>
+          <a:bodyPr/>
+          <a:lstStyle/>
+          <a:p>
+            <a:fld id="{6077AF18-BF2E-40A5-AFCC-D5AE0C2FE057}" type="slidenum">
+              <a:rPr lang="ko-KR" altLang="en-US" smtClean="0"/>
+              <a:pPr/>
+              <a:t>14</a:t>
+            </a:fld>
+            <a:endParaRPr lang="ko-KR" altLang="en-US" dirty="0"/>
+          </a:p>
+        </p:txBody>
+      </p:sp>
+      <p:sp>
+        <p:nvSpPr>
+          <p:cNvPr id="5" name="TextBox 4"/>
+          <p:cNvSpPr txBox="1"/>
+          <p:nvPr/>
+        </p:nvSpPr>
+        <p:spPr>
+          <a:xfrm>
+            <a:off x="359869" y="332656"/>
+            <a:ext cx="3640740" cy="646331"/>
+          </a:xfrm>
+          <a:prstGeom prst="rect">
+            <a:avLst/>
+          </a:prstGeom>
+          <a:noFill/>
+        </p:spPr>
+        <p:txBody>
+          <a:bodyPr wrap="none" rtlCol="0">
+            <a:spAutoFit/>
+          </a:bodyPr>
+          <a:lstStyle/>
+          <a:p>
+            <a:r>
+              <a:rPr lang="en-US" altLang="ko-KR" sz="3600" dirty="0" smtClean="0">
+                <a:ln>
+                  <a:solidFill>
+                    <a:schemeClr val="bg1">
+                      <a:alpha val="0"/>
+                    </a:schemeClr>
+                  </a:solidFill>
+                </a:ln>
+                <a:solidFill>
+                  <a:schemeClr val="accent6">
+                    <a:lumMod val="50000"/>
+                  </a:schemeClr>
+                </a:solidFill>
+                <a:latin typeface="-윤고딕330" pitchFamily="18" charset="-127"/>
+                <a:ea typeface="-윤고딕330" pitchFamily="18" charset="-127"/>
+              </a:rPr>
+              <a:t>1.3 </a:t>
+            </a:r>
+            <a:r>
+              <a:rPr lang="ko-KR" altLang="en-US" sz="3600" dirty="0" smtClean="0">
+                <a:ln>
+                  <a:solidFill>
+                    <a:schemeClr val="bg1">
+                      <a:alpha val="0"/>
+                    </a:schemeClr>
+                  </a:solidFill>
+                </a:ln>
+                <a:solidFill>
+                  <a:schemeClr val="accent6">
+                    <a:lumMod val="50000"/>
+                  </a:schemeClr>
+                </a:solidFill>
+                <a:latin typeface="-윤고딕330" pitchFamily="18" charset="-127"/>
+                <a:ea typeface="-윤고딕330" pitchFamily="18" charset="-127"/>
+              </a:rPr>
+              <a:t>소재 및 배경</a:t>
+            </a:r>
+            <a:endParaRPr lang="ko-KR" altLang="en-US" sz="2000" dirty="0">
+              <a:ln>
+                <a:solidFill>
+                  <a:schemeClr val="bg1">
+                    <a:alpha val="0"/>
+                  </a:schemeClr>
+                </a:solidFill>
+              </a:ln>
+              <a:solidFill>
+                <a:schemeClr val="accent6">
+                  <a:lumMod val="50000"/>
+                </a:schemeClr>
+              </a:solidFill>
+              <a:latin typeface="-윤고딕330" pitchFamily="18" charset="-127"/>
+              <a:ea typeface="-윤고딕330" pitchFamily="18" charset="-127"/>
+            </a:endParaRPr>
+          </a:p>
+        </p:txBody>
+      </p:sp>
+    </p:spTree>
+  </p:cSld>
+  <p:clrMapOvr>
+    <a:masterClrMapping/>
+  </p:clrMapOvr>
+  <p:transition spd="slow">
+    <p:push dir="u"/>
+  </p:transition>
+</p:sld>
+</file>
+
+<file path=ppt/slides/slide15.xml><?xml version="1.0" encoding="utf-8"?>
+<p:sld xmlns:a="http://schemas.openxmlformats.org/drawingml/2006/main" xmlns:r="http://schemas.openxmlformats.org/officeDocument/2006/relationships" xmlns:p="http://schemas.openxmlformats.org/presentationml/2006/main">
+  <p:cSld>
+    <p:spTree>
+      <p:nvGrpSpPr>
+        <p:cNvPr id="1" name=""/>
+        <p:cNvGrpSpPr/>
+        <p:nvPr/>
+      </p:nvGrpSpPr>
+      <p:grpSpPr>
+        <a:xfrm>
+          <a:off x="0" y="0"/>
+          <a:ext cx="0" cy="0"/>
+          <a:chOff x="0" y="0"/>
+          <a:chExt cx="0" cy="0"/>
+        </a:xfrm>
+      </p:grpSpPr>
+      <p:sp>
+        <p:nvSpPr>
+          <p:cNvPr id="4" name="슬라이드 번호 개체 틀 3"/>
+          <p:cNvSpPr>
+            <a:spLocks noGrp="1"/>
+          </p:cNvSpPr>
+          <p:nvPr>
+            <p:ph type="sldNum" sz="quarter" idx="12"/>
+          </p:nvPr>
+        </p:nvSpPr>
+        <p:spPr/>
+        <p:txBody>
+          <a:bodyPr/>
+          <a:lstStyle/>
+          <a:p>
+            <a:fld id="{6077AF18-BF2E-40A5-AFCC-D5AE0C2FE057}" type="slidenum">
+              <a:rPr lang="ko-KR" altLang="en-US" smtClean="0"/>
+              <a:pPr/>
+              <a:t>15</a:t>
+            </a:fld>
+            <a:endParaRPr lang="ko-KR" altLang="en-US" dirty="0"/>
+          </a:p>
+        </p:txBody>
+      </p:sp>
+      <p:sp>
+        <p:nvSpPr>
+          <p:cNvPr id="5" name="TextBox 4"/>
+          <p:cNvSpPr txBox="1"/>
+          <p:nvPr/>
+        </p:nvSpPr>
+        <p:spPr>
+          <a:xfrm>
+            <a:off x="359869" y="332656"/>
+            <a:ext cx="3640740" cy="646331"/>
+          </a:xfrm>
+          <a:prstGeom prst="rect">
+            <a:avLst/>
+          </a:prstGeom>
+          <a:noFill/>
+        </p:spPr>
+        <p:txBody>
+          <a:bodyPr wrap="none" rtlCol="0">
+            <a:spAutoFit/>
+          </a:bodyPr>
+          <a:lstStyle/>
+          <a:p>
+            <a:r>
+              <a:rPr lang="en-US" altLang="ko-KR" sz="3600" dirty="0" smtClean="0">
+                <a:ln>
+                  <a:solidFill>
+                    <a:schemeClr val="bg1">
+                      <a:alpha val="0"/>
+                    </a:schemeClr>
+                  </a:solidFill>
+                </a:ln>
+                <a:solidFill>
+                  <a:schemeClr val="accent6">
+                    <a:lumMod val="50000"/>
+                  </a:schemeClr>
+                </a:solidFill>
+                <a:latin typeface="-윤고딕330" pitchFamily="18" charset="-127"/>
+                <a:ea typeface="-윤고딕330" pitchFamily="18" charset="-127"/>
+              </a:rPr>
+              <a:t>1.3 </a:t>
+            </a:r>
+            <a:r>
+              <a:rPr lang="ko-KR" altLang="en-US" sz="3600" dirty="0" smtClean="0">
+                <a:ln>
+                  <a:solidFill>
+                    <a:schemeClr val="bg1">
+                      <a:alpha val="0"/>
+                    </a:schemeClr>
+                  </a:solidFill>
+                </a:ln>
+                <a:solidFill>
+                  <a:schemeClr val="accent6">
+                    <a:lumMod val="50000"/>
+                  </a:schemeClr>
+                </a:solidFill>
+                <a:latin typeface="-윤고딕330" pitchFamily="18" charset="-127"/>
+                <a:ea typeface="-윤고딕330" pitchFamily="18" charset="-127"/>
+              </a:rPr>
+              <a:t>소재 및 배경</a:t>
+            </a:r>
+            <a:endParaRPr lang="ko-KR" altLang="en-US" sz="2000" dirty="0">
+              <a:ln>
+                <a:solidFill>
+                  <a:schemeClr val="bg1">
+                    <a:alpha val="0"/>
+                  </a:schemeClr>
+                </a:solidFill>
+              </a:ln>
+              <a:solidFill>
+                <a:schemeClr val="accent6">
+                  <a:lumMod val="50000"/>
+                </a:schemeClr>
+              </a:solidFill>
+              <a:latin typeface="-윤고딕330" pitchFamily="18" charset="-127"/>
+              <a:ea typeface="-윤고딕330" pitchFamily="18" charset="-127"/>
+            </a:endParaRPr>
+          </a:p>
+        </p:txBody>
+      </p:sp>
+    </p:spTree>
+  </p:cSld>
+  <p:clrMapOvr>
+    <a:masterClrMapping/>
+  </p:clrMapOvr>
+  <p:transition spd="slow">
+    <p:push dir="u"/>
+  </p:transition>
+</p:sld>
+</file>
+
+<file path=ppt/slides/slide16.xml><?xml version="1.0" encoding="utf-8"?>
+<p:sld xmlns:a="http://schemas.openxmlformats.org/drawingml/2006/main" xmlns:r="http://schemas.openxmlformats.org/officeDocument/2006/relationships" xmlns:p="http://schemas.openxmlformats.org/presentationml/2006/main">
+  <p:cSld>
+    <p:spTree>
+      <p:nvGrpSpPr>
+        <p:cNvPr id="1" name=""/>
+        <p:cNvGrpSpPr/>
+        <p:nvPr/>
+      </p:nvGrpSpPr>
+      <p:grpSpPr>
+        <a:xfrm>
+          <a:off x="0" y="0"/>
+          <a:ext cx="0" cy="0"/>
+          <a:chOff x="0" y="0"/>
+          <a:chExt cx="0" cy="0"/>
+        </a:xfrm>
+      </p:grpSpPr>
+      <p:sp>
+        <p:nvSpPr>
+          <p:cNvPr id="4" name="슬라이드 번호 개체 틀 3"/>
+          <p:cNvSpPr>
+            <a:spLocks noGrp="1"/>
+          </p:cNvSpPr>
+          <p:nvPr>
+            <p:ph type="sldNum" sz="quarter" idx="12"/>
+          </p:nvPr>
+        </p:nvSpPr>
+        <p:spPr/>
+        <p:txBody>
+          <a:bodyPr/>
+          <a:lstStyle/>
+          <a:p>
+            <a:fld id="{6077AF18-BF2E-40A5-AFCC-D5AE0C2FE057}" type="slidenum">
+              <a:rPr lang="ko-KR" altLang="en-US" smtClean="0"/>
+              <a:pPr/>
+              <a:t>16</a:t>
+            </a:fld>
+            <a:endParaRPr lang="ko-KR" altLang="en-US" dirty="0"/>
+          </a:p>
+        </p:txBody>
+      </p:sp>
+      <p:sp>
+        <p:nvSpPr>
+          <p:cNvPr id="5" name="TextBox 4"/>
+          <p:cNvSpPr txBox="1"/>
+          <p:nvPr/>
+        </p:nvSpPr>
+        <p:spPr>
+          <a:xfrm>
+            <a:off x="359869" y="332656"/>
+            <a:ext cx="3640740" cy="646331"/>
+          </a:xfrm>
+          <a:prstGeom prst="rect">
+            <a:avLst/>
+          </a:prstGeom>
+          <a:noFill/>
+        </p:spPr>
+        <p:txBody>
+          <a:bodyPr wrap="none" rtlCol="0">
+            <a:spAutoFit/>
+          </a:bodyPr>
+          <a:lstStyle/>
+          <a:p>
+            <a:r>
+              <a:rPr lang="en-US" altLang="ko-KR" sz="3600" dirty="0" smtClean="0">
+                <a:ln>
+                  <a:solidFill>
+                    <a:schemeClr val="bg1">
+                      <a:alpha val="0"/>
+                    </a:schemeClr>
+                  </a:solidFill>
+                </a:ln>
+                <a:solidFill>
+                  <a:schemeClr val="accent6">
+                    <a:lumMod val="50000"/>
+                  </a:schemeClr>
+                </a:solidFill>
+                <a:latin typeface="-윤고딕330" pitchFamily="18" charset="-127"/>
+                <a:ea typeface="-윤고딕330" pitchFamily="18" charset="-127"/>
+              </a:rPr>
+              <a:t>1.3 </a:t>
+            </a:r>
+            <a:r>
+              <a:rPr lang="ko-KR" altLang="en-US" sz="3600" dirty="0" smtClean="0">
+                <a:ln>
+                  <a:solidFill>
+                    <a:schemeClr val="bg1">
+                      <a:alpha val="0"/>
+                    </a:schemeClr>
+                  </a:solidFill>
+                </a:ln>
+                <a:solidFill>
+                  <a:schemeClr val="accent6">
+                    <a:lumMod val="50000"/>
+                  </a:schemeClr>
+                </a:solidFill>
+                <a:latin typeface="-윤고딕330" pitchFamily="18" charset="-127"/>
+                <a:ea typeface="-윤고딕330" pitchFamily="18" charset="-127"/>
+              </a:rPr>
+              <a:t>소재 및 배경</a:t>
+            </a:r>
+            <a:endParaRPr lang="ko-KR" altLang="en-US" sz="2000" dirty="0">
+              <a:ln>
+                <a:solidFill>
+                  <a:schemeClr val="bg1">
+                    <a:alpha val="0"/>
+                  </a:schemeClr>
+                </a:solidFill>
+              </a:ln>
+              <a:solidFill>
+                <a:schemeClr val="accent6">
+                  <a:lumMod val="50000"/>
+                </a:schemeClr>
+              </a:solidFill>
+              <a:latin typeface="-윤고딕330" pitchFamily="18" charset="-127"/>
+              <a:ea typeface="-윤고딕330" pitchFamily="18" charset="-127"/>
+            </a:endParaRPr>
+          </a:p>
+        </p:txBody>
+      </p:sp>
+    </p:spTree>
+  </p:cSld>
+  <p:clrMapOvr>
+    <a:masterClrMapping/>
+  </p:clrMapOvr>
+  <p:transition spd="slow">
+    <p:push dir="u"/>
+  </p:transition>
+</p:sld>
+</file>
+
+<file path=ppt/slides/slide17.xml><?xml version="1.0" encoding="utf-8"?>
+<p:sld xmlns:a="http://schemas.openxmlformats.org/drawingml/2006/main" xmlns:r="http://schemas.openxmlformats.org/officeDocument/2006/relationships" xmlns:p="http://schemas.openxmlformats.org/presentationml/2006/main">
+  <p:cSld>
+    <p:spTree>
+      <p:nvGrpSpPr>
+        <p:cNvPr id="1" name=""/>
+        <p:cNvGrpSpPr/>
+        <p:nvPr/>
+      </p:nvGrpSpPr>
+      <p:grpSpPr>
+        <a:xfrm>
+          <a:off x="0" y="0"/>
+          <a:ext cx="0" cy="0"/>
+          <a:chOff x="0" y="0"/>
+          <a:chExt cx="0" cy="0"/>
+        </a:xfrm>
+      </p:grpSpPr>
+      <p:sp>
+        <p:nvSpPr>
+          <p:cNvPr id="4" name="슬라이드 번호 개체 틀 3"/>
+          <p:cNvSpPr>
+            <a:spLocks noGrp="1"/>
+          </p:cNvSpPr>
+          <p:nvPr>
+            <p:ph type="sldNum" sz="quarter" idx="12"/>
+          </p:nvPr>
+        </p:nvSpPr>
+        <p:spPr/>
+        <p:txBody>
+          <a:bodyPr/>
+          <a:lstStyle/>
+          <a:p>
+            <a:fld id="{6077AF18-BF2E-40A5-AFCC-D5AE0C2FE057}" type="slidenum">
+              <a:rPr lang="ko-KR" altLang="en-US" smtClean="0"/>
+              <a:pPr/>
+              <a:t>17</a:t>
+            </a:fld>
+            <a:endParaRPr lang="ko-KR" altLang="en-US" dirty="0"/>
+          </a:p>
+        </p:txBody>
+      </p:sp>
+      <p:sp>
+        <p:nvSpPr>
+          <p:cNvPr id="5" name="TextBox 4"/>
+          <p:cNvSpPr txBox="1"/>
+          <p:nvPr/>
+        </p:nvSpPr>
+        <p:spPr>
+          <a:xfrm>
+            <a:off x="359869" y="332656"/>
+            <a:ext cx="3640740" cy="646331"/>
+          </a:xfrm>
+          <a:prstGeom prst="rect">
+            <a:avLst/>
+          </a:prstGeom>
+          <a:noFill/>
+        </p:spPr>
+        <p:txBody>
+          <a:bodyPr wrap="none" rtlCol="0">
+            <a:spAutoFit/>
+          </a:bodyPr>
+          <a:lstStyle/>
+          <a:p>
+            <a:r>
+              <a:rPr lang="en-US" altLang="ko-KR" sz="3600" dirty="0" smtClean="0">
+                <a:ln>
+                  <a:solidFill>
+                    <a:schemeClr val="bg1">
+                      <a:alpha val="0"/>
+                    </a:schemeClr>
+                  </a:solidFill>
+                </a:ln>
+                <a:solidFill>
+                  <a:schemeClr val="accent6">
+                    <a:lumMod val="50000"/>
+                  </a:schemeClr>
+                </a:solidFill>
+                <a:latin typeface="-윤고딕330" pitchFamily="18" charset="-127"/>
+                <a:ea typeface="-윤고딕330" pitchFamily="18" charset="-127"/>
+              </a:rPr>
+              <a:t>1.3 </a:t>
+            </a:r>
+            <a:r>
+              <a:rPr lang="ko-KR" altLang="en-US" sz="3600" dirty="0" smtClean="0">
+                <a:ln>
+                  <a:solidFill>
+                    <a:schemeClr val="bg1">
+                      <a:alpha val="0"/>
+                    </a:schemeClr>
+                  </a:solidFill>
+                </a:ln>
+                <a:solidFill>
+                  <a:schemeClr val="accent6">
+                    <a:lumMod val="50000"/>
+                  </a:schemeClr>
+                </a:solidFill>
+                <a:latin typeface="-윤고딕330" pitchFamily="18" charset="-127"/>
+                <a:ea typeface="-윤고딕330" pitchFamily="18" charset="-127"/>
+              </a:rPr>
+              <a:t>소재 및 배경</a:t>
+            </a:r>
+            <a:endParaRPr lang="ko-KR" altLang="en-US" sz="2000" dirty="0">
+              <a:ln>
+                <a:solidFill>
+                  <a:schemeClr val="bg1">
+                    <a:alpha val="0"/>
+                  </a:schemeClr>
+                </a:solidFill>
+              </a:ln>
+              <a:solidFill>
+                <a:schemeClr val="accent6">
+                  <a:lumMod val="50000"/>
+                </a:schemeClr>
+              </a:solidFill>
+              <a:latin typeface="-윤고딕330" pitchFamily="18" charset="-127"/>
+              <a:ea typeface="-윤고딕330" pitchFamily="18" charset="-127"/>
+            </a:endParaRPr>
+          </a:p>
+        </p:txBody>
+      </p:sp>
+    </p:spTree>
+  </p:cSld>
+  <p:clrMapOvr>
+    <a:masterClrMapping/>
+  </p:clrMapOvr>
+  <p:transition spd="slow">
+    <p:push dir="u"/>
+  </p:transition>
+</p:sld>
+</file>
+
+<file path=ppt/slides/slide18.xml><?xml version="1.0" encoding="utf-8"?>
+<p:sld xmlns:a="http://schemas.openxmlformats.org/drawingml/2006/main" xmlns:r="http://schemas.openxmlformats.org/officeDocument/2006/relationships" xmlns:p="http://schemas.openxmlformats.org/presentationml/2006/main">
+  <p:cSld>
+    <p:spTree>
+      <p:nvGrpSpPr>
+        <p:cNvPr id="1" name=""/>
+        <p:cNvGrpSpPr/>
+        <p:nvPr/>
+      </p:nvGrpSpPr>
+      <p:grpSpPr>
+        <a:xfrm>
+          <a:off x="0" y="0"/>
+          <a:ext cx="0" cy="0"/>
+          <a:chOff x="0" y="0"/>
+          <a:chExt cx="0" cy="0"/>
+        </a:xfrm>
+      </p:grpSpPr>
+      <p:sp>
+        <p:nvSpPr>
+          <p:cNvPr id="4" name="슬라이드 번호 개체 틀 3"/>
+          <p:cNvSpPr>
+            <a:spLocks noGrp="1"/>
+          </p:cNvSpPr>
+          <p:nvPr>
+            <p:ph type="sldNum" sz="quarter" idx="12"/>
+          </p:nvPr>
+        </p:nvSpPr>
+        <p:spPr/>
+        <p:txBody>
+          <a:bodyPr/>
+          <a:lstStyle/>
+          <a:p>
+            <a:fld id="{6077AF18-BF2E-40A5-AFCC-D5AE0C2FE057}" type="slidenum">
+              <a:rPr lang="ko-KR" altLang="en-US" smtClean="0"/>
+              <a:pPr/>
+              <a:t>18</a:t>
+            </a:fld>
+            <a:endParaRPr lang="ko-KR" altLang="en-US" dirty="0"/>
+          </a:p>
+        </p:txBody>
+      </p:sp>
+      <p:sp>
+        <p:nvSpPr>
+          <p:cNvPr id="5" name="TextBox 4"/>
+          <p:cNvSpPr txBox="1"/>
+          <p:nvPr/>
+        </p:nvSpPr>
+        <p:spPr>
+          <a:xfrm>
+            <a:off x="359869" y="332656"/>
+            <a:ext cx="3640740" cy="646331"/>
+          </a:xfrm>
+          <a:prstGeom prst="rect">
+            <a:avLst/>
+          </a:prstGeom>
+          <a:noFill/>
+        </p:spPr>
+        <p:txBody>
+          <a:bodyPr wrap="none" rtlCol="0">
+            <a:spAutoFit/>
+          </a:bodyPr>
+          <a:lstStyle/>
+          <a:p>
+            <a:r>
+              <a:rPr lang="en-US" altLang="ko-KR" sz="3600" dirty="0" smtClean="0">
+                <a:ln>
+                  <a:solidFill>
+                    <a:schemeClr val="bg1">
+                      <a:alpha val="0"/>
+                    </a:schemeClr>
+                  </a:solidFill>
+                </a:ln>
+                <a:solidFill>
+                  <a:schemeClr val="accent6">
+                    <a:lumMod val="50000"/>
+                  </a:schemeClr>
+                </a:solidFill>
+                <a:latin typeface="-윤고딕330" pitchFamily="18" charset="-127"/>
+                <a:ea typeface="-윤고딕330" pitchFamily="18" charset="-127"/>
+              </a:rPr>
+              <a:t>1.3 </a:t>
+            </a:r>
+            <a:r>
+              <a:rPr lang="ko-KR" altLang="en-US" sz="3600" dirty="0" smtClean="0">
+                <a:ln>
+                  <a:solidFill>
+                    <a:schemeClr val="bg1">
+                      <a:alpha val="0"/>
+                    </a:schemeClr>
+                  </a:solidFill>
+                </a:ln>
+                <a:solidFill>
+                  <a:schemeClr val="accent6">
+                    <a:lumMod val="50000"/>
+                  </a:schemeClr>
+                </a:solidFill>
+                <a:latin typeface="-윤고딕330" pitchFamily="18" charset="-127"/>
+                <a:ea typeface="-윤고딕330" pitchFamily="18" charset="-127"/>
+              </a:rPr>
+              <a:t>소재 및 배경</a:t>
+            </a:r>
+            <a:endParaRPr lang="ko-KR" altLang="en-US" sz="2000" dirty="0">
+              <a:ln>
+                <a:solidFill>
+                  <a:schemeClr val="bg1">
+                    <a:alpha val="0"/>
+                  </a:schemeClr>
+                </a:solidFill>
+              </a:ln>
+              <a:solidFill>
+                <a:schemeClr val="accent6">
+                  <a:lumMod val="50000"/>
+                </a:schemeClr>
+              </a:solidFill>
+              <a:latin typeface="-윤고딕330" pitchFamily="18" charset="-127"/>
+              <a:ea typeface="-윤고딕330" pitchFamily="18" charset="-127"/>
+            </a:endParaRPr>
+          </a:p>
+        </p:txBody>
+      </p:sp>
+    </p:spTree>
+  </p:cSld>
+  <p:clrMapOvr>
+    <a:masterClrMapping/>
+  </p:clrMapOvr>
+  <p:transition spd="slow">
+    <p:push dir="u"/>
+  </p:transition>
 </p:sld>
 </file>
 
@@ -4864,7 +6087,7 @@
                 <a:latin typeface="-윤고딕330" pitchFamily="18" charset="-127"/>
                 <a:ea typeface="-윤고딕330" pitchFamily="18" charset="-127"/>
               </a:rPr>
-              <a:t>게임 개요 및 제작 의도</a:t>
+              <a:t>팀원 소개</a:t>
             </a:r>
             <a:endParaRPr lang="en-US" altLang="ko-KR" sz="2000" dirty="0" smtClean="0">
               <a:ln>
@@ -4885,13 +6108,13 @@
             </a:endParaRPr>
           </a:p>
           <a:p>
-            <a:pPr lvl="1">
+            <a:pPr>
               <a:lnSpc>
                 <a:spcPct val="130000"/>
               </a:lnSpc>
             </a:pPr>
             <a:r>
-              <a:rPr lang="en-US" altLang="ko-KR" sz="1500" dirty="0" smtClean="0">
+              <a:rPr lang="en-US" altLang="ko-KR" sz="2000" dirty="0" smtClean="0">
                 <a:ln>
                   <a:solidFill>
                     <a:schemeClr val="bg1">
@@ -4908,10 +6131,10 @@
                 <a:latin typeface="-윤고딕330" pitchFamily="18" charset="-127"/>
                 <a:ea typeface="-윤고딕330" pitchFamily="18" charset="-127"/>
               </a:rPr>
-              <a:t>1.1  </a:t>
-            </a:r>
-            <a:r>
-              <a:rPr lang="ko-KR" altLang="en-US" sz="1500" dirty="0" smtClean="0">
+              <a:t>2</a:t>
+            </a:r>
+            <a:r>
+              <a:rPr lang="en-US" altLang="ko-KR" sz="2000" dirty="0" smtClean="0">
                 <a:ln>
                   <a:solidFill>
                     <a:schemeClr val="bg1">
@@ -4928,10 +6151,10 @@
                 <a:latin typeface="-윤고딕330" pitchFamily="18" charset="-127"/>
                 <a:ea typeface="-윤고딕330" pitchFamily="18" charset="-127"/>
               </a:rPr>
-              <a:t>제목</a:t>
-            </a:r>
-            <a:r>
-              <a:rPr lang="en-US" altLang="ko-KR" sz="1500" dirty="0" smtClean="0">
+              <a:t>. </a:t>
+            </a:r>
+            <a:r>
+              <a:rPr lang="ko-KR" altLang="en-US" sz="2000" dirty="0" smtClean="0">
                 <a:ln>
                   <a:solidFill>
                     <a:schemeClr val="bg1">
@@ -4948,54 +6171,7 @@
                 <a:latin typeface="-윤고딕330" pitchFamily="18" charset="-127"/>
                 <a:ea typeface="-윤고딕330" pitchFamily="18" charset="-127"/>
               </a:rPr>
-              <a:t> </a:t>
-            </a:r>
-          </a:p>
-          <a:p>
-            <a:pPr lvl="1">
-              <a:lnSpc>
-                <a:spcPct val="130000"/>
-              </a:lnSpc>
-            </a:pPr>
-            <a:r>
-              <a:rPr lang="en-US" altLang="ko-KR" sz="1500" dirty="0" smtClean="0">
-                <a:ln>
-                  <a:solidFill>
-                    <a:schemeClr val="bg1">
-                      <a:alpha val="0"/>
-                    </a:schemeClr>
-                  </a:solidFill>
-                </a:ln>
-                <a:solidFill>
-                  <a:schemeClr val="tx1">
-                    <a:lumMod val="75000"/>
-                    <a:lumOff val="25000"/>
-                  </a:schemeClr>
-                </a:solidFill>
-                <a:latin typeface="-윤고딕330" pitchFamily="18" charset="-127"/>
-                <a:ea typeface="-윤고딕330" pitchFamily="18" charset="-127"/>
-              </a:rPr>
-              <a:t>1.2  </a:t>
-            </a:r>
-            <a:r>
-              <a:rPr lang="ko-KR" altLang="en-US" sz="1500" dirty="0" smtClean="0">
-                <a:ln>
-                  <a:solidFill>
-                    <a:schemeClr val="bg1">
-                      <a:alpha val="0"/>
-                    </a:schemeClr>
-                  </a:solidFill>
-                </a:ln>
-                <a:solidFill>
-                  <a:schemeClr val="tx1">
-                    <a:lumMod val="75000"/>
-                    <a:lumOff val="25000"/>
-                  </a:schemeClr>
-                </a:solidFill>
-                <a:latin typeface="-윤고딕330" pitchFamily="18" charset="-127"/>
-                <a:ea typeface="-윤고딕330" pitchFamily="18" charset="-127"/>
-              </a:rPr>
-              <a:t>장르</a:t>
+              <a:t>제안 서비스 소개</a:t>
             </a:r>
             <a:endParaRPr lang="en-US" altLang="ko-KR" sz="1500" dirty="0" smtClean="0">
               <a:ln>
@@ -5039,10 +6215,10 @@
                 <a:latin typeface="-윤고딕330" pitchFamily="18" charset="-127"/>
                 <a:ea typeface="-윤고딕330" pitchFamily="18" charset="-127"/>
               </a:rPr>
-              <a:t>1.3  </a:t>
-            </a:r>
-            <a:r>
-              <a:rPr lang="ko-KR" altLang="en-US" sz="1500" dirty="0" smtClean="0">
+              <a:t>2.1 </a:t>
+            </a:r>
+            <a:r>
+              <a:rPr lang="ko-KR" altLang="en-US" sz="1500" dirty="0" err="1" smtClean="0">
                 <a:ln>
                   <a:solidFill>
                     <a:schemeClr val="bg1">
@@ -5059,7 +6235,7 @@
                 <a:latin typeface="-윤고딕330" pitchFamily="18" charset="-127"/>
                 <a:ea typeface="-윤고딕330" pitchFamily="18" charset="-127"/>
               </a:rPr>
-              <a:t>의도 및 목적</a:t>
+              <a:t>서비스명</a:t>
             </a:r>
             <a:endParaRPr lang="en-US" altLang="ko-KR" sz="1500" dirty="0" smtClean="0">
               <a:ln>
@@ -5103,7 +6279,7 @@
                 <a:latin typeface="-윤고딕330" pitchFamily="18" charset="-127"/>
                 <a:ea typeface="-윤고딕330" pitchFamily="18" charset="-127"/>
               </a:rPr>
-              <a:t>1.4  </a:t>
+              <a:t>2.2 </a:t>
             </a:r>
             <a:r>
               <a:rPr lang="ko-KR" altLang="en-US" sz="1500" dirty="0" smtClean="0">
@@ -5123,7 +6299,7 @@
                 <a:latin typeface="-윤고딕330" pitchFamily="18" charset="-127"/>
                 <a:ea typeface="-윤고딕330" pitchFamily="18" charset="-127"/>
               </a:rPr>
-              <a:t>특징</a:t>
+              <a:t>장르</a:t>
             </a:r>
             <a:endParaRPr lang="en-US" altLang="ko-KR" sz="1500" dirty="0" smtClean="0">
               <a:ln>
@@ -5167,7 +6343,7 @@
                 <a:latin typeface="-윤고딕330" pitchFamily="18" charset="-127"/>
                 <a:ea typeface="-윤고딕330" pitchFamily="18" charset="-127"/>
               </a:rPr>
-              <a:t>1.5  </a:t>
+              <a:t>2.3 </a:t>
             </a:r>
             <a:r>
               <a:rPr lang="ko-KR" altLang="en-US" sz="1500" dirty="0" smtClean="0">
@@ -5187,9 +6363,9 @@
                 <a:latin typeface="-윤고딕330" pitchFamily="18" charset="-127"/>
                 <a:ea typeface="-윤고딕330" pitchFamily="18" charset="-127"/>
               </a:rPr>
-              <a:t>소재 및 배경</a:t>
-            </a:r>
-            <a:endParaRPr lang="en-US" altLang="ko-KR" sz="2000" dirty="0" smtClean="0">
+              <a:t>서비스 내용 및 특징</a:t>
+            </a:r>
+            <a:endParaRPr lang="en-US" altLang="ko-KR" sz="1500" dirty="0" smtClean="0">
               <a:ln>
                 <a:solidFill>
                   <a:schemeClr val="bg1">
@@ -5208,13 +6384,13 @@
             </a:endParaRPr>
           </a:p>
           <a:p>
-            <a:pPr>
+            <a:pPr lvl="1">
               <a:lnSpc>
                 <a:spcPct val="130000"/>
               </a:lnSpc>
             </a:pPr>
             <a:r>
-              <a:rPr lang="en-US" altLang="ko-KR" sz="2000" dirty="0" smtClean="0">
+              <a:rPr lang="en-US" altLang="ko-KR" sz="1500" dirty="0" smtClean="0">
                 <a:ln>
                   <a:solidFill>
                     <a:schemeClr val="bg1">
@@ -5231,10 +6407,10 @@
                 <a:latin typeface="-윤고딕330" pitchFamily="18" charset="-127"/>
                 <a:ea typeface="-윤고딕330" pitchFamily="18" charset="-127"/>
               </a:rPr>
-              <a:t>2. </a:t>
-            </a:r>
-            <a:r>
-              <a:rPr lang="ko-KR" altLang="en-US" sz="2000" dirty="0" smtClean="0">
+              <a:t>2.4  </a:t>
+            </a:r>
+            <a:r>
+              <a:rPr lang="ko-KR" altLang="en-US" sz="1500" dirty="0" smtClean="0">
                 <a:ln>
                   <a:solidFill>
                     <a:schemeClr val="bg1">
@@ -5251,9 +6427,9 @@
                 <a:latin typeface="-윤고딕330" pitchFamily="18" charset="-127"/>
                 <a:ea typeface="-윤고딕330" pitchFamily="18" charset="-127"/>
               </a:rPr>
-              <a:t>게임 목표</a:t>
-            </a:r>
-            <a:endParaRPr lang="en-US" altLang="ko-KR" sz="2000" dirty="0" smtClean="0">
+              <a:t>주요 메뉴</a:t>
+            </a:r>
+            <a:endParaRPr lang="en-US" altLang="ko-KR" sz="1500" dirty="0" smtClean="0">
               <a:ln>
                 <a:solidFill>
                   <a:schemeClr val="bg1">
@@ -5295,7 +6471,7 @@
                 <a:latin typeface="-윤고딕330" pitchFamily="18" charset="-127"/>
                 <a:ea typeface="-윤고딕330" pitchFamily="18" charset="-127"/>
               </a:rPr>
-              <a:t>2.1  </a:t>
+              <a:t>2.5  </a:t>
             </a:r>
             <a:r>
               <a:rPr lang="ko-KR" altLang="en-US" sz="1500" dirty="0" smtClean="0">
@@ -5315,9 +6491,9 @@
                 <a:latin typeface="-윤고딕330" pitchFamily="18" charset="-127"/>
                 <a:ea typeface="-윤고딕330" pitchFamily="18" charset="-127"/>
               </a:rPr>
-              <a:t>목표</a:t>
-            </a:r>
-            <a:endParaRPr lang="en-US" altLang="ko-KR" sz="1500" dirty="0" smtClean="0">
+              <a:t>목표 대상 고객</a:t>
+            </a:r>
+            <a:endParaRPr lang="en-US" altLang="ko-KR" sz="2000" dirty="0" smtClean="0">
               <a:ln>
                 <a:solidFill>
                   <a:schemeClr val="bg1">
@@ -5336,13 +6512,13 @@
             </a:endParaRPr>
           </a:p>
           <a:p>
-            <a:pPr lvl="1">
+            <a:pPr>
               <a:lnSpc>
                 <a:spcPct val="130000"/>
               </a:lnSpc>
             </a:pPr>
             <a:r>
-              <a:rPr lang="en-US" altLang="ko-KR" sz="1500" dirty="0" smtClean="0">
+              <a:rPr lang="en-US" altLang="ko-KR" sz="2000" dirty="0" smtClean="0">
                 <a:ln>
                   <a:solidFill>
                     <a:schemeClr val="bg1">
@@ -5359,10 +6535,10 @@
                 <a:latin typeface="-윤고딕330" pitchFamily="18" charset="-127"/>
                 <a:ea typeface="-윤고딕330" pitchFamily="18" charset="-127"/>
               </a:rPr>
-              <a:t>2.2  </a:t>
-            </a:r>
-            <a:r>
-              <a:rPr lang="ko-KR" altLang="en-US" sz="1500" dirty="0" smtClean="0">
+              <a:t>3. </a:t>
+            </a:r>
+            <a:r>
+              <a:rPr lang="ko-KR" altLang="en-US" sz="2000" dirty="0" smtClean="0">
                 <a:ln>
                   <a:solidFill>
                     <a:schemeClr val="bg1">
@@ -5379,7 +6555,27 @@
                 <a:latin typeface="-윤고딕330" pitchFamily="18" charset="-127"/>
                 <a:ea typeface="-윤고딕330" pitchFamily="18" charset="-127"/>
               </a:rPr>
-              <a:t>요약</a:t>
+              <a:t>비즈니스 모델링</a:t>
+            </a:r>
+            <a:r>
+              <a:rPr lang="en-US" altLang="ko-KR" sz="2000" dirty="0" smtClean="0">
+                <a:ln>
+                  <a:solidFill>
+                    <a:schemeClr val="bg1">
+                      <a:alpha val="0"/>
+                    </a:schemeClr>
+                  </a:solidFill>
+                </a:ln>
+                <a:solidFill>
+                  <a:schemeClr val="tx1">
+                    <a:lumMod val="75000"/>
+                    <a:lumOff val="25000"/>
+                  </a:schemeClr>
+                </a:solidFill>
+                <a:latin typeface="-윤고딕330" pitchFamily="18" charset="-127"/>
+                <a:ea typeface="-윤고딕330" pitchFamily="18" charset="-127"/>
+              </a:rPr>
+              <a:t>	</a:t>
             </a:r>
             <a:endParaRPr lang="en-US" altLang="ko-KR" sz="1500" dirty="0" smtClean="0">
               <a:ln>
@@ -5423,7 +6619,7 @@
                 <a:latin typeface="-윤고딕330" pitchFamily="18" charset="-127"/>
                 <a:ea typeface="-윤고딕330" pitchFamily="18" charset="-127"/>
               </a:rPr>
-              <a:t>2.3  </a:t>
+              <a:t>3.1  </a:t>
             </a:r>
             <a:r>
               <a:rPr lang="ko-KR" altLang="en-US" sz="1500" dirty="0" smtClean="0">
@@ -5443,9 +6639,9 @@
                 <a:latin typeface="-윤고딕330" pitchFamily="18" charset="-127"/>
                 <a:ea typeface="-윤고딕330" pitchFamily="18" charset="-127"/>
               </a:rPr>
-              <a:t>방식</a:t>
-            </a:r>
-            <a:endParaRPr lang="en-US" altLang="ko-KR" sz="2000" dirty="0" smtClean="0">
+              <a:t>기대 효과</a:t>
+            </a:r>
+            <a:endParaRPr lang="en-US" altLang="ko-KR" sz="1500" dirty="0" smtClean="0">
               <a:ln>
                 <a:solidFill>
                   <a:schemeClr val="bg1">
@@ -5464,13 +6660,13 @@
             </a:endParaRPr>
           </a:p>
           <a:p>
-            <a:pPr>
+            <a:pPr lvl="1">
               <a:lnSpc>
                 <a:spcPct val="130000"/>
               </a:lnSpc>
             </a:pPr>
             <a:r>
-              <a:rPr lang="en-US" altLang="ko-KR" sz="2000" dirty="0" smtClean="0">
+              <a:rPr lang="en-US" altLang="ko-KR" sz="1500" dirty="0" smtClean="0">
                 <a:ln>
                   <a:solidFill>
                     <a:schemeClr val="bg1">
@@ -5487,10 +6683,10 @@
                 <a:latin typeface="-윤고딕330" pitchFamily="18" charset="-127"/>
                 <a:ea typeface="-윤고딕330" pitchFamily="18" charset="-127"/>
               </a:rPr>
-              <a:t>3. </a:t>
-            </a:r>
-            <a:r>
-              <a:rPr lang="ko-KR" altLang="en-US" sz="2000" dirty="0" smtClean="0">
+              <a:t>3.2  </a:t>
+            </a:r>
+            <a:r>
+              <a:rPr lang="ko-KR" altLang="en-US" sz="1500" dirty="0" smtClean="0">
                 <a:ln>
                   <a:solidFill>
                     <a:schemeClr val="bg1">
@@ -5507,10 +6703,10 @@
                 <a:latin typeface="-윤고딕330" pitchFamily="18" charset="-127"/>
                 <a:ea typeface="-윤고딕330" pitchFamily="18" charset="-127"/>
               </a:rPr>
-              <a:t>게임 내용</a:t>
-            </a:r>
-            <a:r>
-              <a:rPr lang="en-US" altLang="ko-KR" sz="2000" dirty="0" smtClean="0">
+              <a:t>홍보</a:t>
+            </a:r>
+            <a:r>
+              <a:rPr lang="en-US" altLang="ko-KR" sz="1500" dirty="0" smtClean="0">
                 <a:ln>
                   <a:solidFill>
                     <a:schemeClr val="bg1">
@@ -5527,9 +6723,69 @@
                 <a:latin typeface="-윤고딕330" pitchFamily="18" charset="-127"/>
                 <a:ea typeface="-윤고딕330" pitchFamily="18" charset="-127"/>
               </a:rPr>
-              <a:t>	</a:t>
-            </a:r>
-            <a:endParaRPr lang="en-US" altLang="ko-KR" sz="1500" dirty="0">
+              <a:t>/</a:t>
+            </a:r>
+            <a:r>
+              <a:rPr lang="ko-KR" altLang="en-US" sz="1500" dirty="0" smtClean="0">
+                <a:ln>
+                  <a:solidFill>
+                    <a:schemeClr val="bg1">
+                      <a:alpha val="0"/>
+                    </a:schemeClr>
+                  </a:solidFill>
+                </a:ln>
+                <a:solidFill>
+                  <a:schemeClr val="tx1">
+                    <a:lumMod val="75000"/>
+                    <a:lumOff val="25000"/>
+                  </a:schemeClr>
+                </a:solidFill>
+                <a:latin typeface="-윤고딕330" pitchFamily="18" charset="-127"/>
+                <a:ea typeface="-윤고딕330" pitchFamily="18" charset="-127"/>
+              </a:rPr>
+              <a:t>영업</a:t>
+            </a:r>
+            <a:r>
+              <a:rPr lang="en-US" altLang="ko-KR" sz="1500" dirty="0" smtClean="0">
+                <a:ln>
+                  <a:solidFill>
+                    <a:schemeClr val="bg1">
+                      <a:alpha val="0"/>
+                    </a:schemeClr>
+                  </a:solidFill>
+                </a:ln>
+                <a:solidFill>
+                  <a:schemeClr val="tx1">
+                    <a:lumMod val="75000"/>
+                    <a:lumOff val="25000"/>
+                  </a:schemeClr>
+                </a:solidFill>
+                <a:latin typeface="-윤고딕330" pitchFamily="18" charset="-127"/>
+                <a:ea typeface="-윤고딕330" pitchFamily="18" charset="-127"/>
+              </a:rPr>
+              <a:t>/</a:t>
+            </a:r>
+            <a:r>
+              <a:rPr lang="ko-KR" altLang="en-US" sz="1500" dirty="0" smtClean="0">
+                <a:ln>
+                  <a:solidFill>
+                    <a:schemeClr val="bg1">
+                      <a:alpha val="0"/>
+                    </a:schemeClr>
+                  </a:solidFill>
+                </a:ln>
+                <a:solidFill>
+                  <a:schemeClr val="tx1">
+                    <a:lumMod val="75000"/>
+                    <a:lumOff val="25000"/>
+                  </a:schemeClr>
+                </a:solidFill>
+                <a:latin typeface="-윤고딕330" pitchFamily="18" charset="-127"/>
+                <a:ea typeface="-윤고딕330" pitchFamily="18" charset="-127"/>
+              </a:rPr>
+              <a:t>마케팅 협력 방안</a:t>
+            </a:r>
+            <a:endParaRPr lang="en-US" altLang="ko-KR" sz="2000" dirty="0">
               <a:ln>
                 <a:solidFill>
                   <a:schemeClr val="bg1">
@@ -5548,13 +6804,13 @@
             </a:endParaRPr>
           </a:p>
           <a:p>
-            <a:pPr lvl="1">
+            <a:pPr>
               <a:lnSpc>
                 <a:spcPct val="130000"/>
               </a:lnSpc>
             </a:pPr>
             <a:r>
-              <a:rPr lang="en-US" altLang="ko-KR" sz="1500" dirty="0" smtClean="0">
+              <a:rPr lang="en-US" altLang="ko-KR" sz="2000" dirty="0" smtClean="0">
                 <a:ln>
                   <a:solidFill>
                     <a:schemeClr val="bg1">
@@ -5571,10 +6827,10 @@
                 <a:latin typeface="-윤고딕330" pitchFamily="18" charset="-127"/>
                 <a:ea typeface="-윤고딕330" pitchFamily="18" charset="-127"/>
               </a:rPr>
-              <a:t>3.1  </a:t>
-            </a:r>
-            <a:r>
-              <a:rPr lang="ko-KR" altLang="en-US" sz="1500" dirty="0" smtClean="0">
+              <a:t>4. </a:t>
+            </a:r>
+            <a:r>
+              <a:rPr lang="ko-KR" altLang="en-US" sz="2000" dirty="0" smtClean="0">
                 <a:ln>
                   <a:solidFill>
                     <a:schemeClr val="bg1">
@@ -5591,9 +6847,9 @@
                 <a:latin typeface="-윤고딕330" pitchFamily="18" charset="-127"/>
                 <a:ea typeface="-윤고딕330" pitchFamily="18" charset="-127"/>
               </a:rPr>
-              <a:t>세계관</a:t>
-            </a:r>
-            <a:endParaRPr lang="en-US" altLang="ko-KR" sz="1500" dirty="0" smtClean="0">
+              <a:t>게임 시나리오</a:t>
+            </a:r>
+            <a:endParaRPr lang="en-US" altLang="ko-KR" sz="2000" dirty="0" smtClean="0">
               <a:ln>
                 <a:solidFill>
                   <a:schemeClr val="bg1">
@@ -5612,13 +6868,13 @@
             </a:endParaRPr>
           </a:p>
           <a:p>
-            <a:pPr lvl="1">
+            <a:pPr>
               <a:lnSpc>
                 <a:spcPct val="130000"/>
               </a:lnSpc>
             </a:pPr>
             <a:r>
-              <a:rPr lang="en-US" altLang="ko-KR" sz="1500" dirty="0" smtClean="0">
+              <a:rPr lang="en-US" altLang="ko-KR" sz="2000" dirty="0" smtClean="0">
                 <a:ln>
                   <a:solidFill>
                     <a:schemeClr val="bg1">
@@ -5635,10 +6891,10 @@
                 <a:latin typeface="-윤고딕330" pitchFamily="18" charset="-127"/>
                 <a:ea typeface="-윤고딕330" pitchFamily="18" charset="-127"/>
               </a:rPr>
-              <a:t>3.2  </a:t>
-            </a:r>
-            <a:r>
-              <a:rPr lang="ko-KR" altLang="en-US" sz="1500" dirty="0" smtClean="0">
+              <a:t>5. </a:t>
+            </a:r>
+            <a:r>
+              <a:rPr lang="ko-KR" altLang="en-US" sz="2000" dirty="0" smtClean="0">
                 <a:ln>
                   <a:solidFill>
                     <a:schemeClr val="bg1">
@@ -5655,9 +6911,9 @@
                 <a:latin typeface="-윤고딕330" pitchFamily="18" charset="-127"/>
                 <a:ea typeface="-윤고딕330" pitchFamily="18" charset="-127"/>
               </a:rPr>
-              <a:t>캐릭터</a:t>
-            </a:r>
-            <a:endParaRPr lang="en-US" altLang="ko-KR" sz="1500" dirty="0" smtClean="0">
+              <a:t>게임 특징</a:t>
+            </a:r>
+            <a:endParaRPr lang="en-US" altLang="ko-KR" sz="2000" dirty="0" smtClean="0">
               <a:ln>
                 <a:solidFill>
                   <a:schemeClr val="bg1">
@@ -5676,13 +6932,13 @@
             </a:endParaRPr>
           </a:p>
           <a:p>
-            <a:pPr lvl="1">
+            <a:pPr>
               <a:lnSpc>
                 <a:spcPct val="130000"/>
               </a:lnSpc>
             </a:pPr>
             <a:r>
-              <a:rPr lang="en-US" altLang="ko-KR" sz="1500" dirty="0" smtClean="0">
+              <a:rPr lang="en-US" altLang="ko-KR" sz="2000" dirty="0" smtClean="0">
                 <a:ln>
                   <a:solidFill>
                     <a:schemeClr val="bg1">
@@ -5699,10 +6955,10 @@
                 <a:latin typeface="-윤고딕330" pitchFamily="18" charset="-127"/>
                 <a:ea typeface="-윤고딕330" pitchFamily="18" charset="-127"/>
               </a:rPr>
-              <a:t>3.3  </a:t>
-            </a:r>
-            <a:r>
-              <a:rPr lang="ko-KR" altLang="en-US" sz="1500" dirty="0" smtClean="0">
+              <a:t>6. </a:t>
+            </a:r>
+            <a:r>
+              <a:rPr lang="ko-KR" altLang="en-US" sz="2000" dirty="0" smtClean="0">
                 <a:ln>
                   <a:solidFill>
                     <a:schemeClr val="bg1">
@@ -5719,184 +6975,8 @@
                 <a:latin typeface="-윤고딕330" pitchFamily="18" charset="-127"/>
                 <a:ea typeface="-윤고딕330" pitchFamily="18" charset="-127"/>
               </a:rPr>
-              <a:t>아이템</a:t>
-            </a:r>
-            <a:endParaRPr lang="en-US" altLang="ko-KR" sz="1500" dirty="0" smtClean="0">
-              <a:ln>
-                <a:solidFill>
-                  <a:schemeClr val="bg1">
-                    <a:alpha val="0"/>
-                  </a:schemeClr>
-                </a:solidFill>
-              </a:ln>
-              <a:solidFill>
-                <a:schemeClr val="tx1">
-                  <a:lumMod val="75000"/>
-                  <a:lumOff val="25000"/>
-                </a:schemeClr>
-              </a:solidFill>
-              <a:latin typeface="-윤고딕330" pitchFamily="18" charset="-127"/>
-              <a:ea typeface="-윤고딕330" pitchFamily="18" charset="-127"/>
-            </a:endParaRPr>
-          </a:p>
-          <a:p>
-            <a:pPr lvl="1">
-              <a:lnSpc>
-                <a:spcPct val="130000"/>
-              </a:lnSpc>
-            </a:pPr>
-            <a:r>
-              <a:rPr lang="en-US" altLang="ko-KR" sz="1500" dirty="0" smtClean="0">
-                <a:ln>
-                  <a:solidFill>
-                    <a:schemeClr val="bg1">
-                      <a:alpha val="0"/>
-                    </a:schemeClr>
-                  </a:solidFill>
-                </a:ln>
-                <a:solidFill>
-                  <a:schemeClr val="tx1">
-                    <a:lumMod val="75000"/>
-                    <a:lumOff val="25000"/>
-                  </a:schemeClr>
-                </a:solidFill>
-                <a:latin typeface="-윤고딕330" pitchFamily="18" charset="-127"/>
-                <a:ea typeface="-윤고딕330" pitchFamily="18" charset="-127"/>
-              </a:rPr>
-              <a:t>3.4  </a:t>
-            </a:r>
-            <a:r>
-              <a:rPr lang="ko-KR" altLang="en-US" sz="1500" dirty="0" smtClean="0">
-                <a:ln>
-                  <a:solidFill>
-                    <a:schemeClr val="bg1">
-                      <a:alpha val="0"/>
-                    </a:schemeClr>
-                  </a:solidFill>
-                </a:ln>
-                <a:solidFill>
-                  <a:schemeClr val="tx1">
-                    <a:lumMod val="75000"/>
-                    <a:lumOff val="25000"/>
-                  </a:schemeClr>
-                </a:solidFill>
-                <a:latin typeface="-윤고딕330" pitchFamily="18" charset="-127"/>
-                <a:ea typeface="-윤고딕330" pitchFamily="18" charset="-127"/>
-              </a:rPr>
-              <a:t>전투 시스템</a:t>
-            </a:r>
-            <a:endParaRPr lang="en-US" altLang="ko-KR" sz="1500" dirty="0" smtClean="0">
-              <a:ln>
-                <a:solidFill>
-                  <a:schemeClr val="bg1">
-                    <a:alpha val="0"/>
-                  </a:schemeClr>
-                </a:solidFill>
-              </a:ln>
-              <a:solidFill>
-                <a:schemeClr val="tx1">
-                  <a:lumMod val="75000"/>
-                  <a:lumOff val="25000"/>
-                </a:schemeClr>
-              </a:solidFill>
-              <a:latin typeface="-윤고딕330" pitchFamily="18" charset="-127"/>
-              <a:ea typeface="-윤고딕330" pitchFamily="18" charset="-127"/>
-            </a:endParaRPr>
-          </a:p>
-          <a:p>
-            <a:pPr lvl="1">
-              <a:lnSpc>
-                <a:spcPct val="130000"/>
-              </a:lnSpc>
-            </a:pPr>
-            <a:r>
-              <a:rPr lang="en-US" altLang="ko-KR" sz="1500" dirty="0" smtClean="0">
-                <a:ln>
-                  <a:solidFill>
-                    <a:schemeClr val="bg1">
-                      <a:alpha val="0"/>
-                    </a:schemeClr>
-                  </a:solidFill>
-                </a:ln>
-                <a:solidFill>
-                  <a:schemeClr val="tx1">
-                    <a:lumMod val="75000"/>
-                    <a:lumOff val="25000"/>
-                  </a:schemeClr>
-                </a:solidFill>
-                <a:latin typeface="-윤고딕330" pitchFamily="18" charset="-127"/>
-                <a:ea typeface="-윤고딕330" pitchFamily="18" charset="-127"/>
-              </a:rPr>
-              <a:t>3.5  </a:t>
-            </a:r>
-            <a:r>
-              <a:rPr lang="ko-KR" altLang="en-US" sz="1500" dirty="0" smtClean="0">
-                <a:ln>
-                  <a:solidFill>
-                    <a:schemeClr val="bg1">
-                      <a:alpha val="0"/>
-                    </a:schemeClr>
-                  </a:solidFill>
-                </a:ln>
-                <a:solidFill>
-                  <a:schemeClr val="tx1">
-                    <a:lumMod val="75000"/>
-                    <a:lumOff val="25000"/>
-                  </a:schemeClr>
-                </a:solidFill>
-                <a:latin typeface="-윤고딕330" pitchFamily="18" charset="-127"/>
-                <a:ea typeface="-윤고딕330" pitchFamily="18" charset="-127"/>
-              </a:rPr>
-              <a:t>커뮤니티 시스템</a:t>
-            </a:r>
-            <a:endParaRPr lang="en-US" altLang="ko-KR" sz="1500" dirty="0" smtClean="0">
-              <a:ln>
-                <a:solidFill>
-                  <a:schemeClr val="bg1">
-                    <a:alpha val="0"/>
-                  </a:schemeClr>
-                </a:solidFill>
-              </a:ln>
-              <a:solidFill>
-                <a:schemeClr val="tx1">
-                  <a:lumMod val="75000"/>
-                  <a:lumOff val="25000"/>
-                </a:schemeClr>
-              </a:solidFill>
-              <a:latin typeface="-윤고딕330" pitchFamily="18" charset="-127"/>
-              <a:ea typeface="-윤고딕330" pitchFamily="18" charset="-127"/>
-            </a:endParaRPr>
-          </a:p>
-          <a:p>
-            <a:pPr>
-              <a:lnSpc>
-                <a:spcPct val="130000"/>
-              </a:lnSpc>
-            </a:pPr>
-            <a:endParaRPr lang="en-US" altLang="ko-KR" sz="2000" dirty="0">
-              <a:ln>
-                <a:solidFill>
-                  <a:schemeClr val="bg1">
-                    <a:alpha val="0"/>
-                  </a:schemeClr>
-                </a:solidFill>
-              </a:ln>
-              <a:solidFill>
-                <a:schemeClr val="tx1">
-                  <a:lumMod val="75000"/>
-                  <a:lumOff val="25000"/>
-                </a:schemeClr>
-              </a:solidFill>
-              <a:latin typeface="-윤고딕330" pitchFamily="18" charset="-127"/>
-              <a:ea typeface="-윤고딕330" pitchFamily="18" charset="-127"/>
-            </a:endParaRPr>
-          </a:p>
-          <a:p>
-            <a:pPr>
-              <a:lnSpc>
-                <a:spcPct val="130000"/>
-              </a:lnSpc>
-            </a:pPr>
+              <a:t>게임 방법</a:t>
+            </a:r>
             <a:endParaRPr lang="en-US" altLang="ko-KR" sz="2000" dirty="0">
               <a:ln>
                 <a:solidFill>
@@ -6141,7 +7221,7 @@
     </p:spTree>
     <p:extLst>
       <p:ext uri="{BB962C8B-B14F-4D97-AF65-F5344CB8AC3E}">
-        <p14:creationId xmlns="" xmlns:p14="http://schemas.microsoft.com/office/powerpoint/2010/main" val="2378213369"/>
+        <p14:creationId xmlns:p14="http://schemas.microsoft.com/office/powerpoint/2010/main" xmlns="" val="2378213369"/>
       </p:ext>
     </p:extLst>
   </p:cSld>
@@ -6162,887 +7242,6 @@
 </file>
 
 <file path=ppt/slides/slide3.xml><?xml version="1.0" encoding="utf-8"?>
-<p:sld xmlns:a="http://schemas.openxmlformats.org/drawingml/2006/main" xmlns:r="http://schemas.openxmlformats.org/officeDocument/2006/relationships" xmlns:p="http://schemas.openxmlformats.org/presentationml/2006/main">
-  <p:cSld>
-    <p:spTree>
-      <p:nvGrpSpPr>
-        <p:cNvPr id="1" name=""/>
-        <p:cNvGrpSpPr/>
-        <p:nvPr/>
-      </p:nvGrpSpPr>
-      <p:grpSpPr>
-        <a:xfrm>
-          <a:off x="0" y="0"/>
-          <a:ext cx="0" cy="0"/>
-          <a:chOff x="0" y="0"/>
-          <a:chExt cx="0" cy="0"/>
-        </a:xfrm>
-      </p:grpSpPr>
-      <p:sp>
-        <p:nvSpPr>
-          <p:cNvPr id="7" name="직사각형 6"/>
-          <p:cNvSpPr/>
-          <p:nvPr/>
-        </p:nvSpPr>
-        <p:spPr>
-          <a:xfrm>
-            <a:off x="-36512" y="-27384"/>
-            <a:ext cx="9180512" cy="202332"/>
-          </a:xfrm>
-          <a:prstGeom prst="rect">
-            <a:avLst/>
-          </a:prstGeom>
-          <a:solidFill>
-            <a:schemeClr val="tx1">
-              <a:lumMod val="75000"/>
-              <a:lumOff val="25000"/>
-            </a:schemeClr>
-          </a:solidFill>
-          <a:ln>
-            <a:solidFill>
-              <a:schemeClr val="tx1">
-                <a:lumMod val="75000"/>
-                <a:lumOff val="25000"/>
-              </a:schemeClr>
-            </a:solidFill>
-          </a:ln>
-        </p:spPr>
-        <p:style>
-          <a:lnRef idx="2">
-            <a:schemeClr val="accent1">
-              <a:shade val="50000"/>
-            </a:schemeClr>
-          </a:lnRef>
-          <a:fillRef idx="1">
-            <a:schemeClr val="accent1"/>
-          </a:fillRef>
-          <a:effectRef idx="0">
-            <a:schemeClr val="accent1"/>
-          </a:effectRef>
-          <a:fontRef idx="minor">
-            <a:schemeClr val="lt1"/>
-          </a:fontRef>
-        </p:style>
-        <p:txBody>
-          <a:bodyPr rtlCol="0" anchor="ctr"/>
-          <a:lstStyle/>
-          <a:p>
-            <a:pPr algn="ctr"/>
-            <a:endParaRPr lang="ko-KR" altLang="en-US" dirty="0"/>
-          </a:p>
-        </p:txBody>
-      </p:sp>
-      <p:sp>
-        <p:nvSpPr>
-          <p:cNvPr id="19" name="직사각형 18"/>
-          <p:cNvSpPr/>
-          <p:nvPr/>
-        </p:nvSpPr>
-        <p:spPr>
-          <a:xfrm>
-            <a:off x="0" y="6525344"/>
-            <a:ext cx="9180512" cy="343004"/>
-          </a:xfrm>
-          <a:prstGeom prst="rect">
-            <a:avLst/>
-          </a:prstGeom>
-          <a:solidFill>
-            <a:schemeClr val="tx1">
-              <a:lumMod val="75000"/>
-              <a:lumOff val="25000"/>
-            </a:schemeClr>
-          </a:solidFill>
-          <a:ln>
-            <a:solidFill>
-              <a:schemeClr val="tx1">
-                <a:lumMod val="75000"/>
-                <a:lumOff val="25000"/>
-              </a:schemeClr>
-            </a:solidFill>
-          </a:ln>
-        </p:spPr>
-        <p:style>
-          <a:lnRef idx="2">
-            <a:schemeClr val="accent1">
-              <a:shade val="50000"/>
-            </a:schemeClr>
-          </a:lnRef>
-          <a:fillRef idx="1">
-            <a:schemeClr val="accent1"/>
-          </a:fillRef>
-          <a:effectRef idx="0">
-            <a:schemeClr val="accent1"/>
-          </a:effectRef>
-          <a:fontRef idx="minor">
-            <a:schemeClr val="lt1"/>
-          </a:fontRef>
-        </p:style>
-        <p:txBody>
-          <a:bodyPr rtlCol="0" anchor="ctr"/>
-          <a:lstStyle/>
-          <a:p>
-            <a:pPr algn="ctr"/>
-            <a:endParaRPr lang="ko-KR" altLang="en-US" dirty="0"/>
-          </a:p>
-        </p:txBody>
-      </p:sp>
-      <p:cxnSp>
-        <p:nvCxnSpPr>
-          <p:cNvPr id="16" name="직선 연결선 15"/>
-          <p:cNvCxnSpPr/>
-          <p:nvPr/>
-        </p:nvCxnSpPr>
-        <p:spPr>
-          <a:xfrm>
-            <a:off x="-36512" y="4293096"/>
-            <a:ext cx="3744416" cy="0"/>
-          </a:xfrm>
-          <a:prstGeom prst="line">
-            <a:avLst/>
-          </a:prstGeom>
-          <a:ln>
-            <a:solidFill>
-              <a:schemeClr val="bg1">
-                <a:lumMod val="85000"/>
-              </a:schemeClr>
-            </a:solidFill>
-          </a:ln>
-        </p:spPr>
-        <p:style>
-          <a:lnRef idx="1">
-            <a:schemeClr val="accent1"/>
-          </a:lnRef>
-          <a:fillRef idx="0">
-            <a:schemeClr val="accent1"/>
-          </a:fillRef>
-          <a:effectRef idx="0">
-            <a:schemeClr val="accent1"/>
-          </a:effectRef>
-          <a:fontRef idx="minor">
-            <a:schemeClr val="tx1"/>
-          </a:fontRef>
-        </p:style>
-      </p:cxnSp>
-      <p:sp>
-        <p:nvSpPr>
-          <p:cNvPr id="9" name="TextBox 8"/>
-          <p:cNvSpPr txBox="1"/>
-          <p:nvPr/>
-        </p:nvSpPr>
-        <p:spPr>
-          <a:xfrm>
-            <a:off x="3908077" y="692696"/>
-            <a:ext cx="4959355" cy="5544616"/>
-          </a:xfrm>
-          <a:prstGeom prst="rect">
-            <a:avLst/>
-          </a:prstGeom>
-          <a:noFill/>
-        </p:spPr>
-        <p:txBody>
-          <a:bodyPr wrap="square" rtlCol="0">
-            <a:noAutofit/>
-          </a:bodyPr>
-          <a:lstStyle/>
-          <a:p>
-            <a:pPr>
-              <a:lnSpc>
-                <a:spcPct val="130000"/>
-              </a:lnSpc>
-            </a:pPr>
-            <a:r>
-              <a:rPr lang="en-US" altLang="ko-KR" sz="2000" dirty="0" smtClean="0">
-                <a:ln>
-                  <a:solidFill>
-                    <a:schemeClr val="bg1">
-                      <a:alpha val="0"/>
-                    </a:schemeClr>
-                  </a:solidFill>
-                </a:ln>
-                <a:solidFill>
-                  <a:schemeClr val="tx1">
-                    <a:lumMod val="75000"/>
-                    <a:lumOff val="25000"/>
-                  </a:schemeClr>
-                </a:solidFill>
-                <a:latin typeface="-윤고딕330" pitchFamily="18" charset="-127"/>
-                <a:ea typeface="-윤고딕330" pitchFamily="18" charset="-127"/>
-              </a:rPr>
-              <a:t>4. </a:t>
-            </a:r>
-            <a:r>
-              <a:rPr lang="ko-KR" altLang="en-US" sz="2000" dirty="0" smtClean="0">
-                <a:ln>
-                  <a:solidFill>
-                    <a:schemeClr val="bg1">
-                      <a:alpha val="0"/>
-                    </a:schemeClr>
-                  </a:solidFill>
-                </a:ln>
-                <a:solidFill>
-                  <a:schemeClr val="tx1">
-                    <a:lumMod val="75000"/>
-                    <a:lumOff val="25000"/>
-                  </a:schemeClr>
-                </a:solidFill>
-                <a:latin typeface="-윤고딕330" pitchFamily="18" charset="-127"/>
-                <a:ea typeface="-윤고딕330" pitchFamily="18" charset="-127"/>
-              </a:rPr>
-              <a:t>게임 개발 환경</a:t>
-            </a:r>
-            <a:endParaRPr lang="en-US" altLang="ko-KR" sz="2000" dirty="0" smtClean="0">
-              <a:ln>
-                <a:solidFill>
-                  <a:schemeClr val="bg1">
-                    <a:alpha val="0"/>
-                  </a:schemeClr>
-                </a:solidFill>
-              </a:ln>
-              <a:solidFill>
-                <a:schemeClr val="tx1">
-                  <a:lumMod val="75000"/>
-                  <a:lumOff val="25000"/>
-                </a:schemeClr>
-              </a:solidFill>
-              <a:latin typeface="-윤고딕330" pitchFamily="18" charset="-127"/>
-              <a:ea typeface="-윤고딕330" pitchFamily="18" charset="-127"/>
-            </a:endParaRPr>
-          </a:p>
-          <a:p>
-            <a:pPr lvl="1">
-              <a:lnSpc>
-                <a:spcPct val="130000"/>
-              </a:lnSpc>
-            </a:pPr>
-            <a:r>
-              <a:rPr lang="en-US" altLang="ko-KR" sz="1500" dirty="0" smtClean="0">
-                <a:ln>
-                  <a:solidFill>
-                    <a:schemeClr val="bg1">
-                      <a:alpha val="0"/>
-                    </a:schemeClr>
-                  </a:solidFill>
-                </a:ln>
-                <a:solidFill>
-                  <a:schemeClr val="tx1">
-                    <a:lumMod val="75000"/>
-                    <a:lumOff val="25000"/>
-                  </a:schemeClr>
-                </a:solidFill>
-                <a:latin typeface="-윤고딕330" pitchFamily="18" charset="-127"/>
-                <a:ea typeface="-윤고딕330" pitchFamily="18" charset="-127"/>
-              </a:rPr>
-              <a:t>4.1  </a:t>
-            </a:r>
-            <a:r>
-              <a:rPr lang="ko-KR" altLang="en-US" sz="1500" dirty="0" smtClean="0">
-                <a:ln>
-                  <a:solidFill>
-                    <a:schemeClr val="bg1">
-                      <a:alpha val="0"/>
-                    </a:schemeClr>
-                  </a:solidFill>
-                </a:ln>
-                <a:solidFill>
-                  <a:schemeClr val="tx1">
-                    <a:lumMod val="75000"/>
-                    <a:lumOff val="25000"/>
-                  </a:schemeClr>
-                </a:solidFill>
-                <a:latin typeface="-윤고딕330" pitchFamily="18" charset="-127"/>
-                <a:ea typeface="-윤고딕330" pitchFamily="18" charset="-127"/>
-              </a:rPr>
-              <a:t>개발 환경</a:t>
-            </a:r>
-            <a:endParaRPr lang="en-US" altLang="ko-KR" sz="1500" dirty="0" smtClean="0">
-              <a:ln>
-                <a:solidFill>
-                  <a:schemeClr val="bg1">
-                    <a:alpha val="0"/>
-                  </a:schemeClr>
-                </a:solidFill>
-              </a:ln>
-              <a:solidFill>
-                <a:schemeClr val="tx1">
-                  <a:lumMod val="75000"/>
-                  <a:lumOff val="25000"/>
-                </a:schemeClr>
-              </a:solidFill>
-              <a:latin typeface="-윤고딕330" pitchFamily="18" charset="-127"/>
-              <a:ea typeface="-윤고딕330" pitchFamily="18" charset="-127"/>
-            </a:endParaRPr>
-          </a:p>
-          <a:p>
-            <a:pPr lvl="1">
-              <a:lnSpc>
-                <a:spcPct val="130000"/>
-              </a:lnSpc>
-            </a:pPr>
-            <a:r>
-              <a:rPr lang="en-US" altLang="ko-KR" sz="1500" dirty="0" smtClean="0">
-                <a:ln>
-                  <a:solidFill>
-                    <a:schemeClr val="bg1">
-                      <a:alpha val="0"/>
-                    </a:schemeClr>
-                  </a:solidFill>
-                </a:ln>
-                <a:solidFill>
-                  <a:schemeClr val="tx1">
-                    <a:lumMod val="75000"/>
-                    <a:lumOff val="25000"/>
-                  </a:schemeClr>
-                </a:solidFill>
-                <a:latin typeface="-윤고딕330" pitchFamily="18" charset="-127"/>
-                <a:ea typeface="-윤고딕330" pitchFamily="18" charset="-127"/>
-              </a:rPr>
-              <a:t>4.2  </a:t>
-            </a:r>
-            <a:r>
-              <a:rPr lang="ko-KR" altLang="en-US" sz="1500" dirty="0" smtClean="0">
-                <a:ln>
-                  <a:solidFill>
-                    <a:schemeClr val="bg1">
-                      <a:alpha val="0"/>
-                    </a:schemeClr>
-                  </a:solidFill>
-                </a:ln>
-                <a:solidFill>
-                  <a:schemeClr val="tx1">
-                    <a:lumMod val="75000"/>
-                    <a:lumOff val="25000"/>
-                  </a:schemeClr>
-                </a:solidFill>
-                <a:latin typeface="-윤고딕330" pitchFamily="18" charset="-127"/>
-                <a:ea typeface="-윤고딕330" pitchFamily="18" charset="-127"/>
-              </a:rPr>
-              <a:t>시스템 요구사항</a:t>
-            </a:r>
-            <a:endParaRPr lang="en-US" altLang="ko-KR" sz="1500" dirty="0" smtClean="0">
-              <a:ln>
-                <a:solidFill>
-                  <a:schemeClr val="bg1">
-                    <a:alpha val="0"/>
-                  </a:schemeClr>
-                </a:solidFill>
-              </a:ln>
-              <a:solidFill>
-                <a:schemeClr val="tx1">
-                  <a:lumMod val="75000"/>
-                  <a:lumOff val="25000"/>
-                </a:schemeClr>
-              </a:solidFill>
-              <a:latin typeface="-윤고딕330" pitchFamily="18" charset="-127"/>
-              <a:ea typeface="-윤고딕330" pitchFamily="18" charset="-127"/>
-            </a:endParaRPr>
-          </a:p>
-          <a:p>
-            <a:pPr>
-              <a:lnSpc>
-                <a:spcPct val="130000"/>
-              </a:lnSpc>
-            </a:pPr>
-            <a:r>
-              <a:rPr lang="en-US" altLang="ko-KR" sz="2000" dirty="0" smtClean="0">
-                <a:ln>
-                  <a:solidFill>
-                    <a:schemeClr val="bg1">
-                      <a:alpha val="0"/>
-                    </a:schemeClr>
-                  </a:solidFill>
-                </a:ln>
-                <a:solidFill>
-                  <a:schemeClr val="tx1">
-                    <a:lumMod val="75000"/>
-                    <a:lumOff val="25000"/>
-                  </a:schemeClr>
-                </a:solidFill>
-                <a:latin typeface="-윤고딕330" pitchFamily="18" charset="-127"/>
-                <a:ea typeface="-윤고딕330" pitchFamily="18" charset="-127"/>
-              </a:rPr>
-              <a:t>5. </a:t>
-            </a:r>
-            <a:r>
-              <a:rPr lang="ko-KR" altLang="en-US" sz="2000" dirty="0" smtClean="0">
-                <a:ln>
-                  <a:solidFill>
-                    <a:schemeClr val="bg1">
-                      <a:alpha val="0"/>
-                    </a:schemeClr>
-                  </a:solidFill>
-                </a:ln>
-                <a:solidFill>
-                  <a:schemeClr val="tx1">
-                    <a:lumMod val="75000"/>
-                    <a:lumOff val="25000"/>
-                  </a:schemeClr>
-                </a:solidFill>
-                <a:latin typeface="-윤고딕330" pitchFamily="18" charset="-127"/>
-                <a:ea typeface="-윤고딕330" pitchFamily="18" charset="-127"/>
-              </a:rPr>
-              <a:t>마케팅</a:t>
-            </a:r>
-            <a:endParaRPr lang="en-US" altLang="ko-KR" sz="2000" dirty="0" smtClean="0">
-              <a:ln>
-                <a:solidFill>
-                  <a:schemeClr val="bg1">
-                    <a:alpha val="0"/>
-                  </a:schemeClr>
-                </a:solidFill>
-              </a:ln>
-              <a:solidFill>
-                <a:schemeClr val="tx1">
-                  <a:lumMod val="75000"/>
-                  <a:lumOff val="25000"/>
-                </a:schemeClr>
-              </a:solidFill>
-              <a:latin typeface="-윤고딕330" pitchFamily="18" charset="-127"/>
-              <a:ea typeface="-윤고딕330" pitchFamily="18" charset="-127"/>
-            </a:endParaRPr>
-          </a:p>
-          <a:p>
-            <a:pPr lvl="1">
-              <a:lnSpc>
-                <a:spcPct val="130000"/>
-              </a:lnSpc>
-            </a:pPr>
-            <a:r>
-              <a:rPr lang="en-US" altLang="ko-KR" sz="1500" dirty="0" smtClean="0">
-                <a:ln>
-                  <a:solidFill>
-                    <a:schemeClr val="bg1">
-                      <a:alpha val="0"/>
-                    </a:schemeClr>
-                  </a:solidFill>
-                </a:ln>
-                <a:solidFill>
-                  <a:schemeClr val="tx1">
-                    <a:lumMod val="75000"/>
-                    <a:lumOff val="25000"/>
-                  </a:schemeClr>
-                </a:solidFill>
-                <a:latin typeface="-윤고딕330" pitchFamily="18" charset="-127"/>
-                <a:ea typeface="-윤고딕330" pitchFamily="18" charset="-127"/>
-              </a:rPr>
-              <a:t>5.1  </a:t>
-            </a:r>
-            <a:r>
-              <a:rPr lang="ko-KR" altLang="en-US" sz="1500" dirty="0" smtClean="0">
-                <a:ln>
-                  <a:solidFill>
-                    <a:schemeClr val="bg1">
-                      <a:alpha val="0"/>
-                    </a:schemeClr>
-                  </a:solidFill>
-                </a:ln>
-                <a:solidFill>
-                  <a:schemeClr val="tx1">
-                    <a:lumMod val="75000"/>
-                    <a:lumOff val="25000"/>
-                  </a:schemeClr>
-                </a:solidFill>
-                <a:latin typeface="-윤고딕330" pitchFamily="18" charset="-127"/>
-                <a:ea typeface="-윤고딕330" pitchFamily="18" charset="-127"/>
-              </a:rPr>
-              <a:t>홍보 및 판매 전략</a:t>
-            </a:r>
-            <a:endParaRPr lang="en-US" altLang="ko-KR" sz="1500" dirty="0" smtClean="0">
-              <a:ln>
-                <a:solidFill>
-                  <a:schemeClr val="bg1">
-                    <a:alpha val="0"/>
-                  </a:schemeClr>
-                </a:solidFill>
-              </a:ln>
-              <a:solidFill>
-                <a:schemeClr val="tx1">
-                  <a:lumMod val="75000"/>
-                  <a:lumOff val="25000"/>
-                </a:schemeClr>
-              </a:solidFill>
-              <a:latin typeface="-윤고딕330" pitchFamily="18" charset="-127"/>
-              <a:ea typeface="-윤고딕330" pitchFamily="18" charset="-127"/>
-            </a:endParaRPr>
-          </a:p>
-          <a:p>
-            <a:pPr lvl="1">
-              <a:lnSpc>
-                <a:spcPct val="130000"/>
-              </a:lnSpc>
-            </a:pPr>
-            <a:r>
-              <a:rPr lang="en-US" altLang="ko-KR" sz="1500" dirty="0" smtClean="0">
-                <a:ln>
-                  <a:solidFill>
-                    <a:schemeClr val="bg1">
-                      <a:alpha val="0"/>
-                    </a:schemeClr>
-                  </a:solidFill>
-                </a:ln>
-                <a:solidFill>
-                  <a:schemeClr val="tx1">
-                    <a:lumMod val="75000"/>
-                    <a:lumOff val="25000"/>
-                  </a:schemeClr>
-                </a:solidFill>
-                <a:latin typeface="-윤고딕330" pitchFamily="18" charset="-127"/>
-                <a:ea typeface="-윤고딕330" pitchFamily="18" charset="-127"/>
-              </a:rPr>
-              <a:t>5.2  </a:t>
-            </a:r>
-            <a:r>
-              <a:rPr lang="ko-KR" altLang="en-US" sz="1500" dirty="0" err="1" smtClean="0">
-                <a:ln>
-                  <a:solidFill>
-                    <a:schemeClr val="bg1">
-                      <a:alpha val="0"/>
-                    </a:schemeClr>
-                  </a:solidFill>
-                </a:ln>
-                <a:solidFill>
-                  <a:schemeClr val="tx1">
-                    <a:lumMod val="75000"/>
-                    <a:lumOff val="25000"/>
-                  </a:schemeClr>
-                </a:solidFill>
-                <a:latin typeface="-윤고딕330" pitchFamily="18" charset="-127"/>
-                <a:ea typeface="-윤고딕330" pitchFamily="18" charset="-127"/>
-              </a:rPr>
-              <a:t>소셜</a:t>
-            </a:r>
-            <a:r>
-              <a:rPr lang="ko-KR" altLang="en-US" sz="1500" dirty="0" smtClean="0">
-                <a:ln>
-                  <a:solidFill>
-                    <a:schemeClr val="bg1">
-                      <a:alpha val="0"/>
-                    </a:schemeClr>
-                  </a:solidFill>
-                </a:ln>
-                <a:solidFill>
-                  <a:schemeClr val="tx1">
-                    <a:lumMod val="75000"/>
-                    <a:lumOff val="25000"/>
-                  </a:schemeClr>
-                </a:solidFill>
-                <a:latin typeface="-윤고딕330" pitchFamily="18" charset="-127"/>
-                <a:ea typeface="-윤고딕330" pitchFamily="18" charset="-127"/>
-              </a:rPr>
-              <a:t> 기능</a:t>
-            </a:r>
-            <a:endParaRPr lang="en-US" altLang="ko-KR" sz="1500" dirty="0" smtClean="0">
-              <a:ln>
-                <a:solidFill>
-                  <a:schemeClr val="bg1">
-                    <a:alpha val="0"/>
-                  </a:schemeClr>
-                </a:solidFill>
-              </a:ln>
-              <a:solidFill>
-                <a:schemeClr val="tx1">
-                  <a:lumMod val="75000"/>
-                  <a:lumOff val="25000"/>
-                </a:schemeClr>
-              </a:solidFill>
-              <a:latin typeface="-윤고딕330" pitchFamily="18" charset="-127"/>
-              <a:ea typeface="-윤고딕330" pitchFamily="18" charset="-127"/>
-            </a:endParaRPr>
-          </a:p>
-          <a:p>
-            <a:pPr>
-              <a:lnSpc>
-                <a:spcPct val="130000"/>
-              </a:lnSpc>
-            </a:pPr>
-            <a:endParaRPr lang="en-US" altLang="ko-KR" sz="2000" dirty="0" smtClean="0">
-              <a:ln>
-                <a:solidFill>
-                  <a:schemeClr val="bg1">
-                    <a:alpha val="0"/>
-                  </a:schemeClr>
-                </a:solidFill>
-              </a:ln>
-              <a:solidFill>
-                <a:schemeClr val="tx1">
-                  <a:lumMod val="75000"/>
-                  <a:lumOff val="25000"/>
-                </a:schemeClr>
-              </a:solidFill>
-              <a:latin typeface="-윤고딕330" pitchFamily="18" charset="-127"/>
-              <a:ea typeface="-윤고딕330" pitchFamily="18" charset="-127"/>
-            </a:endParaRPr>
-          </a:p>
-          <a:p>
-            <a:pPr>
-              <a:lnSpc>
-                <a:spcPct val="130000"/>
-              </a:lnSpc>
-            </a:pPr>
-            <a:endParaRPr lang="en-US" altLang="ko-KR" sz="2000" dirty="0">
-              <a:ln>
-                <a:solidFill>
-                  <a:schemeClr val="bg1">
-                    <a:alpha val="0"/>
-                  </a:schemeClr>
-                </a:solidFill>
-              </a:ln>
-              <a:solidFill>
-                <a:schemeClr val="tx1">
-                  <a:lumMod val="75000"/>
-                  <a:lumOff val="25000"/>
-                </a:schemeClr>
-              </a:solidFill>
-              <a:latin typeface="-윤고딕330" pitchFamily="18" charset="-127"/>
-              <a:ea typeface="-윤고딕330" pitchFamily="18" charset="-127"/>
-            </a:endParaRPr>
-          </a:p>
-          <a:p>
-            <a:pPr>
-              <a:lnSpc>
-                <a:spcPct val="130000"/>
-              </a:lnSpc>
-            </a:pPr>
-            <a:endParaRPr lang="en-US" altLang="ko-KR" sz="2000" dirty="0" smtClean="0">
-              <a:ln>
-                <a:solidFill>
-                  <a:schemeClr val="bg1">
-                    <a:alpha val="0"/>
-                  </a:schemeClr>
-                </a:solidFill>
-              </a:ln>
-              <a:solidFill>
-                <a:schemeClr val="tx1">
-                  <a:lumMod val="75000"/>
-                  <a:lumOff val="25000"/>
-                </a:schemeClr>
-              </a:solidFill>
-              <a:latin typeface="-윤고딕330" pitchFamily="18" charset="-127"/>
-              <a:ea typeface="-윤고딕330" pitchFamily="18" charset="-127"/>
-            </a:endParaRPr>
-          </a:p>
-          <a:p>
-            <a:pPr>
-              <a:lnSpc>
-                <a:spcPct val="130000"/>
-              </a:lnSpc>
-            </a:pPr>
-            <a:endParaRPr lang="en-US" altLang="ko-KR" sz="2000" dirty="0">
-              <a:ln>
-                <a:solidFill>
-                  <a:schemeClr val="bg1">
-                    <a:alpha val="0"/>
-                  </a:schemeClr>
-                </a:solidFill>
-              </a:ln>
-              <a:solidFill>
-                <a:schemeClr val="tx1">
-                  <a:lumMod val="75000"/>
-                  <a:lumOff val="25000"/>
-                </a:schemeClr>
-              </a:solidFill>
-              <a:latin typeface="-윤고딕330" pitchFamily="18" charset="-127"/>
-              <a:ea typeface="-윤고딕330" pitchFamily="18" charset="-127"/>
-            </a:endParaRPr>
-          </a:p>
-          <a:p>
-            <a:pPr>
-              <a:lnSpc>
-                <a:spcPct val="130000"/>
-              </a:lnSpc>
-            </a:pPr>
-            <a:endParaRPr lang="en-US" altLang="ko-KR" sz="2000" dirty="0" smtClean="0">
-              <a:ln>
-                <a:solidFill>
-                  <a:schemeClr val="bg1">
-                    <a:alpha val="0"/>
-                  </a:schemeClr>
-                </a:solidFill>
-              </a:ln>
-              <a:solidFill>
-                <a:schemeClr val="tx1">
-                  <a:lumMod val="75000"/>
-                  <a:lumOff val="25000"/>
-                </a:schemeClr>
-              </a:solidFill>
-              <a:latin typeface="-윤고딕330" pitchFamily="18" charset="-127"/>
-              <a:ea typeface="-윤고딕330" pitchFamily="18" charset="-127"/>
-            </a:endParaRPr>
-          </a:p>
-          <a:p>
-            <a:pPr marL="457200" indent="-457200">
-              <a:lnSpc>
-                <a:spcPct val="130000"/>
-              </a:lnSpc>
-              <a:buAutoNum type="arabicPeriod"/>
-            </a:pPr>
-            <a:endParaRPr lang="en-US" altLang="ko-KR" sz="2000" dirty="0">
-              <a:ln>
-                <a:solidFill>
-                  <a:schemeClr val="bg1">
-                    <a:alpha val="0"/>
-                  </a:schemeClr>
-                </a:solidFill>
-              </a:ln>
-              <a:solidFill>
-                <a:schemeClr val="tx1">
-                  <a:lumMod val="75000"/>
-                  <a:lumOff val="25000"/>
-                </a:schemeClr>
-              </a:solidFill>
-              <a:latin typeface="-윤고딕330" pitchFamily="18" charset="-127"/>
-              <a:ea typeface="-윤고딕330" pitchFamily="18" charset="-127"/>
-            </a:endParaRPr>
-          </a:p>
-          <a:p>
-            <a:pPr marL="457200" indent="-457200">
-              <a:lnSpc>
-                <a:spcPct val="130000"/>
-              </a:lnSpc>
-              <a:buAutoNum type="arabicPeriod"/>
-            </a:pPr>
-            <a:endParaRPr lang="en-US" altLang="ko-KR" sz="2000" dirty="0" smtClean="0">
-              <a:ln>
-                <a:solidFill>
-                  <a:schemeClr val="bg1">
-                    <a:alpha val="0"/>
-                  </a:schemeClr>
-                </a:solidFill>
-              </a:ln>
-              <a:solidFill>
-                <a:schemeClr val="tx1">
-                  <a:lumMod val="75000"/>
-                  <a:lumOff val="25000"/>
-                </a:schemeClr>
-              </a:solidFill>
-              <a:latin typeface="-윤고딕330" pitchFamily="18" charset="-127"/>
-              <a:ea typeface="-윤고딕330" pitchFamily="18" charset="-127"/>
-            </a:endParaRPr>
-          </a:p>
-        </p:txBody>
-      </p:sp>
-      <p:cxnSp>
-        <p:nvCxnSpPr>
-          <p:cNvPr id="15" name="직선 연결선 14"/>
-          <p:cNvCxnSpPr/>
-          <p:nvPr/>
-        </p:nvCxnSpPr>
-        <p:spPr>
-          <a:xfrm>
-            <a:off x="3491880" y="620688"/>
-            <a:ext cx="5652120" cy="0"/>
-          </a:xfrm>
-          <a:prstGeom prst="line">
-            <a:avLst/>
-          </a:prstGeom>
-          <a:ln>
-            <a:solidFill>
-              <a:schemeClr val="bg1">
-                <a:lumMod val="85000"/>
-              </a:schemeClr>
-            </a:solidFill>
-          </a:ln>
-        </p:spPr>
-        <p:style>
-          <a:lnRef idx="1">
-            <a:schemeClr val="accent1"/>
-          </a:lnRef>
-          <a:fillRef idx="0">
-            <a:schemeClr val="accent1"/>
-          </a:fillRef>
-          <a:effectRef idx="0">
-            <a:schemeClr val="accent1"/>
-          </a:effectRef>
-          <a:fontRef idx="minor">
-            <a:schemeClr val="tx1"/>
-          </a:fontRef>
-        </p:style>
-      </p:cxnSp>
-      <p:sp>
-        <p:nvSpPr>
-          <p:cNvPr id="17" name="TextBox 16"/>
-          <p:cNvSpPr txBox="1"/>
-          <p:nvPr/>
-        </p:nvSpPr>
-        <p:spPr>
-          <a:xfrm>
-            <a:off x="971251" y="3824665"/>
-            <a:ext cx="1034257" cy="461665"/>
-          </a:xfrm>
-          <a:prstGeom prst="rect">
-            <a:avLst/>
-          </a:prstGeom>
-          <a:noFill/>
-        </p:spPr>
-        <p:txBody>
-          <a:bodyPr wrap="none" rtlCol="0">
-            <a:spAutoFit/>
-          </a:bodyPr>
-          <a:lstStyle/>
-          <a:p>
-            <a:r>
-              <a:rPr lang="en-US" altLang="ko-KR" sz="2400" dirty="0" smtClean="0">
-                <a:ln>
-                  <a:solidFill>
-                    <a:schemeClr val="bg1">
-                      <a:alpha val="0"/>
-                    </a:schemeClr>
-                  </a:solidFill>
-                </a:ln>
-                <a:solidFill>
-                  <a:schemeClr val="tx1">
-                    <a:lumMod val="75000"/>
-                    <a:lumOff val="25000"/>
-                  </a:schemeClr>
-                </a:solidFill>
-                <a:latin typeface="-윤고딕330" pitchFamily="18" charset="-127"/>
-                <a:ea typeface="-윤고딕330" pitchFamily="18" charset="-127"/>
-              </a:rPr>
-              <a:t>INDEX</a:t>
-            </a:r>
-            <a:endParaRPr lang="ko-KR" altLang="en-US" sz="2400" dirty="0">
-              <a:ln>
-                <a:solidFill>
-                  <a:schemeClr val="bg1">
-                    <a:alpha val="0"/>
-                  </a:schemeClr>
-                </a:solidFill>
-              </a:ln>
-              <a:solidFill>
-                <a:schemeClr val="tx1">
-                  <a:lumMod val="75000"/>
-                  <a:lumOff val="25000"/>
-                </a:schemeClr>
-              </a:solidFill>
-              <a:latin typeface="-윤고딕330" pitchFamily="18" charset="-127"/>
-              <a:ea typeface="-윤고딕330" pitchFamily="18" charset="-127"/>
-            </a:endParaRPr>
-          </a:p>
-        </p:txBody>
-      </p:sp>
-    </p:spTree>
-    <p:extLst>
-      <p:ext uri="{BB962C8B-B14F-4D97-AF65-F5344CB8AC3E}">
-        <p14:creationId xmlns="" xmlns:p14="http://schemas.microsoft.com/office/powerpoint/2010/main" val="2378213369"/>
-      </p:ext>
-    </p:extLst>
-  </p:cSld>
-  <p:clrMapOvr>
-    <a:masterClrMapping/>
-  </p:clrMapOvr>
-  <p:transition spd="slow">
-    <p:push dir="u"/>
-  </p:transition>
-  <p:timing>
-    <p:tnLst>
-      <p:par>
-        <p:cTn id="1" dur="indefinite" restart="never" nodeType="tmRoot"/>
-      </p:par>
-    </p:tnLst>
-  </p:timing>
-</p:sld>
-</file>
-
-<file path=ppt/slides/slide4.xml><?xml version="1.0" encoding="utf-8"?>
 <p:sld xmlns:a="http://schemas.openxmlformats.org/drawingml/2006/main" xmlns:r="http://schemas.openxmlformats.org/officeDocument/2006/relationships" xmlns:p="http://schemas.openxmlformats.org/presentationml/2006/main">
   <p:cSld>
     <p:spTree>
@@ -7196,7 +7395,7 @@
             <a:blip r:embed="rId2" cstate="print">
               <a:extLst>
                 <a:ext uri="{28A0092B-C50C-407E-A947-70E740481C1C}">
-                  <a14:useLocalDpi xmlns="" xmlns:a14="http://schemas.microsoft.com/office/drawing/2010/main" val="0"/>
+                  <a14:useLocalDpi xmlns:a14="http://schemas.microsoft.com/office/drawing/2010/main" xmlns="" val="0"/>
                 </a:ext>
               </a:extLst>
             </a:blip>
@@ -7223,7 +7422,7 @@
           <p:spPr>
             <a:xfrm>
               <a:off x="3653391" y="3383994"/>
-              <a:ext cx="3890809" cy="477054"/>
+              <a:ext cx="1965603" cy="477054"/>
             </a:xfrm>
             <a:prstGeom prst="rect">
               <a:avLst/>
@@ -7274,7 +7473,7 @@
                   <a:latin typeface="-윤고딕330" pitchFamily="18" charset="-127"/>
                   <a:ea typeface="-윤고딕330" pitchFamily="18" charset="-127"/>
                 </a:rPr>
-                <a:t>게임 개요 및 제작 의도</a:t>
+                <a:t>팀원 소개</a:t>
               </a:r>
               <a:endParaRPr lang="ko-KR" altLang="en-US" sz="2500" dirty="0">
                 <a:ln>
@@ -7399,7 +7598,384 @@
     </p:spTree>
     <p:extLst>
       <p:ext uri="{BB962C8B-B14F-4D97-AF65-F5344CB8AC3E}">
-        <p14:creationId xmlns="" xmlns:p14="http://schemas.microsoft.com/office/powerpoint/2010/main" val="2619248131"/>
+        <p14:creationId xmlns:p14="http://schemas.microsoft.com/office/powerpoint/2010/main" xmlns="" val="2619248131"/>
+      </p:ext>
+    </p:extLst>
+  </p:cSld>
+  <p:clrMapOvr>
+    <a:masterClrMapping/>
+  </p:clrMapOvr>
+  <p:transition spd="slow">
+    <p:push dir="u"/>
+  </p:transition>
+  <p:timing>
+    <p:tnLst>
+      <p:par>
+        <p:cTn id="1" dur="indefinite" restart="never" nodeType="tmRoot"/>
+      </p:par>
+    </p:tnLst>
+  </p:timing>
+</p:sld>
+</file>
+
+<file path=ppt/slides/slide4.xml><?xml version="1.0" encoding="utf-8"?>
+<p:sld xmlns:a="http://schemas.openxmlformats.org/drawingml/2006/main" xmlns:r="http://schemas.openxmlformats.org/officeDocument/2006/relationships" xmlns:p="http://schemas.openxmlformats.org/presentationml/2006/main">
+  <p:cSld>
+    <p:spTree>
+      <p:nvGrpSpPr>
+        <p:cNvPr id="1" name=""/>
+        <p:cNvGrpSpPr/>
+        <p:nvPr/>
+      </p:nvGrpSpPr>
+      <p:grpSpPr>
+        <a:xfrm>
+          <a:off x="0" y="0"/>
+          <a:ext cx="0" cy="0"/>
+          <a:chOff x="0" y="0"/>
+          <a:chExt cx="0" cy="0"/>
+        </a:xfrm>
+      </p:grpSpPr>
+      <p:grpSp>
+        <p:nvGrpSpPr>
+          <p:cNvPr id="3" name="그룹 26"/>
+          <p:cNvGrpSpPr/>
+          <p:nvPr/>
+        </p:nvGrpSpPr>
+        <p:grpSpPr>
+          <a:xfrm>
+            <a:off x="0" y="0"/>
+            <a:ext cx="9144000" cy="6858000"/>
+            <a:chOff x="0" y="0"/>
+            <a:chExt cx="9144000" cy="6858000"/>
+          </a:xfrm>
+        </p:grpSpPr>
+        <p:cxnSp>
+          <p:nvCxnSpPr>
+            <p:cNvPr id="24" name="직선 연결선 23"/>
+            <p:cNvCxnSpPr/>
+            <p:nvPr/>
+          </p:nvCxnSpPr>
+          <p:spPr>
+            <a:xfrm>
+              <a:off x="4920165" y="5085184"/>
+              <a:ext cx="0" cy="1772816"/>
+            </a:xfrm>
+            <a:prstGeom prst="line">
+              <a:avLst/>
+            </a:prstGeom>
+            <a:ln>
+              <a:solidFill>
+                <a:schemeClr val="bg1">
+                  <a:lumMod val="85000"/>
+                </a:schemeClr>
+              </a:solidFill>
+            </a:ln>
+          </p:spPr>
+          <p:style>
+            <a:lnRef idx="1">
+              <a:schemeClr val="accent1"/>
+            </a:lnRef>
+            <a:fillRef idx="0">
+              <a:schemeClr val="accent1"/>
+            </a:fillRef>
+            <a:effectRef idx="0">
+              <a:schemeClr val="accent1"/>
+            </a:effectRef>
+            <a:fontRef idx="minor">
+              <a:schemeClr val="tx1"/>
+            </a:fontRef>
+          </p:style>
+        </p:cxnSp>
+        <p:cxnSp>
+          <p:nvCxnSpPr>
+            <p:cNvPr id="20" name="직선 연결선 19"/>
+            <p:cNvCxnSpPr/>
+            <p:nvPr/>
+          </p:nvCxnSpPr>
+          <p:spPr>
+            <a:xfrm>
+              <a:off x="0" y="4149080"/>
+              <a:ext cx="2987824" cy="0"/>
+            </a:xfrm>
+            <a:prstGeom prst="line">
+              <a:avLst/>
+            </a:prstGeom>
+            <a:ln>
+              <a:solidFill>
+                <a:schemeClr val="bg1">
+                  <a:lumMod val="85000"/>
+                </a:schemeClr>
+              </a:solidFill>
+            </a:ln>
+          </p:spPr>
+          <p:style>
+            <a:lnRef idx="1">
+              <a:schemeClr val="accent1"/>
+            </a:lnRef>
+            <a:fillRef idx="0">
+              <a:schemeClr val="accent1"/>
+            </a:fillRef>
+            <a:effectRef idx="0">
+              <a:schemeClr val="accent1"/>
+            </a:effectRef>
+            <a:fontRef idx="minor">
+              <a:schemeClr val="tx1"/>
+            </a:fontRef>
+          </p:style>
+        </p:cxnSp>
+        <p:cxnSp>
+          <p:nvCxnSpPr>
+            <p:cNvPr id="18" name="직선 연결선 17"/>
+            <p:cNvCxnSpPr/>
+            <p:nvPr/>
+          </p:nvCxnSpPr>
+          <p:spPr>
+            <a:xfrm>
+              <a:off x="6156176" y="2697045"/>
+              <a:ext cx="2987824" cy="0"/>
+            </a:xfrm>
+            <a:prstGeom prst="line">
+              <a:avLst/>
+            </a:prstGeom>
+            <a:ln>
+              <a:solidFill>
+                <a:schemeClr val="bg1">
+                  <a:lumMod val="85000"/>
+                </a:schemeClr>
+              </a:solidFill>
+            </a:ln>
+          </p:spPr>
+          <p:style>
+            <a:lnRef idx="1">
+              <a:schemeClr val="accent1"/>
+            </a:lnRef>
+            <a:fillRef idx="0">
+              <a:schemeClr val="accent1"/>
+            </a:fillRef>
+            <a:effectRef idx="0">
+              <a:schemeClr val="accent1"/>
+            </a:effectRef>
+            <a:fontRef idx="minor">
+              <a:schemeClr val="tx1"/>
+            </a:fontRef>
+          </p:style>
+        </p:cxnSp>
+        <p:pic>
+          <p:nvPicPr>
+            <p:cNvPr id="2" name="그림 1"/>
+            <p:cNvPicPr>
+              <a:picLocks noChangeAspect="1"/>
+            </p:cNvPicPr>
+            <p:nvPr/>
+          </p:nvPicPr>
+          <p:blipFill>
+            <a:blip r:embed="rId2" cstate="print">
+              <a:extLst>
+                <a:ext uri="{28A0092B-C50C-407E-A947-70E740481C1C}">
+                  <a14:useLocalDpi xmlns:a14="http://schemas.microsoft.com/office/drawing/2010/main" xmlns="" val="0"/>
+                </a:ext>
+              </a:extLst>
+            </a:blip>
+            <a:stretch>
+              <a:fillRect/>
+            </a:stretch>
+          </p:blipFill>
+          <p:spPr>
+            <a:xfrm rot="1601709">
+              <a:off x="3132987" y="1989987"/>
+              <a:ext cx="2878027" cy="2878027"/>
+            </a:xfrm>
+            <a:prstGeom prst="rect">
+              <a:avLst/>
+            </a:prstGeom>
+          </p:spPr>
+        </p:pic>
+        <p:sp>
+          <p:nvSpPr>
+            <p:cNvPr id="14" name="TextBox 13"/>
+            <p:cNvSpPr txBox="1"/>
+            <p:nvPr/>
+          </p:nvSpPr>
+          <p:spPr>
+            <a:xfrm>
+              <a:off x="3653391" y="3383994"/>
+              <a:ext cx="3034805" cy="477054"/>
+            </a:xfrm>
+            <a:prstGeom prst="rect">
+              <a:avLst/>
+            </a:prstGeom>
+            <a:noFill/>
+          </p:spPr>
+          <p:txBody>
+            <a:bodyPr wrap="none" rtlCol="0">
+              <a:spAutoFit/>
+            </a:bodyPr>
+            <a:lstStyle/>
+            <a:p>
+              <a:r>
+                <a:rPr lang="en-US" altLang="ko-KR" sz="2500" dirty="0" smtClean="0">
+                  <a:ln>
+                    <a:solidFill>
+                      <a:schemeClr val="bg1">
+                        <a:alpha val="0"/>
+                      </a:schemeClr>
+                    </a:solidFill>
+                  </a:ln>
+                  <a:solidFill>
+                    <a:schemeClr val="tx1">
+                      <a:lumMod val="75000"/>
+                      <a:lumOff val="25000"/>
+                    </a:schemeClr>
+                  </a:solidFill>
+                  <a:latin typeface="-윤고딕330" pitchFamily="18" charset="-127"/>
+                  <a:ea typeface="-윤고딕330" pitchFamily="18" charset="-127"/>
+                </a:rPr>
+                <a:t>2. </a:t>
+              </a:r>
+              <a:r>
+                <a:rPr lang="ko-KR" altLang="en-US" sz="2500" dirty="0" smtClean="0">
+                  <a:ln>
+                    <a:solidFill>
+                      <a:schemeClr val="bg1">
+                        <a:alpha val="0"/>
+                      </a:schemeClr>
+                    </a:solidFill>
+                  </a:ln>
+                  <a:solidFill>
+                    <a:schemeClr val="tx1">
+                      <a:lumMod val="75000"/>
+                      <a:lumOff val="25000"/>
+                    </a:schemeClr>
+                  </a:solidFill>
+                  <a:latin typeface="-윤고딕330" pitchFamily="18" charset="-127"/>
+                  <a:ea typeface="-윤고딕330" pitchFamily="18" charset="-127"/>
+                </a:rPr>
+                <a:t>제안 서비스 소개</a:t>
+              </a:r>
+              <a:endParaRPr lang="ko-KR" altLang="en-US" sz="2500" dirty="0">
+                <a:ln>
+                  <a:solidFill>
+                    <a:schemeClr val="bg1">
+                      <a:alpha val="0"/>
+                    </a:schemeClr>
+                  </a:solidFill>
+                </a:ln>
+                <a:solidFill>
+                  <a:schemeClr val="tx1">
+                    <a:lumMod val="75000"/>
+                    <a:lumOff val="25000"/>
+                  </a:schemeClr>
+                </a:solidFill>
+                <a:latin typeface="-윤고딕330" pitchFamily="18" charset="-127"/>
+                <a:ea typeface="-윤고딕330" pitchFamily="18" charset="-127"/>
+              </a:endParaRPr>
+            </a:p>
+          </p:txBody>
+        </p:sp>
+        <p:cxnSp>
+          <p:nvCxnSpPr>
+            <p:cNvPr id="21" name="직선 연결선 20"/>
+            <p:cNvCxnSpPr/>
+            <p:nvPr/>
+          </p:nvCxnSpPr>
+          <p:spPr>
+            <a:xfrm>
+              <a:off x="4247456" y="0"/>
+              <a:ext cx="0" cy="1700808"/>
+            </a:xfrm>
+            <a:prstGeom prst="line">
+              <a:avLst/>
+            </a:prstGeom>
+            <a:ln>
+              <a:solidFill>
+                <a:schemeClr val="bg1">
+                  <a:lumMod val="85000"/>
+                </a:schemeClr>
+              </a:solidFill>
+            </a:ln>
+          </p:spPr>
+          <p:style>
+            <a:lnRef idx="1">
+              <a:schemeClr val="accent1"/>
+            </a:lnRef>
+            <a:fillRef idx="0">
+              <a:schemeClr val="accent1"/>
+            </a:fillRef>
+            <a:effectRef idx="0">
+              <a:schemeClr val="accent1"/>
+            </a:effectRef>
+            <a:fontRef idx="minor">
+              <a:schemeClr val="tx1"/>
+            </a:fontRef>
+          </p:style>
+        </p:cxnSp>
+        <p:sp>
+          <p:nvSpPr>
+            <p:cNvPr id="26" name="TextBox 25"/>
+            <p:cNvSpPr txBox="1"/>
+            <p:nvPr/>
+          </p:nvSpPr>
+          <p:spPr>
+            <a:xfrm>
+              <a:off x="8436253" y="164890"/>
+              <a:ext cx="444352" cy="369332"/>
+            </a:xfrm>
+            <a:prstGeom prst="rect">
+              <a:avLst/>
+            </a:prstGeom>
+            <a:noFill/>
+          </p:spPr>
+          <p:txBody>
+            <a:bodyPr wrap="none" rtlCol="0">
+              <a:spAutoFit/>
+            </a:bodyPr>
+            <a:lstStyle/>
+            <a:p>
+              <a:r>
+                <a:rPr lang="en-US" altLang="ko-KR" dirty="0" smtClean="0">
+                  <a:ln>
+                    <a:solidFill>
+                      <a:schemeClr val="bg1">
+                        <a:alpha val="0"/>
+                      </a:schemeClr>
+                    </a:solidFill>
+                  </a:ln>
+                  <a:solidFill>
+                    <a:schemeClr val="tx1">
+                      <a:lumMod val="75000"/>
+                      <a:lumOff val="25000"/>
+                    </a:schemeClr>
+                  </a:solidFill>
+                  <a:latin typeface="-윤고딕330" pitchFamily="18" charset="-127"/>
+                  <a:ea typeface="-윤고딕330" pitchFamily="18" charset="-127"/>
+                </a:rPr>
+                <a:t>01</a:t>
+              </a:r>
+              <a:endParaRPr lang="ko-KR" altLang="en-US" sz="800" dirty="0">
+                <a:ln>
+                  <a:solidFill>
+                    <a:schemeClr val="bg1">
+                      <a:alpha val="0"/>
+                    </a:schemeClr>
+                  </a:solidFill>
+                </a:ln>
+                <a:solidFill>
+                  <a:schemeClr val="tx1">
+                    <a:lumMod val="75000"/>
+                    <a:lumOff val="25000"/>
+                  </a:schemeClr>
+                </a:solidFill>
+                <a:latin typeface="-윤고딕330" pitchFamily="18" charset="-127"/>
+                <a:ea typeface="-윤고딕330" pitchFamily="18" charset="-127"/>
+              </a:endParaRPr>
+            </a:p>
+          </p:txBody>
+        </p:sp>
+      </p:grpSp>
+    </p:spTree>
+    <p:extLst>
+      <p:ext uri="{BB962C8B-B14F-4D97-AF65-F5344CB8AC3E}">
+        <p14:creationId xmlns:p14="http://schemas.microsoft.com/office/powerpoint/2010/main" xmlns="" val="2619248131"/>
       </p:ext>
     </p:extLst>
   </p:cSld>
@@ -7445,9 +8021,9 @@
         <p:grpSpPr>
           <a:xfrm>
             <a:off x="224258" y="285909"/>
-            <a:ext cx="2083580" cy="2421270"/>
+            <a:ext cx="3006910" cy="3213358"/>
             <a:chOff x="224258" y="285909"/>
-            <a:chExt cx="2083580" cy="2421270"/>
+            <a:chExt cx="3006910" cy="3213358"/>
           </a:xfrm>
         </p:grpSpPr>
         <p:pic>
@@ -7462,7 +8038,7 @@
             <a:blip r:embed="rId2" cstate="print">
               <a:extLst>
                 <a:ext uri="{28A0092B-C50C-407E-A947-70E740481C1C}">
-                  <a14:useLocalDpi xmlns="" xmlns:a14="http://schemas.microsoft.com/office/drawing/2010/main" val="0"/>
+                  <a14:useLocalDpi xmlns:a14="http://schemas.microsoft.com/office/drawing/2010/main" xmlns="" val="0"/>
                 </a:ext>
               </a:extLst>
             </a:blip>
@@ -7489,6 +8065,104 @@
           <p:spPr>
             <a:xfrm>
               <a:off x="359869" y="332656"/>
+              <a:ext cx="2871299" cy="646331"/>
+            </a:xfrm>
+            <a:prstGeom prst="rect">
+              <a:avLst/>
+            </a:prstGeom>
+            <a:noFill/>
+          </p:spPr>
+          <p:txBody>
+            <a:bodyPr wrap="none" rtlCol="0">
+              <a:spAutoFit/>
+            </a:bodyPr>
+            <a:lstStyle/>
+            <a:p>
+              <a:r>
+                <a:rPr lang="en-US" altLang="ko-KR" sz="3600" dirty="0" smtClean="0">
+                  <a:ln>
+                    <a:solidFill>
+                      <a:schemeClr val="bg1">
+                        <a:alpha val="0"/>
+                      </a:schemeClr>
+                    </a:solidFill>
+                  </a:ln>
+                  <a:solidFill>
+                    <a:schemeClr val="accent6">
+                      <a:lumMod val="50000"/>
+                    </a:schemeClr>
+                  </a:solidFill>
+                  <a:latin typeface="-윤고딕330" pitchFamily="18" charset="-127"/>
+                  <a:ea typeface="-윤고딕330" pitchFamily="18" charset="-127"/>
+                </a:rPr>
+                <a:t>2</a:t>
+              </a:r>
+              <a:r>
+                <a:rPr lang="en-US" altLang="ko-KR" sz="3600" dirty="0" smtClean="0">
+                  <a:ln>
+                    <a:solidFill>
+                      <a:schemeClr val="bg1">
+                        <a:alpha val="0"/>
+                      </a:schemeClr>
+                    </a:solidFill>
+                  </a:ln>
+                  <a:solidFill>
+                    <a:schemeClr val="accent6">
+                      <a:lumMod val="50000"/>
+                    </a:schemeClr>
+                  </a:solidFill>
+                  <a:latin typeface="-윤고딕330" pitchFamily="18" charset="-127"/>
+                  <a:ea typeface="-윤고딕330" pitchFamily="18" charset="-127"/>
+                </a:rPr>
+                <a:t>.1 </a:t>
+              </a:r>
+              <a:r>
+                <a:rPr lang="ko-KR" altLang="en-US" sz="3600" dirty="0" err="1" smtClean="0">
+                  <a:ln>
+                    <a:solidFill>
+                      <a:schemeClr val="bg1">
+                        <a:alpha val="0"/>
+                      </a:schemeClr>
+                    </a:solidFill>
+                  </a:ln>
+                  <a:solidFill>
+                    <a:schemeClr val="accent6">
+                      <a:lumMod val="50000"/>
+                    </a:schemeClr>
+                  </a:solidFill>
+                  <a:latin typeface="-윤고딕330" pitchFamily="18" charset="-127"/>
+                  <a:ea typeface="-윤고딕330" pitchFamily="18" charset="-127"/>
+                </a:rPr>
+                <a:t>서비스명</a:t>
+              </a:r>
+              <a:endParaRPr lang="ko-KR" altLang="en-US" sz="2000" dirty="0">
+                <a:ln>
+                  <a:solidFill>
+                    <a:schemeClr val="bg1">
+                      <a:alpha val="0"/>
+                    </a:schemeClr>
+                  </a:solidFill>
+                </a:ln>
+                <a:solidFill>
+                  <a:schemeClr val="accent6">
+                    <a:lumMod val="50000"/>
+                  </a:schemeClr>
+                </a:solidFill>
+                <a:latin typeface="-윤고딕330" pitchFamily="18" charset="-127"/>
+                <a:ea typeface="-윤고딕330" pitchFamily="18" charset="-127"/>
+              </a:endParaRPr>
+            </a:p>
+          </p:txBody>
+        </p:sp>
+        <p:sp>
+          <p:nvSpPr>
+            <p:cNvPr id="8" name="TextBox 7"/>
+            <p:cNvSpPr txBox="1"/>
+            <p:nvPr/>
+          </p:nvSpPr>
+          <p:spPr>
+            <a:xfrm>
+              <a:off x="359869" y="2852936"/>
               <a:ext cx="1947969" cy="646331"/>
             </a:xfrm>
             <a:prstGeom prst="rect">
@@ -7519,68 +8193,8 @@
                   <a:latin typeface="-윤고딕330" pitchFamily="18" charset="-127"/>
                   <a:ea typeface="-윤고딕330" pitchFamily="18" charset="-127"/>
                 </a:rPr>
-                <a:t>1.1 </a:t>
+                <a:t>2</a:t>
               </a:r>
-              <a:r>
-                <a:rPr lang="ko-KR" altLang="en-US" sz="3600" dirty="0" smtClean="0">
-                  <a:ln>
-                    <a:solidFill>
-                      <a:schemeClr val="bg1">
-                        <a:alpha val="0"/>
-                      </a:schemeClr>
-                    </a:solidFill>
-                  </a:ln>
-                  <a:solidFill>
-                    <a:schemeClr val="accent6">
-                      <a:lumMod val="50000"/>
-                    </a:schemeClr>
-                  </a:solidFill>
-                  <a:latin typeface="-윤고딕330" pitchFamily="18" charset="-127"/>
-                  <a:ea typeface="-윤고딕330" pitchFamily="18" charset="-127"/>
-                </a:rPr>
-                <a:t>제목</a:t>
-              </a:r>
-              <a:endParaRPr lang="ko-KR" altLang="en-US" sz="2000" dirty="0">
-                <a:ln>
-                  <a:solidFill>
-                    <a:schemeClr val="bg1">
-                      <a:alpha val="0"/>
-                    </a:schemeClr>
-                  </a:solidFill>
-                </a:ln>
-                <a:solidFill>
-                  <a:schemeClr val="accent6">
-                    <a:lumMod val="50000"/>
-                  </a:schemeClr>
-                </a:solidFill>
-                <a:latin typeface="-윤고딕330" pitchFamily="18" charset="-127"/>
-                <a:ea typeface="-윤고딕330" pitchFamily="18" charset="-127"/>
-              </a:endParaRPr>
-            </a:p>
-          </p:txBody>
-        </p:sp>
-        <p:sp>
-          <p:nvSpPr>
-            <p:cNvPr id="8" name="TextBox 7"/>
-            <p:cNvSpPr txBox="1"/>
-            <p:nvPr/>
-          </p:nvSpPr>
-          <p:spPr>
-            <a:xfrm>
-              <a:off x="359869" y="2060848"/>
-              <a:ext cx="1947969" cy="646331"/>
-            </a:xfrm>
-            <a:prstGeom prst="rect">
-              <a:avLst/>
-            </a:prstGeom>
-            <a:noFill/>
-          </p:spPr>
-          <p:txBody>
-            <a:bodyPr wrap="none" rtlCol="0">
-              <a:spAutoFit/>
-            </a:bodyPr>
-            <a:lstStyle/>
-            <a:p>
               <a:r>
                 <a:rPr lang="en-US" altLang="ko-KR" sz="3600" dirty="0" smtClean="0">
                   <a:ln>
@@ -7598,7 +8212,7 @@
                   <a:latin typeface="-윤고딕330" pitchFamily="18" charset="-127"/>
                   <a:ea typeface="-윤고딕330" pitchFamily="18" charset="-127"/>
                 </a:rPr>
-                <a:t>1.2 </a:t>
+                <a:t>.2 </a:t>
               </a:r>
               <a:r>
                 <a:rPr lang="ko-KR" altLang="en-US" sz="3600" dirty="0" smtClean="0">
@@ -7648,6 +8262,210 @@
         <p:spPr>
           <a:xfrm>
             <a:off x="588509" y="1052736"/>
+            <a:ext cx="8555491" cy="1938992"/>
+          </a:xfrm>
+          <a:prstGeom prst="rect">
+            <a:avLst/>
+          </a:prstGeom>
+          <a:noFill/>
+        </p:spPr>
+        <p:txBody>
+          <a:bodyPr wrap="square" rtlCol="0">
+            <a:spAutoFit/>
+          </a:bodyPr>
+          <a:lstStyle/>
+          <a:p>
+            <a:pPr marL="285750" indent="-285750">
+              <a:lnSpc>
+                <a:spcPct val="200000"/>
+              </a:lnSpc>
+              <a:buFont typeface="Arial" pitchFamily="34" charset="0"/>
+              <a:buChar char="•"/>
+            </a:pPr>
+            <a:r>
+              <a:rPr lang="ko-KR" altLang="en-US" sz="2000" dirty="0" err="1" smtClean="0">
+                <a:solidFill>
+                  <a:schemeClr val="accent6">
+                    <a:lumMod val="50000"/>
+                  </a:schemeClr>
+                </a:solidFill>
+              </a:rPr>
+              <a:t>토투가</a:t>
+            </a:r>
+            <a:r>
+              <a:rPr lang="ko-KR" altLang="en-US" sz="2000" dirty="0" smtClean="0">
+                <a:solidFill>
+                  <a:schemeClr val="accent6">
+                    <a:lumMod val="50000"/>
+                  </a:schemeClr>
+                </a:solidFill>
+              </a:rPr>
+              <a:t> </a:t>
+            </a:r>
+            <a:r>
+              <a:rPr lang="ko-KR" altLang="en-US" sz="2000" dirty="0" err="1" smtClean="0">
+                <a:solidFill>
+                  <a:schemeClr val="accent6">
+                    <a:lumMod val="50000"/>
+                  </a:schemeClr>
+                </a:solidFill>
+              </a:rPr>
+              <a:t>베이</a:t>
+            </a:r>
+            <a:r>
+              <a:rPr lang="ko-KR" altLang="en-US" sz="2000" dirty="0" smtClean="0">
+                <a:solidFill>
+                  <a:schemeClr val="accent6">
+                    <a:lumMod val="50000"/>
+                  </a:schemeClr>
+                </a:solidFill>
+              </a:rPr>
+              <a:t> </a:t>
+            </a:r>
+            <a:r>
+              <a:rPr lang="en-US" altLang="ko-KR" sz="2000" dirty="0" smtClean="0">
+                <a:solidFill>
+                  <a:schemeClr val="accent6">
+                    <a:lumMod val="50000"/>
+                  </a:schemeClr>
+                </a:solidFill>
+              </a:rPr>
+              <a:t>(Tortuga Bay</a:t>
+            </a:r>
+            <a:r>
+              <a:rPr lang="en-US" altLang="ko-KR" sz="2000" dirty="0" smtClean="0">
+                <a:solidFill>
+                  <a:schemeClr val="accent6">
+                    <a:lumMod val="50000"/>
+                  </a:schemeClr>
+                </a:solidFill>
+              </a:rPr>
+              <a:t>)</a:t>
+            </a:r>
+          </a:p>
+          <a:p>
+            <a:pPr marL="285750" indent="-285750">
+              <a:lnSpc>
+                <a:spcPct val="200000"/>
+              </a:lnSpc>
+              <a:buFont typeface="Arial" pitchFamily="34" charset="0"/>
+              <a:buChar char="•"/>
+            </a:pPr>
+            <a:r>
+              <a:rPr lang="ko-KR" altLang="en-US" sz="2000" dirty="0" smtClean="0">
+                <a:solidFill>
+                  <a:schemeClr val="accent6">
+                    <a:lumMod val="50000"/>
+                  </a:schemeClr>
+                </a:solidFill>
+              </a:rPr>
+              <a:t>사랑과 모험이 숨쉬는 바다</a:t>
+            </a:r>
+            <a:r>
+              <a:rPr lang="en-US" altLang="ko-KR" sz="2000" dirty="0" smtClean="0">
+                <a:solidFill>
+                  <a:schemeClr val="accent6">
+                    <a:lumMod val="50000"/>
+                  </a:schemeClr>
+                </a:solidFill>
+              </a:rPr>
+              <a:t>, </a:t>
+            </a:r>
+            <a:r>
+              <a:rPr lang="ko-KR" altLang="en-US" sz="2000" dirty="0" smtClean="0">
+                <a:solidFill>
+                  <a:schemeClr val="accent6">
+                    <a:lumMod val="50000"/>
+                  </a:schemeClr>
+                </a:solidFill>
+              </a:rPr>
+              <a:t>액션 어드벤처 </a:t>
+            </a:r>
+            <a:r>
+              <a:rPr lang="en-US" altLang="ko-KR" sz="2000" dirty="0" smtClean="0">
+                <a:solidFill>
+                  <a:schemeClr val="accent6">
+                    <a:lumMod val="50000"/>
+                  </a:schemeClr>
+                </a:solidFill>
+              </a:rPr>
+              <a:t>RPG ‘</a:t>
+            </a:r>
+            <a:r>
+              <a:rPr lang="ko-KR" altLang="en-US" sz="2000" dirty="0" err="1" smtClean="0">
+                <a:solidFill>
+                  <a:schemeClr val="accent6">
+                    <a:lumMod val="50000"/>
+                  </a:schemeClr>
+                </a:solidFill>
+              </a:rPr>
+              <a:t>토투가</a:t>
+            </a:r>
+            <a:r>
+              <a:rPr lang="ko-KR" altLang="en-US" sz="2000" dirty="0" smtClean="0">
+                <a:solidFill>
+                  <a:schemeClr val="accent6">
+                    <a:lumMod val="50000"/>
+                  </a:schemeClr>
+                </a:solidFill>
+              </a:rPr>
+              <a:t> </a:t>
+            </a:r>
+            <a:r>
+              <a:rPr lang="ko-KR" altLang="en-US" sz="2000" dirty="0" err="1" smtClean="0">
+                <a:solidFill>
+                  <a:schemeClr val="accent6">
+                    <a:lumMod val="50000"/>
+                  </a:schemeClr>
+                </a:solidFill>
+              </a:rPr>
+              <a:t>베이</a:t>
+            </a:r>
+            <a:r>
+              <a:rPr lang="en-US" altLang="ko-KR" sz="2000" dirty="0" smtClean="0">
+                <a:solidFill>
+                  <a:schemeClr val="accent6">
+                    <a:lumMod val="50000"/>
+                  </a:schemeClr>
+                </a:solidFill>
+              </a:rPr>
+              <a:t>’</a:t>
+            </a:r>
+            <a:endParaRPr lang="en-US" altLang="ko-KR" sz="2000" dirty="0" smtClean="0">
+              <a:solidFill>
+                <a:schemeClr val="accent6">
+                  <a:lumMod val="50000"/>
+                </a:schemeClr>
+              </a:solidFill>
+            </a:endParaRPr>
+          </a:p>
+          <a:p>
+            <a:pPr marL="285750" indent="-285750">
+              <a:lnSpc>
+                <a:spcPct val="200000"/>
+              </a:lnSpc>
+              <a:buFont typeface="Arial" pitchFamily="34" charset="0"/>
+              <a:buChar char="•"/>
+            </a:pPr>
+            <a:endParaRPr lang="en-US" altLang="ko-KR" sz="2000" dirty="0" smtClean="0">
+              <a:solidFill>
+                <a:schemeClr val="accent6">
+                  <a:lumMod val="50000"/>
+                </a:schemeClr>
+              </a:solidFill>
+            </a:endParaRPr>
+          </a:p>
+        </p:txBody>
+      </p:sp>
+      <p:sp>
+        <p:nvSpPr>
+          <p:cNvPr id="16" name="TextBox 15"/>
+          <p:cNvSpPr txBox="1"/>
+          <p:nvPr/>
+        </p:nvSpPr>
+        <p:spPr>
+          <a:xfrm>
+            <a:off x="588509" y="3645024"/>
             <a:ext cx="8555491" cy="609911"/>
           </a:xfrm>
           <a:prstGeom prst="rect">
@@ -7676,7 +8494,7 @@
                   </a:schemeClr>
                 </a:solidFill>
               </a:rPr>
-              <a:t>토투가</a:t>
+              <a:t>모바일</a:t>
             </a:r>
             <a:r>
               <a:rPr lang="ko-KR" altLang="en-US" sz="2000" dirty="0" smtClean="0">
@@ -7689,104 +8507,39 @@
               <a:t> </a:t>
             </a:r>
             <a:r>
-              <a:rPr lang="ko-KR" altLang="en-US" sz="2000" dirty="0" err="1" smtClean="0">
+              <a:rPr lang="ko-KR" altLang="en-US" sz="2000" dirty="0" smtClean="0">
                 <a:solidFill>
                   <a:schemeClr val="accent6">
                     <a:lumMod val="50000"/>
                   </a:schemeClr>
                 </a:solidFill>
               </a:rPr>
-              <a:t>베이</a:t>
-            </a:r>
-            <a:r>
-              <a:rPr lang="ko-KR" altLang="en-US" sz="2000" dirty="0" smtClean="0">
+              <a:t> 전략 시뮬레이션 </a:t>
+            </a:r>
+            <a:r>
+              <a:rPr lang="en-US" altLang="ko-KR" sz="2000" dirty="0" smtClean="0">
                 <a:solidFill>
                   <a:schemeClr val="accent6">
                     <a:lumMod val="50000"/>
                   </a:schemeClr>
                 </a:solidFill>
               </a:rPr>
-              <a:t> </a:t>
-            </a:r>
-            <a:r>
-              <a:rPr lang="en-US" altLang="ko-KR" sz="2000" dirty="0" smtClean="0">
-                <a:solidFill>
-                  <a:schemeClr val="accent6">
-                    <a:lumMod val="50000"/>
-                  </a:schemeClr>
-                </a:solidFill>
-              </a:rPr>
-              <a:t>(Tortuga Bay)</a:t>
-            </a:r>
-          </a:p>
-        </p:txBody>
-      </p:sp>
-      <p:sp>
-        <p:nvSpPr>
-          <p:cNvPr id="16" name="TextBox 15"/>
-          <p:cNvSpPr txBox="1"/>
-          <p:nvPr/>
-        </p:nvSpPr>
-        <p:spPr>
-          <a:xfrm>
-            <a:off x="588509" y="2780928"/>
-            <a:ext cx="8555491" cy="609911"/>
-          </a:xfrm>
-          <a:prstGeom prst="rect">
-            <a:avLst/>
-          </a:prstGeom>
-          <a:noFill/>
-        </p:spPr>
-        <p:txBody>
-          <a:bodyPr wrap="square" rtlCol="0">
-            <a:spAutoFit/>
-          </a:bodyPr>
-          <a:lstStyle/>
-          <a:p>
-            <a:pPr marL="285750" indent="-285750">
-              <a:lnSpc>
-                <a:spcPct val="200000"/>
-              </a:lnSpc>
-              <a:buFont typeface="Arial" pitchFamily="34" charset="0"/>
-              <a:buChar char="•"/>
-            </a:pPr>
-            <a:r>
-              <a:rPr lang="ko-KR" altLang="en-US" sz="2000" dirty="0" err="1" smtClean="0">
-                <a:solidFill>
-                  <a:schemeClr val="accent6">
-                    <a:lumMod val="50000"/>
-                  </a:schemeClr>
-                </a:solidFill>
-              </a:rPr>
-              <a:t>모바일</a:t>
-            </a:r>
-            <a:r>
-              <a:rPr lang="ko-KR" altLang="en-US" sz="2000" dirty="0" smtClean="0">
-                <a:solidFill>
-                  <a:schemeClr val="accent6">
-                    <a:lumMod val="50000"/>
-                  </a:schemeClr>
-                </a:solidFill>
-              </a:rPr>
-              <a:t> 전략 시뮬레이션 어드벤처 </a:t>
-            </a:r>
-            <a:r>
-              <a:rPr lang="en-US" altLang="ko-KR" sz="2000" dirty="0" smtClean="0">
-                <a:solidFill>
-                  <a:schemeClr val="accent6">
-                    <a:lumMod val="50000"/>
-                  </a:schemeClr>
-                </a:solidFill>
-              </a:rPr>
               <a:t>RPG</a:t>
             </a:r>
+            <a:endParaRPr lang="en-US" altLang="ko-KR" sz="2000" dirty="0" smtClean="0">
+              <a:solidFill>
+                <a:schemeClr val="accent6">
+                  <a:lumMod val="50000"/>
+                </a:schemeClr>
+              </a:solidFill>
+            </a:endParaRPr>
           </a:p>
         </p:txBody>
       </p:sp>
     </p:spTree>
     <p:extLst>
       <p:ext uri="{BB962C8B-B14F-4D97-AF65-F5344CB8AC3E}">
-        <p14:creationId xmlns="" xmlns:p14="http://schemas.microsoft.com/office/powerpoint/2010/main" val="527779912"/>
+        <p14:creationId xmlns:p14="http://schemas.microsoft.com/office/powerpoint/2010/main" xmlns="" val="527779912"/>
       </p:ext>
     </p:extLst>
   </p:cSld>
@@ -7823,6 +8576,461 @@
           <a:chExt cx="0" cy="0"/>
         </a:xfrm>
       </p:grpSpPr>
+      <p:grpSp>
+        <p:nvGrpSpPr>
+          <p:cNvPr id="3" name="그룹 2"/>
+          <p:cNvGrpSpPr/>
+          <p:nvPr/>
+        </p:nvGrpSpPr>
+        <p:grpSpPr>
+          <a:xfrm>
+            <a:off x="224258" y="285909"/>
+            <a:ext cx="5315234" cy="693078"/>
+            <a:chOff x="224258" y="285909"/>
+            <a:chExt cx="5315234" cy="693078"/>
+          </a:xfrm>
+        </p:grpSpPr>
+        <p:pic>
+          <p:nvPicPr>
+            <p:cNvPr id="2" name="그림 1"/>
+            <p:cNvPicPr>
+              <a:picLocks noChangeAspect="1"/>
+            </p:cNvPicPr>
+            <p:nvPr/>
+          </p:nvPicPr>
+          <p:blipFill>
+            <a:blip r:embed="rId2" cstate="print">
+              <a:extLst>
+                <a:ext uri="{28A0092B-C50C-407E-A947-70E740481C1C}">
+                  <a14:useLocalDpi xmlns:a14="http://schemas.microsoft.com/office/drawing/2010/main" xmlns="" val="0"/>
+                </a:ext>
+              </a:extLst>
+            </a:blip>
+            <a:stretch>
+              <a:fillRect/>
+            </a:stretch>
+          </p:blipFill>
+          <p:spPr>
+            <a:xfrm rot="1601709">
+              <a:off x="224258" y="285909"/>
+              <a:ext cx="571128" cy="571128"/>
+            </a:xfrm>
+            <a:prstGeom prst="rect">
+              <a:avLst/>
+            </a:prstGeom>
+          </p:spPr>
+        </p:pic>
+        <p:sp>
+          <p:nvSpPr>
+            <p:cNvPr id="14" name="TextBox 13"/>
+            <p:cNvSpPr txBox="1"/>
+            <p:nvPr/>
+          </p:nvSpPr>
+          <p:spPr>
+            <a:xfrm>
+              <a:off x="359869" y="332656"/>
+              <a:ext cx="5179623" cy="646331"/>
+            </a:xfrm>
+            <a:prstGeom prst="rect">
+              <a:avLst/>
+            </a:prstGeom>
+            <a:noFill/>
+          </p:spPr>
+          <p:txBody>
+            <a:bodyPr wrap="none" rtlCol="0">
+              <a:spAutoFit/>
+            </a:bodyPr>
+            <a:lstStyle/>
+            <a:p>
+              <a:r>
+                <a:rPr lang="en-US" altLang="ko-KR" sz="3600" dirty="0" smtClean="0">
+                  <a:ln>
+                    <a:solidFill>
+                      <a:schemeClr val="bg1">
+                        <a:alpha val="0"/>
+                      </a:schemeClr>
+                    </a:solidFill>
+                  </a:ln>
+                  <a:solidFill>
+                    <a:schemeClr val="accent6">
+                      <a:lumMod val="50000"/>
+                    </a:schemeClr>
+                  </a:solidFill>
+                  <a:latin typeface="-윤고딕330" pitchFamily="18" charset="-127"/>
+                  <a:ea typeface="-윤고딕330" pitchFamily="18" charset="-127"/>
+                </a:rPr>
+                <a:t>2</a:t>
+              </a:r>
+              <a:r>
+                <a:rPr lang="en-US" altLang="ko-KR" sz="3600" dirty="0" smtClean="0">
+                  <a:ln>
+                    <a:solidFill>
+                      <a:schemeClr val="bg1">
+                        <a:alpha val="0"/>
+                      </a:schemeClr>
+                    </a:solidFill>
+                  </a:ln>
+                  <a:solidFill>
+                    <a:schemeClr val="accent6">
+                      <a:lumMod val="50000"/>
+                    </a:schemeClr>
+                  </a:solidFill>
+                  <a:latin typeface="-윤고딕330" pitchFamily="18" charset="-127"/>
+                  <a:ea typeface="-윤고딕330" pitchFamily="18" charset="-127"/>
+                </a:rPr>
+                <a:t>.1 </a:t>
+              </a:r>
+              <a:r>
+                <a:rPr lang="ko-KR" altLang="en-US" sz="3600" dirty="0" smtClean="0">
+                  <a:ln>
+                    <a:solidFill>
+                      <a:schemeClr val="bg1">
+                        <a:alpha val="0"/>
+                      </a:schemeClr>
+                    </a:solidFill>
+                  </a:ln>
+                  <a:solidFill>
+                    <a:schemeClr val="accent6">
+                      <a:lumMod val="50000"/>
+                    </a:schemeClr>
+                  </a:solidFill>
+                  <a:latin typeface="-윤고딕330" pitchFamily="18" charset="-127"/>
+                  <a:ea typeface="-윤고딕330" pitchFamily="18" charset="-127"/>
+                </a:rPr>
+                <a:t>서비스 내용 및 특성</a:t>
+              </a:r>
+              <a:endParaRPr lang="ko-KR" altLang="en-US" sz="2000" dirty="0">
+                <a:ln>
+                  <a:solidFill>
+                    <a:schemeClr val="bg1">
+                      <a:alpha val="0"/>
+                    </a:schemeClr>
+                  </a:solidFill>
+                </a:ln>
+                <a:solidFill>
+                  <a:schemeClr val="accent6">
+                    <a:lumMod val="50000"/>
+                  </a:schemeClr>
+                </a:solidFill>
+                <a:latin typeface="-윤고딕330" pitchFamily="18" charset="-127"/>
+                <a:ea typeface="-윤고딕330" pitchFamily="18" charset="-127"/>
+              </a:endParaRPr>
+            </a:p>
+          </p:txBody>
+        </p:sp>
+      </p:grpSp>
+      <p:sp>
+        <p:nvSpPr>
+          <p:cNvPr id="4" name="TextBox 3"/>
+          <p:cNvSpPr txBox="1"/>
+          <p:nvPr/>
+        </p:nvSpPr>
+        <p:spPr>
+          <a:xfrm>
+            <a:off x="395536" y="1340768"/>
+            <a:ext cx="8555491" cy="5016758"/>
+          </a:xfrm>
+          <a:prstGeom prst="rect">
+            <a:avLst/>
+          </a:prstGeom>
+          <a:noFill/>
+        </p:spPr>
+        <p:txBody>
+          <a:bodyPr wrap="square" rtlCol="0">
+            <a:spAutoFit/>
+          </a:bodyPr>
+          <a:lstStyle/>
+          <a:p>
+            <a:pPr marL="285750" indent="-285750">
+              <a:lnSpc>
+                <a:spcPct val="200000"/>
+              </a:lnSpc>
+              <a:buFont typeface="Arial" pitchFamily="34" charset="0"/>
+              <a:buChar char="•"/>
+            </a:pPr>
+            <a:r>
+              <a:rPr lang="ko-KR" altLang="en-US" sz="2000" dirty="0" smtClean="0">
+                <a:solidFill>
+                  <a:schemeClr val="accent6">
+                    <a:lumMod val="50000"/>
+                  </a:schemeClr>
+                </a:solidFill>
+              </a:rPr>
+              <a:t>게임 재미 본질을 추구하여 </a:t>
+            </a:r>
+            <a:r>
+              <a:rPr lang="en-US" altLang="ko-KR" sz="2000" dirty="0" smtClean="0">
+                <a:solidFill>
+                  <a:schemeClr val="accent6">
+                    <a:lumMod val="50000"/>
+                  </a:schemeClr>
+                </a:solidFill>
+              </a:rPr>
+              <a:t>RPG </a:t>
+            </a:r>
+            <a:r>
+              <a:rPr lang="ko-KR" altLang="en-US" sz="2000" dirty="0" smtClean="0">
+                <a:solidFill>
+                  <a:schemeClr val="accent6">
+                    <a:lumMod val="50000"/>
+                  </a:schemeClr>
+                </a:solidFill>
+              </a:rPr>
+              <a:t>게임의 궁극적인 목적인 캐릭터 육성 외에 다양한 </a:t>
+            </a:r>
+            <a:r>
+              <a:rPr lang="ko-KR" altLang="en-US" sz="2000" dirty="0" err="1" smtClean="0">
+                <a:solidFill>
+                  <a:schemeClr val="accent6">
+                    <a:lumMod val="50000"/>
+                  </a:schemeClr>
+                </a:solidFill>
+              </a:rPr>
+              <a:t>콘텐츠를</a:t>
+            </a:r>
+            <a:r>
+              <a:rPr lang="ko-KR" altLang="en-US" sz="2000" dirty="0" smtClean="0">
+                <a:solidFill>
+                  <a:schemeClr val="accent6">
+                    <a:lumMod val="50000"/>
+                  </a:schemeClr>
+                </a:solidFill>
+              </a:rPr>
+              <a:t> 즐길 수 있도록 기능을 </a:t>
+            </a:r>
+            <a:r>
+              <a:rPr lang="ko-KR" altLang="en-US" sz="2000" dirty="0" smtClean="0">
+                <a:solidFill>
+                  <a:schemeClr val="accent6">
+                    <a:lumMod val="50000"/>
+                  </a:schemeClr>
+                </a:solidFill>
+              </a:rPr>
+              <a:t>추가</a:t>
+            </a:r>
+            <a:r>
+              <a:rPr lang="en-US" altLang="ko-KR" sz="2000" dirty="0" smtClean="0">
+                <a:solidFill>
+                  <a:schemeClr val="accent6">
+                    <a:lumMod val="50000"/>
+                  </a:schemeClr>
+                </a:solidFill>
+              </a:rPr>
+              <a:t>.</a:t>
+            </a:r>
+            <a:endParaRPr lang="en-US" altLang="ko-KR" sz="2000" dirty="0" smtClean="0">
+              <a:solidFill>
+                <a:schemeClr val="accent6">
+                  <a:lumMod val="50000"/>
+                </a:schemeClr>
+              </a:solidFill>
+            </a:endParaRPr>
+          </a:p>
+          <a:p>
+            <a:pPr marL="285750" indent="-285750">
+              <a:lnSpc>
+                <a:spcPct val="200000"/>
+              </a:lnSpc>
+              <a:buFont typeface="Arial" pitchFamily="34" charset="0"/>
+              <a:buChar char="•"/>
+            </a:pPr>
+            <a:r>
+              <a:rPr lang="ko-KR" altLang="en-US" sz="2000" dirty="0" smtClean="0">
+                <a:solidFill>
+                  <a:schemeClr val="accent6">
+                    <a:lumMod val="50000"/>
+                  </a:schemeClr>
+                </a:solidFill>
+              </a:rPr>
+              <a:t>정해진 시나리오 내에서 플레이어에 선택에 따라 시나리오 전개가 변화</a:t>
+            </a:r>
+            <a:r>
+              <a:rPr lang="en-US" altLang="ko-KR" sz="2000" dirty="0" smtClean="0">
+                <a:solidFill>
+                  <a:schemeClr val="accent6">
+                    <a:lumMod val="50000"/>
+                  </a:schemeClr>
+                </a:solidFill>
+              </a:rPr>
+              <a:t>.</a:t>
+            </a:r>
+          </a:p>
+          <a:p>
+            <a:pPr marL="285750" indent="-285750">
+              <a:lnSpc>
+                <a:spcPct val="200000"/>
+              </a:lnSpc>
+              <a:buFont typeface="Arial" pitchFamily="34" charset="0"/>
+              <a:buChar char="•"/>
+            </a:pPr>
+            <a:r>
+              <a:rPr lang="ko-KR" altLang="en-US" sz="2000" dirty="0" smtClean="0">
+                <a:solidFill>
+                  <a:schemeClr val="accent6">
+                    <a:lumMod val="50000"/>
+                  </a:schemeClr>
+                </a:solidFill>
+              </a:rPr>
+              <a:t>단순한 라운드 형식의 전투는 자칫 쉽게 지루해질 수 있으므로 전투는 전략 시뮬레이션으로 구성</a:t>
+            </a:r>
+            <a:r>
+              <a:rPr lang="en-US" altLang="ko-KR" sz="2000" dirty="0" smtClean="0">
+                <a:solidFill>
+                  <a:schemeClr val="accent6">
+                    <a:lumMod val="50000"/>
+                  </a:schemeClr>
+                </a:solidFill>
+              </a:rPr>
+              <a:t>.</a:t>
+            </a:r>
+          </a:p>
+          <a:p>
+            <a:pPr marL="285750" indent="-285750">
+              <a:lnSpc>
+                <a:spcPct val="200000"/>
+              </a:lnSpc>
+              <a:buFont typeface="Arial" pitchFamily="34" charset="0"/>
+              <a:buChar char="•"/>
+            </a:pPr>
+            <a:r>
+              <a:rPr lang="ko-KR" altLang="en-US" sz="2000" dirty="0" smtClean="0">
+                <a:solidFill>
+                  <a:schemeClr val="accent6">
+                    <a:lumMod val="50000"/>
+                  </a:schemeClr>
+                </a:solidFill>
+              </a:rPr>
+              <a:t>메인 시나리오와 별개로 </a:t>
+            </a:r>
+            <a:r>
+              <a:rPr lang="ko-KR" altLang="en-US" sz="2000" dirty="0" err="1" smtClean="0">
+                <a:solidFill>
+                  <a:schemeClr val="accent6">
+                    <a:lumMod val="50000"/>
+                  </a:schemeClr>
+                </a:solidFill>
+              </a:rPr>
+              <a:t>소셜</a:t>
+            </a:r>
+            <a:r>
+              <a:rPr lang="ko-KR" altLang="en-US" sz="2000" dirty="0" smtClean="0">
+                <a:solidFill>
+                  <a:schemeClr val="accent6">
+                    <a:lumMod val="50000"/>
+                  </a:schemeClr>
+                </a:solidFill>
+              </a:rPr>
+              <a:t> 기능이 추가되어 친구와 함께 </a:t>
+            </a:r>
+            <a:r>
+              <a:rPr lang="ko-KR" altLang="en-US" sz="2000" dirty="0" err="1" smtClean="0">
+                <a:solidFill>
+                  <a:schemeClr val="accent6">
+                    <a:lumMod val="50000"/>
+                  </a:schemeClr>
+                </a:solidFill>
+              </a:rPr>
+              <a:t>퀘스트를</a:t>
+            </a:r>
+            <a:r>
+              <a:rPr lang="ko-KR" altLang="en-US" sz="2000" dirty="0" smtClean="0">
+                <a:solidFill>
+                  <a:schemeClr val="accent6">
+                    <a:lumMod val="50000"/>
+                  </a:schemeClr>
+                </a:solidFill>
+              </a:rPr>
+              <a:t> 진행</a:t>
+            </a:r>
+            <a:r>
+              <a:rPr lang="en-US" altLang="ko-KR" sz="2000" dirty="0" smtClean="0">
+                <a:solidFill>
+                  <a:schemeClr val="accent6">
+                    <a:lumMod val="50000"/>
+                  </a:schemeClr>
+                </a:solidFill>
+              </a:rPr>
+              <a:t>.</a:t>
+            </a:r>
+          </a:p>
+          <a:p>
+            <a:pPr marL="285750" indent="-285750">
+              <a:lnSpc>
+                <a:spcPct val="200000"/>
+              </a:lnSpc>
+              <a:buFont typeface="Arial" pitchFamily="34" charset="0"/>
+              <a:buChar char="•"/>
+            </a:pPr>
+            <a:r>
+              <a:rPr lang="ko-KR" altLang="en-US" sz="2000" dirty="0" smtClean="0">
+                <a:solidFill>
+                  <a:schemeClr val="accent6">
+                    <a:lumMod val="50000"/>
+                  </a:schemeClr>
+                </a:solidFill>
+              </a:rPr>
+              <a:t>기여도를 통한 유저간 순위 경쟁</a:t>
+            </a:r>
+            <a:r>
+              <a:rPr lang="en-US" altLang="ko-KR" sz="2000" dirty="0" smtClean="0">
+                <a:solidFill>
+                  <a:schemeClr val="accent6">
+                    <a:lumMod val="50000"/>
+                  </a:schemeClr>
+                </a:solidFill>
+              </a:rPr>
+              <a:t>.</a:t>
+            </a:r>
+            <a:endParaRPr lang="en-US" altLang="ko-KR" sz="2000" dirty="0" smtClean="0">
+              <a:solidFill>
+                <a:schemeClr val="accent6">
+                  <a:lumMod val="50000"/>
+                </a:schemeClr>
+              </a:solidFill>
+            </a:endParaRPr>
+          </a:p>
+        </p:txBody>
+      </p:sp>
+    </p:spTree>
+    <p:extLst>
+      <p:ext uri="{BB962C8B-B14F-4D97-AF65-F5344CB8AC3E}">
+        <p14:creationId xmlns:p14="http://schemas.microsoft.com/office/powerpoint/2010/main" xmlns="" val="527779912"/>
+      </p:ext>
+    </p:extLst>
+  </p:cSld>
+  <p:clrMapOvr>
+    <a:masterClrMapping/>
+  </p:clrMapOvr>
+  <p:transition spd="slow">
+    <p:push dir="u"/>
+  </p:transition>
+  <p:timing>
+    <p:tnLst>
+      <p:par>
+        <p:cTn id="1" dur="indefinite" restart="never" nodeType="tmRoot"/>
+      </p:par>
+    </p:tnLst>
+  </p:timing>
+</p:sld>
+</file>
+
+<file path=ppt/slides/slide7.xml><?xml version="1.0" encoding="utf-8"?>
+<p:sld xmlns:a="http://schemas.openxmlformats.org/drawingml/2006/main" xmlns:r="http://schemas.openxmlformats.org/officeDocument/2006/relationships" xmlns:p="http://schemas.openxmlformats.org/presentationml/2006/main">
+  <p:cSld>
+    <p:spTree>
+      <p:nvGrpSpPr>
+        <p:cNvPr id="1" name=""/>
+        <p:cNvGrpSpPr/>
+        <p:nvPr/>
+      </p:nvGrpSpPr>
+      <p:grpSpPr>
+        <a:xfrm>
+          <a:off x="0" y="0"/>
+          <a:ext cx="0" cy="0"/>
+          <a:chOff x="0" y="0"/>
+          <a:chExt cx="0" cy="0"/>
+        </a:xfrm>
+      </p:grpSpPr>
       <p:sp>
         <p:nvSpPr>
           <p:cNvPr id="4" name="슬라이드 번호 개체 틀 3"/>
@@ -7841,7 +9049,7 @@
             <a:fld id="{6077AF18-BF2E-40A5-AFCC-D5AE0C2FE057}" type="slidenum">
               <a:rPr lang="ko-KR" altLang="en-US" smtClean="0"/>
               <a:pPr/>
-              <a:t>6</a:t>
+              <a:t>7</a:t>
             </a:fld>
             <a:endParaRPr lang="ko-KR" altLang="en-US" dirty="0"/>
           </a:p>
@@ -7856,7 +9064,7 @@
         <p:spPr>
           <a:xfrm>
             <a:off x="359869" y="332656"/>
-            <a:ext cx="1947969" cy="646331"/>
+            <a:ext cx="5179623" cy="646331"/>
           </a:xfrm>
           <a:prstGeom prst="rect">
             <a:avLst/>
@@ -7886,7 +9094,7 @@
                 <a:latin typeface="-윤고딕330" pitchFamily="18" charset="-127"/>
                 <a:ea typeface="-윤고딕330" pitchFamily="18" charset="-127"/>
               </a:rPr>
-              <a:t>1.3 </a:t>
+              <a:t>2.1 </a:t>
             </a:r>
             <a:r>
               <a:rPr lang="ko-KR" altLang="en-US" sz="3600" dirty="0" smtClean="0">
@@ -7905,7 +9113,7 @@
                 <a:latin typeface="-윤고딕330" pitchFamily="18" charset="-127"/>
                 <a:ea typeface="-윤고딕330" pitchFamily="18" charset="-127"/>
               </a:rPr>
-              <a:t>특징</a:t>
+              <a:t>서비스 내용 및 특성</a:t>
             </a:r>
             <a:endParaRPr lang="ko-KR" altLang="en-US" sz="2000" dirty="0">
               <a:ln>
@@ -8231,6 +9439,1179 @@
           </p:txBody>
         </p:sp>
       </p:grpSp>
+      <p:sp>
+        <p:nvSpPr>
+          <p:cNvPr id="13" name="직사각형 12"/>
+          <p:cNvSpPr/>
+          <p:nvPr/>
+        </p:nvSpPr>
+        <p:spPr>
+          <a:xfrm>
+            <a:off x="971600" y="3573016"/>
+            <a:ext cx="5832648" cy="648072"/>
+          </a:xfrm>
+          <a:prstGeom prst="rect">
+            <a:avLst/>
+          </a:prstGeom>
+          <a:noFill/>
+          <a:ln>
+            <a:solidFill>
+              <a:schemeClr val="bg2">
+                <a:lumMod val="75000"/>
+              </a:schemeClr>
+            </a:solidFill>
+          </a:ln>
+        </p:spPr>
+        <p:style>
+          <a:lnRef idx="2">
+            <a:schemeClr val="accent1">
+              <a:shade val="50000"/>
+            </a:schemeClr>
+          </a:lnRef>
+          <a:fillRef idx="1">
+            <a:schemeClr val="accent1"/>
+          </a:fillRef>
+          <a:effectRef idx="0">
+            <a:schemeClr val="accent1"/>
+          </a:effectRef>
+          <a:fontRef idx="minor">
+            <a:schemeClr val="lt1"/>
+          </a:fontRef>
+        </p:style>
+        <p:txBody>
+          <a:bodyPr rtlCol="0" anchor="ctr"/>
+          <a:lstStyle/>
+          <a:p>
+            <a:pPr>
+              <a:buFont typeface="Arial" pitchFamily="34" charset="0"/>
+              <a:buChar char="•"/>
+            </a:pPr>
+            <a:r>
+              <a:rPr lang="ko-KR" altLang="en-US" sz="2000" b="1" dirty="0" smtClean="0">
+                <a:solidFill>
+                  <a:schemeClr val="tx1">
+                    <a:lumMod val="75000"/>
+                    <a:lumOff val="25000"/>
+                  </a:schemeClr>
+                </a:solidFill>
+              </a:rPr>
+              <a:t> </a:t>
+            </a:r>
+            <a:r>
+              <a:rPr lang="ko-KR" altLang="en-US" sz="2000" b="1" dirty="0" smtClean="0">
+                <a:solidFill>
+                  <a:schemeClr val="tx1">
+                    <a:lumMod val="75000"/>
+                    <a:lumOff val="25000"/>
+                  </a:schemeClr>
+                </a:solidFill>
+              </a:rPr>
+              <a:t>한 편의 소설을 읽는 듯한 게임 전개</a:t>
+            </a:r>
+            <a:endParaRPr lang="ko-KR" altLang="en-US" sz="2000" b="1" dirty="0">
+              <a:solidFill>
+                <a:schemeClr val="tx1">
+                  <a:lumMod val="75000"/>
+                  <a:lumOff val="25000"/>
+                </a:schemeClr>
+              </a:solidFill>
+            </a:endParaRPr>
+          </a:p>
+        </p:txBody>
+      </p:sp>
+      <p:sp>
+        <p:nvSpPr>
+          <p:cNvPr id="14" name="직사각형 13"/>
+          <p:cNvSpPr/>
+          <p:nvPr/>
+        </p:nvSpPr>
+        <p:spPr>
+          <a:xfrm>
+            <a:off x="971600" y="4581128"/>
+            <a:ext cx="5832648" cy="648072"/>
+          </a:xfrm>
+          <a:prstGeom prst="rect">
+            <a:avLst/>
+          </a:prstGeom>
+          <a:noFill/>
+          <a:ln>
+            <a:solidFill>
+              <a:schemeClr val="bg2">
+                <a:lumMod val="75000"/>
+              </a:schemeClr>
+            </a:solidFill>
+          </a:ln>
+        </p:spPr>
+        <p:style>
+          <a:lnRef idx="2">
+            <a:schemeClr val="accent1">
+              <a:shade val="50000"/>
+            </a:schemeClr>
+          </a:lnRef>
+          <a:fillRef idx="1">
+            <a:schemeClr val="accent1"/>
+          </a:fillRef>
+          <a:effectRef idx="0">
+            <a:schemeClr val="accent1"/>
+          </a:effectRef>
+          <a:fontRef idx="minor">
+            <a:schemeClr val="lt1"/>
+          </a:fontRef>
+        </p:style>
+        <p:txBody>
+          <a:bodyPr rtlCol="0" anchor="ctr"/>
+          <a:lstStyle/>
+          <a:p>
+            <a:pPr>
+              <a:buFont typeface="Arial" pitchFamily="34" charset="0"/>
+              <a:buChar char="•"/>
+            </a:pPr>
+            <a:r>
+              <a:rPr lang="ko-KR" altLang="en-US" sz="2000" b="1" dirty="0" smtClean="0">
+                <a:solidFill>
+                  <a:schemeClr val="tx1">
+                    <a:lumMod val="75000"/>
+                    <a:lumOff val="25000"/>
+                  </a:schemeClr>
+                </a:solidFill>
+              </a:rPr>
+              <a:t> 캐주얼 </a:t>
+            </a:r>
+            <a:r>
+              <a:rPr lang="ko-KR" altLang="en-US" sz="2000" b="1" dirty="0" err="1" smtClean="0">
+                <a:solidFill>
+                  <a:schemeClr val="tx1">
+                    <a:lumMod val="75000"/>
+                    <a:lumOff val="25000"/>
+                  </a:schemeClr>
+                </a:solidFill>
+              </a:rPr>
+              <a:t>콘텐츠</a:t>
+            </a:r>
+            <a:r>
+              <a:rPr lang="ko-KR" altLang="en-US" sz="2000" b="1" dirty="0" smtClean="0">
+                <a:solidFill>
+                  <a:schemeClr val="tx1">
+                    <a:lumMod val="75000"/>
+                    <a:lumOff val="25000"/>
+                  </a:schemeClr>
+                </a:solidFill>
+              </a:rPr>
+              <a:t> </a:t>
+            </a:r>
+            <a:r>
+              <a:rPr lang="en-US" altLang="ko-KR" sz="2000" b="1" dirty="0" smtClean="0">
+                <a:solidFill>
+                  <a:schemeClr val="tx1">
+                    <a:lumMod val="75000"/>
+                    <a:lumOff val="25000"/>
+                  </a:schemeClr>
+                </a:solidFill>
+              </a:rPr>
+              <a:t>(</a:t>
+            </a:r>
+            <a:r>
+              <a:rPr lang="ko-KR" altLang="en-US" sz="2000" b="1" dirty="0" smtClean="0">
+                <a:solidFill>
+                  <a:schemeClr val="tx1">
+                    <a:lumMod val="75000"/>
+                    <a:lumOff val="25000"/>
+                  </a:schemeClr>
+                </a:solidFill>
+              </a:rPr>
+              <a:t>낚시</a:t>
+            </a:r>
+            <a:r>
+              <a:rPr lang="en-US" altLang="ko-KR" sz="2000" b="1" dirty="0" smtClean="0">
+                <a:solidFill>
+                  <a:schemeClr val="tx1">
+                    <a:lumMod val="75000"/>
+                    <a:lumOff val="25000"/>
+                  </a:schemeClr>
+                </a:solidFill>
+              </a:rPr>
+              <a:t>, </a:t>
+            </a:r>
+            <a:r>
+              <a:rPr lang="ko-KR" altLang="en-US" sz="2000" b="1" dirty="0" smtClean="0">
+                <a:solidFill>
+                  <a:schemeClr val="tx1">
+                    <a:lumMod val="75000"/>
+                    <a:lumOff val="25000"/>
+                  </a:schemeClr>
+                </a:solidFill>
+              </a:rPr>
+              <a:t>항해</a:t>
+            </a:r>
+            <a:r>
+              <a:rPr lang="en-US" altLang="ko-KR" sz="2000" b="1" dirty="0" smtClean="0">
+                <a:solidFill>
+                  <a:schemeClr val="tx1">
+                    <a:lumMod val="75000"/>
+                    <a:lumOff val="25000"/>
+                  </a:schemeClr>
+                </a:solidFill>
+              </a:rPr>
+              <a:t>, </a:t>
+            </a:r>
+            <a:r>
+              <a:rPr lang="ko-KR" altLang="en-US" sz="2000" b="1" dirty="0" smtClean="0">
+                <a:solidFill>
+                  <a:schemeClr val="tx1">
+                    <a:lumMod val="75000"/>
+                    <a:lumOff val="25000"/>
+                  </a:schemeClr>
+                </a:solidFill>
+              </a:rPr>
+              <a:t>무역</a:t>
+            </a:r>
+            <a:r>
+              <a:rPr lang="en-US" altLang="ko-KR" sz="2000" b="1" dirty="0" smtClean="0">
+                <a:solidFill>
+                  <a:schemeClr val="tx1">
+                    <a:lumMod val="75000"/>
+                    <a:lumOff val="25000"/>
+                  </a:schemeClr>
+                </a:solidFill>
+              </a:rPr>
+              <a:t>, </a:t>
+            </a:r>
+            <a:r>
+              <a:rPr lang="ko-KR" altLang="en-US" sz="2000" b="1" dirty="0" smtClean="0">
+                <a:solidFill>
+                  <a:schemeClr val="tx1">
+                    <a:lumMod val="75000"/>
+                    <a:lumOff val="25000"/>
+                  </a:schemeClr>
+                </a:solidFill>
+              </a:rPr>
+              <a:t>술집</a:t>
+            </a:r>
+            <a:r>
+              <a:rPr lang="en-US" altLang="ko-KR" sz="2000" b="1" dirty="0" smtClean="0">
+                <a:solidFill>
+                  <a:schemeClr val="tx1">
+                    <a:lumMod val="75000"/>
+                    <a:lumOff val="25000"/>
+                  </a:schemeClr>
+                </a:solidFill>
+              </a:rPr>
+              <a:t>)</a:t>
+            </a:r>
+            <a:endParaRPr lang="ko-KR" altLang="en-US" sz="2000" b="1" dirty="0">
+              <a:solidFill>
+                <a:schemeClr val="tx1">
+                  <a:lumMod val="75000"/>
+                  <a:lumOff val="25000"/>
+                </a:schemeClr>
+              </a:solidFill>
+            </a:endParaRPr>
+          </a:p>
+        </p:txBody>
+      </p:sp>
+      <p:sp>
+        <p:nvSpPr>
+          <p:cNvPr id="15" name="직사각형 14"/>
+          <p:cNvSpPr/>
+          <p:nvPr/>
+        </p:nvSpPr>
+        <p:spPr>
+          <a:xfrm>
+            <a:off x="971600" y="5517232"/>
+            <a:ext cx="5832648" cy="648072"/>
+          </a:xfrm>
+          <a:prstGeom prst="rect">
+            <a:avLst/>
+          </a:prstGeom>
+          <a:noFill/>
+          <a:ln>
+            <a:solidFill>
+              <a:schemeClr val="bg2">
+                <a:lumMod val="75000"/>
+              </a:schemeClr>
+            </a:solidFill>
+          </a:ln>
+        </p:spPr>
+        <p:style>
+          <a:lnRef idx="2">
+            <a:schemeClr val="accent1">
+              <a:shade val="50000"/>
+            </a:schemeClr>
+          </a:lnRef>
+          <a:fillRef idx="1">
+            <a:schemeClr val="accent1"/>
+          </a:fillRef>
+          <a:effectRef idx="0">
+            <a:schemeClr val="accent1"/>
+          </a:effectRef>
+          <a:fontRef idx="minor">
+            <a:schemeClr val="lt1"/>
+          </a:fontRef>
+        </p:style>
+        <p:txBody>
+          <a:bodyPr rtlCol="0" anchor="ctr"/>
+          <a:lstStyle/>
+          <a:p>
+            <a:pPr>
+              <a:buFont typeface="Arial" pitchFamily="34" charset="0"/>
+              <a:buChar char="•"/>
+            </a:pPr>
+            <a:r>
+              <a:rPr lang="ko-KR" altLang="en-US" sz="2000" b="1" dirty="0" smtClean="0">
+                <a:solidFill>
+                  <a:schemeClr val="tx1">
+                    <a:lumMod val="75000"/>
+                    <a:lumOff val="25000"/>
+                  </a:schemeClr>
+                </a:solidFill>
+              </a:rPr>
+              <a:t> 실제 게임 유저와 </a:t>
+            </a:r>
+            <a:r>
+              <a:rPr lang="en-US" altLang="ko-KR" sz="2000" b="1" dirty="0" err="1" smtClean="0">
+                <a:solidFill>
+                  <a:schemeClr val="tx1">
+                    <a:lumMod val="75000"/>
+                    <a:lumOff val="25000"/>
+                  </a:schemeClr>
+                </a:solidFill>
+              </a:rPr>
+              <a:t>PvE</a:t>
+            </a:r>
+            <a:r>
+              <a:rPr lang="en-US" altLang="ko-KR" sz="2000" b="1" dirty="0" smtClean="0">
+                <a:solidFill>
+                  <a:schemeClr val="tx1">
+                    <a:lumMod val="75000"/>
+                    <a:lumOff val="25000"/>
+                  </a:schemeClr>
+                </a:solidFill>
+              </a:rPr>
+              <a:t> </a:t>
+            </a:r>
+            <a:r>
+              <a:rPr lang="ko-KR" altLang="en-US" sz="2000" b="1" dirty="0" smtClean="0">
+                <a:solidFill>
+                  <a:schemeClr val="tx1">
+                    <a:lumMod val="75000"/>
+                    <a:lumOff val="25000"/>
+                  </a:schemeClr>
+                </a:solidFill>
+              </a:rPr>
+              <a:t>전투</a:t>
+            </a:r>
+            <a:endParaRPr lang="ko-KR" altLang="en-US" sz="2000" b="1" dirty="0">
+              <a:solidFill>
+                <a:schemeClr val="tx1">
+                  <a:lumMod val="75000"/>
+                  <a:lumOff val="25000"/>
+                </a:schemeClr>
+              </a:solidFill>
+            </a:endParaRPr>
+          </a:p>
+        </p:txBody>
+      </p:sp>
+    </p:spTree>
+  </p:cSld>
+  <p:clrMapOvr>
+    <a:masterClrMapping/>
+  </p:clrMapOvr>
+  <p:transition spd="slow">
+    <p:push dir="u"/>
+  </p:transition>
+  <p:timing>
+    <p:tnLst>
+      <p:par>
+        <p:cTn id="1" dur="indefinite" restart="never" nodeType="tmRoot"/>
+      </p:par>
+    </p:tnLst>
+  </p:timing>
+</p:sld>
+</file>
+
+<file path=ppt/slides/slide8.xml><?xml version="1.0" encoding="utf-8"?>
+<p:sld xmlns:a="http://schemas.openxmlformats.org/drawingml/2006/main" xmlns:r="http://schemas.openxmlformats.org/officeDocument/2006/relationships" xmlns:p="http://schemas.openxmlformats.org/presentationml/2006/main">
+  <p:cSld>
+    <p:spTree>
+      <p:nvGrpSpPr>
+        <p:cNvPr id="1" name=""/>
+        <p:cNvGrpSpPr/>
+        <p:nvPr/>
+      </p:nvGrpSpPr>
+      <p:grpSpPr>
+        <a:xfrm>
+          <a:off x="0" y="0"/>
+          <a:ext cx="0" cy="0"/>
+          <a:chOff x="0" y="0"/>
+          <a:chExt cx="0" cy="0"/>
+        </a:xfrm>
+      </p:grpSpPr>
+      <p:sp>
+        <p:nvSpPr>
+          <p:cNvPr id="4" name="슬라이드 번호 개체 틀 3"/>
+          <p:cNvSpPr>
+            <a:spLocks noGrp="1"/>
+          </p:cNvSpPr>
+          <p:nvPr>
+            <p:ph type="sldNum" sz="quarter" idx="12"/>
+          </p:nvPr>
+        </p:nvSpPr>
+        <p:spPr/>
+        <p:txBody>
+          <a:bodyPr/>
+          <a:lstStyle/>
+          <a:p>
+            <a:fld id="{6077AF18-BF2E-40A5-AFCC-D5AE0C2FE057}" type="slidenum">
+              <a:rPr lang="ko-KR" altLang="en-US" smtClean="0"/>
+              <a:pPr/>
+              <a:t>8</a:t>
+            </a:fld>
+            <a:endParaRPr lang="ko-KR" altLang="en-US" dirty="0"/>
+          </a:p>
+        </p:txBody>
+      </p:sp>
+      <p:sp>
+        <p:nvSpPr>
+          <p:cNvPr id="5" name="TextBox 4"/>
+          <p:cNvSpPr txBox="1"/>
+          <p:nvPr/>
+        </p:nvSpPr>
+        <p:spPr>
+          <a:xfrm>
+            <a:off x="359869" y="332656"/>
+            <a:ext cx="3025187" cy="646331"/>
+          </a:xfrm>
+          <a:prstGeom prst="rect">
+            <a:avLst/>
+          </a:prstGeom>
+          <a:noFill/>
+        </p:spPr>
+        <p:txBody>
+          <a:bodyPr wrap="none" rtlCol="0">
+            <a:spAutoFit/>
+          </a:bodyPr>
+          <a:lstStyle/>
+          <a:p>
+            <a:r>
+              <a:rPr lang="en-US" altLang="ko-KR" sz="3600" dirty="0" smtClean="0">
+                <a:ln>
+                  <a:solidFill>
+                    <a:schemeClr val="bg1">
+                      <a:alpha val="0"/>
+                    </a:schemeClr>
+                  </a:solidFill>
+                </a:ln>
+                <a:solidFill>
+                  <a:schemeClr val="accent6">
+                    <a:lumMod val="50000"/>
+                  </a:schemeClr>
+                </a:solidFill>
+                <a:latin typeface="-윤고딕330" pitchFamily="18" charset="-127"/>
+                <a:ea typeface="-윤고딕330" pitchFamily="18" charset="-127"/>
+              </a:rPr>
+              <a:t>2.4 </a:t>
+            </a:r>
+            <a:r>
+              <a:rPr lang="ko-KR" altLang="en-US" sz="3600" dirty="0" smtClean="0">
+                <a:ln>
+                  <a:solidFill>
+                    <a:schemeClr val="bg1">
+                      <a:alpha val="0"/>
+                    </a:schemeClr>
+                  </a:solidFill>
+                </a:ln>
+                <a:solidFill>
+                  <a:schemeClr val="accent6">
+                    <a:lumMod val="50000"/>
+                  </a:schemeClr>
+                </a:solidFill>
+                <a:latin typeface="-윤고딕330" pitchFamily="18" charset="-127"/>
+                <a:ea typeface="-윤고딕330" pitchFamily="18" charset="-127"/>
+              </a:rPr>
+              <a:t>주요 메뉴</a:t>
+            </a:r>
+            <a:endParaRPr lang="ko-KR" altLang="en-US" sz="2000" dirty="0">
+              <a:ln>
+                <a:solidFill>
+                  <a:schemeClr val="bg1">
+                    <a:alpha val="0"/>
+                  </a:schemeClr>
+                </a:solidFill>
+              </a:ln>
+              <a:solidFill>
+                <a:schemeClr val="accent6">
+                  <a:lumMod val="50000"/>
+                </a:schemeClr>
+              </a:solidFill>
+              <a:latin typeface="-윤고딕330" pitchFamily="18" charset="-127"/>
+              <a:ea typeface="-윤고딕330" pitchFamily="18" charset="-127"/>
+            </a:endParaRPr>
+          </a:p>
+        </p:txBody>
+      </p:sp>
+      <p:sp>
+        <p:nvSpPr>
+          <p:cNvPr id="7" name="TextBox 6"/>
+          <p:cNvSpPr txBox="1"/>
+          <p:nvPr/>
+        </p:nvSpPr>
+        <p:spPr>
+          <a:xfrm>
+            <a:off x="827584" y="1340768"/>
+            <a:ext cx="3096344" cy="4401205"/>
+          </a:xfrm>
+          <a:prstGeom prst="rect">
+            <a:avLst/>
+          </a:prstGeom>
+          <a:noFill/>
+        </p:spPr>
+        <p:txBody>
+          <a:bodyPr wrap="square" rtlCol="0">
+            <a:spAutoFit/>
+          </a:bodyPr>
+          <a:lstStyle/>
+          <a:p>
+            <a:pPr marL="285750" indent="-285750">
+              <a:lnSpc>
+                <a:spcPct val="200000"/>
+              </a:lnSpc>
+              <a:buFont typeface="Arial" pitchFamily="34" charset="0"/>
+              <a:buChar char="•"/>
+            </a:pPr>
+            <a:r>
+              <a:rPr lang="en-US" altLang="ko-KR" sz="2000" dirty="0" smtClean="0">
+                <a:solidFill>
+                  <a:schemeClr val="accent6">
+                    <a:lumMod val="50000"/>
+                  </a:schemeClr>
+                </a:solidFill>
+              </a:rPr>
+              <a:t>1. </a:t>
+            </a:r>
+            <a:r>
+              <a:rPr lang="ko-KR" altLang="en-US" sz="2000" dirty="0" smtClean="0">
+                <a:solidFill>
+                  <a:schemeClr val="accent6">
+                    <a:lumMod val="50000"/>
+                  </a:schemeClr>
+                </a:solidFill>
+              </a:rPr>
+              <a:t>로그인 </a:t>
+            </a:r>
+            <a:endParaRPr lang="en-US" altLang="ko-KR" sz="2000" dirty="0" smtClean="0">
+              <a:solidFill>
+                <a:schemeClr val="accent6">
+                  <a:lumMod val="50000"/>
+                </a:schemeClr>
+              </a:solidFill>
+            </a:endParaRPr>
+          </a:p>
+          <a:p>
+            <a:pPr marL="285750" indent="-285750">
+              <a:lnSpc>
+                <a:spcPct val="200000"/>
+              </a:lnSpc>
+              <a:buFont typeface="Arial" pitchFamily="34" charset="0"/>
+              <a:buChar char="•"/>
+            </a:pPr>
+            <a:r>
+              <a:rPr lang="en-US" altLang="ko-KR" sz="2000" dirty="0" smtClean="0">
+                <a:solidFill>
+                  <a:schemeClr val="accent6">
+                    <a:lumMod val="50000"/>
+                  </a:schemeClr>
+                </a:solidFill>
+              </a:rPr>
+              <a:t>2. </a:t>
+            </a:r>
+            <a:r>
+              <a:rPr lang="ko-KR" altLang="en-US" sz="2000" dirty="0" smtClean="0">
+                <a:solidFill>
+                  <a:schemeClr val="accent6">
+                    <a:lumMod val="50000"/>
+                  </a:schemeClr>
+                </a:solidFill>
+              </a:rPr>
+              <a:t>환경설정</a:t>
+            </a:r>
+            <a:endParaRPr lang="en-US" altLang="ko-KR" sz="2000" dirty="0" smtClean="0">
+              <a:solidFill>
+                <a:schemeClr val="accent6">
+                  <a:lumMod val="50000"/>
+                </a:schemeClr>
+              </a:solidFill>
+            </a:endParaRPr>
+          </a:p>
+          <a:p>
+            <a:pPr marL="285750" indent="-285750">
+              <a:lnSpc>
+                <a:spcPct val="200000"/>
+              </a:lnSpc>
+              <a:buFont typeface="Arial" pitchFamily="34" charset="0"/>
+              <a:buChar char="•"/>
+            </a:pPr>
+            <a:r>
+              <a:rPr lang="en-US" altLang="ko-KR" sz="2000" dirty="0" smtClean="0">
+                <a:solidFill>
+                  <a:schemeClr val="accent6">
+                    <a:lumMod val="50000"/>
+                  </a:schemeClr>
+                </a:solidFill>
+              </a:rPr>
+              <a:t>3. </a:t>
+            </a:r>
+            <a:r>
+              <a:rPr lang="ko-KR" altLang="en-US" sz="2000" dirty="0" smtClean="0">
+                <a:solidFill>
+                  <a:schemeClr val="accent6">
+                    <a:lumMod val="50000"/>
+                  </a:schemeClr>
+                </a:solidFill>
+              </a:rPr>
+              <a:t>도움말</a:t>
+            </a:r>
+            <a:endParaRPr lang="en-US" altLang="ko-KR" sz="2000" dirty="0" smtClean="0">
+              <a:solidFill>
+                <a:schemeClr val="accent6">
+                  <a:lumMod val="50000"/>
+                </a:schemeClr>
+              </a:solidFill>
+            </a:endParaRPr>
+          </a:p>
+          <a:p>
+            <a:pPr marL="285750" indent="-285750">
+              <a:lnSpc>
+                <a:spcPct val="200000"/>
+              </a:lnSpc>
+              <a:buFont typeface="Arial" pitchFamily="34" charset="0"/>
+              <a:buChar char="•"/>
+            </a:pPr>
+            <a:r>
+              <a:rPr lang="en-US" altLang="ko-KR" sz="2000" dirty="0" smtClean="0">
+                <a:solidFill>
+                  <a:schemeClr val="accent6">
+                    <a:lumMod val="50000"/>
+                  </a:schemeClr>
+                </a:solidFill>
+              </a:rPr>
+              <a:t>4</a:t>
+            </a:r>
+            <a:r>
+              <a:rPr lang="en-US" altLang="ko-KR" sz="2000" dirty="0" smtClean="0">
+                <a:solidFill>
+                  <a:schemeClr val="accent6">
+                    <a:lumMod val="50000"/>
+                  </a:schemeClr>
+                </a:solidFill>
+              </a:rPr>
+              <a:t>. </a:t>
+            </a:r>
+            <a:r>
+              <a:rPr lang="ko-KR" altLang="en-US" sz="2000" dirty="0" smtClean="0">
+                <a:solidFill>
+                  <a:schemeClr val="accent6">
+                    <a:lumMod val="50000"/>
+                  </a:schemeClr>
+                </a:solidFill>
+              </a:rPr>
+              <a:t>캐릭터 선택</a:t>
+            </a:r>
+            <a:endParaRPr lang="en-US" altLang="ko-KR" sz="2000" dirty="0" smtClean="0">
+              <a:solidFill>
+                <a:schemeClr val="accent6">
+                  <a:lumMod val="50000"/>
+                </a:schemeClr>
+              </a:solidFill>
+            </a:endParaRPr>
+          </a:p>
+          <a:p>
+            <a:pPr marL="285750" indent="-285750">
+              <a:lnSpc>
+                <a:spcPct val="200000"/>
+              </a:lnSpc>
+              <a:buFont typeface="Arial" pitchFamily="34" charset="0"/>
+              <a:buChar char="•"/>
+            </a:pPr>
+            <a:r>
+              <a:rPr lang="en-US" altLang="ko-KR" sz="2000" dirty="0" smtClean="0">
+                <a:solidFill>
+                  <a:schemeClr val="accent6">
+                    <a:lumMod val="50000"/>
+                  </a:schemeClr>
+                </a:solidFill>
+              </a:rPr>
+              <a:t>5</a:t>
+            </a:r>
+            <a:r>
+              <a:rPr lang="en-US" altLang="ko-KR" sz="2000" dirty="0" smtClean="0">
+                <a:solidFill>
+                  <a:schemeClr val="accent6">
+                    <a:lumMod val="50000"/>
+                  </a:schemeClr>
+                </a:solidFill>
+              </a:rPr>
+              <a:t>. </a:t>
+            </a:r>
+            <a:r>
+              <a:rPr lang="ko-KR" altLang="en-US" sz="2000" dirty="0" smtClean="0">
+                <a:solidFill>
+                  <a:schemeClr val="accent6">
+                    <a:lumMod val="50000"/>
+                  </a:schemeClr>
+                </a:solidFill>
+              </a:rPr>
+              <a:t>게임 시작</a:t>
+            </a:r>
+            <a:endParaRPr lang="en-US" altLang="ko-KR" sz="2000" dirty="0" smtClean="0">
+              <a:solidFill>
+                <a:schemeClr val="accent6">
+                  <a:lumMod val="50000"/>
+                </a:schemeClr>
+              </a:solidFill>
+            </a:endParaRPr>
+          </a:p>
+          <a:p>
+            <a:pPr marL="285750" indent="-285750">
+              <a:lnSpc>
+                <a:spcPct val="200000"/>
+              </a:lnSpc>
+              <a:buFont typeface="Arial" pitchFamily="34" charset="0"/>
+              <a:buChar char="•"/>
+            </a:pPr>
+            <a:r>
+              <a:rPr lang="en-US" altLang="ko-KR" sz="2000" dirty="0" smtClean="0">
+                <a:solidFill>
+                  <a:schemeClr val="accent6">
+                    <a:lumMod val="50000"/>
+                  </a:schemeClr>
+                </a:solidFill>
+              </a:rPr>
+              <a:t>6</a:t>
+            </a:r>
+            <a:r>
+              <a:rPr lang="en-US" altLang="ko-KR" sz="2000" dirty="0" smtClean="0">
+                <a:solidFill>
+                  <a:schemeClr val="accent6">
+                    <a:lumMod val="50000"/>
+                  </a:schemeClr>
+                </a:solidFill>
+              </a:rPr>
+              <a:t>. </a:t>
+            </a:r>
+            <a:r>
+              <a:rPr lang="ko-KR" altLang="en-US" sz="2000" dirty="0" smtClean="0">
+                <a:solidFill>
+                  <a:schemeClr val="accent6">
+                    <a:lumMod val="50000"/>
+                  </a:schemeClr>
+                </a:solidFill>
+              </a:rPr>
+              <a:t>랭킹 보기</a:t>
+            </a:r>
+            <a:endParaRPr lang="en-US" altLang="ko-KR" sz="2000" dirty="0" smtClean="0">
+              <a:solidFill>
+                <a:schemeClr val="accent6">
+                  <a:lumMod val="50000"/>
+                </a:schemeClr>
+              </a:solidFill>
+            </a:endParaRPr>
+          </a:p>
+          <a:p>
+            <a:pPr marL="285750" indent="-285750">
+              <a:lnSpc>
+                <a:spcPct val="200000"/>
+              </a:lnSpc>
+              <a:buFont typeface="Arial" pitchFamily="34" charset="0"/>
+              <a:buChar char="•"/>
+            </a:pPr>
+            <a:r>
+              <a:rPr lang="en-US" altLang="ko-KR" sz="2000" dirty="0" smtClean="0">
+                <a:solidFill>
+                  <a:schemeClr val="accent6">
+                    <a:lumMod val="50000"/>
+                  </a:schemeClr>
+                </a:solidFill>
+              </a:rPr>
+              <a:t>7</a:t>
+            </a:r>
+            <a:r>
+              <a:rPr lang="en-US" altLang="ko-KR" sz="2000" dirty="0" smtClean="0">
+                <a:solidFill>
+                  <a:schemeClr val="accent6">
+                    <a:lumMod val="50000"/>
+                  </a:schemeClr>
+                </a:solidFill>
+              </a:rPr>
+              <a:t>. </a:t>
+            </a:r>
+            <a:r>
+              <a:rPr lang="ko-KR" altLang="en-US" sz="2000" dirty="0" smtClean="0">
+                <a:solidFill>
+                  <a:schemeClr val="accent6">
+                    <a:lumMod val="50000"/>
+                  </a:schemeClr>
+                </a:solidFill>
+              </a:rPr>
+              <a:t>종료하기</a:t>
+            </a:r>
+            <a:endParaRPr lang="en-US" altLang="ko-KR" sz="2000" dirty="0" smtClean="0">
+              <a:solidFill>
+                <a:schemeClr val="accent6">
+                  <a:lumMod val="50000"/>
+                </a:schemeClr>
+              </a:solidFill>
+            </a:endParaRPr>
+          </a:p>
+        </p:txBody>
+      </p:sp>
+      <p:sp>
+        <p:nvSpPr>
+          <p:cNvPr id="8" name="TextBox 7"/>
+          <p:cNvSpPr txBox="1"/>
+          <p:nvPr/>
+        </p:nvSpPr>
+        <p:spPr>
+          <a:xfrm>
+            <a:off x="4644008" y="1340768"/>
+            <a:ext cx="3096344" cy="2554545"/>
+          </a:xfrm>
+          <a:prstGeom prst="rect">
+            <a:avLst/>
+          </a:prstGeom>
+          <a:noFill/>
+        </p:spPr>
+        <p:txBody>
+          <a:bodyPr wrap="square" rtlCol="0">
+            <a:spAutoFit/>
+          </a:bodyPr>
+          <a:lstStyle/>
+          <a:p>
+            <a:pPr marL="285750" indent="-285750">
+              <a:lnSpc>
+                <a:spcPct val="200000"/>
+              </a:lnSpc>
+              <a:buFont typeface="Arial" pitchFamily="34" charset="0"/>
+              <a:buChar char="•"/>
+            </a:pPr>
+            <a:r>
+              <a:rPr lang="en-US" altLang="ko-KR" sz="2000" dirty="0" smtClean="0">
+                <a:solidFill>
+                  <a:schemeClr val="accent6">
+                    <a:lumMod val="50000"/>
+                  </a:schemeClr>
+                </a:solidFill>
+              </a:rPr>
+              <a:t>8. </a:t>
+            </a:r>
+            <a:r>
+              <a:rPr lang="ko-KR" altLang="en-US" sz="2000" dirty="0" smtClean="0">
+                <a:solidFill>
+                  <a:schemeClr val="accent6">
+                    <a:lumMod val="50000"/>
+                  </a:schemeClr>
+                </a:solidFill>
+              </a:rPr>
+              <a:t>항해</a:t>
+            </a:r>
+            <a:endParaRPr lang="en-US" altLang="ko-KR" sz="2000" dirty="0" smtClean="0">
+              <a:solidFill>
+                <a:schemeClr val="accent6">
+                  <a:lumMod val="50000"/>
+                </a:schemeClr>
+              </a:solidFill>
+            </a:endParaRPr>
+          </a:p>
+          <a:p>
+            <a:pPr marL="285750" indent="-285750">
+              <a:lnSpc>
+                <a:spcPct val="200000"/>
+              </a:lnSpc>
+              <a:buFont typeface="Arial" pitchFamily="34" charset="0"/>
+              <a:buChar char="•"/>
+            </a:pPr>
+            <a:r>
+              <a:rPr lang="en-US" altLang="ko-KR" sz="2000" dirty="0" smtClean="0">
+                <a:solidFill>
+                  <a:schemeClr val="accent6">
+                    <a:lumMod val="50000"/>
+                  </a:schemeClr>
+                </a:solidFill>
+              </a:rPr>
+              <a:t>9. </a:t>
+            </a:r>
+            <a:r>
+              <a:rPr lang="ko-KR" altLang="en-US" sz="2000" dirty="0" smtClean="0">
+                <a:solidFill>
+                  <a:schemeClr val="accent6">
+                    <a:lumMod val="50000"/>
+                  </a:schemeClr>
+                </a:solidFill>
+              </a:rPr>
+              <a:t>전투</a:t>
+            </a:r>
+            <a:endParaRPr lang="en-US" altLang="ko-KR" sz="2000" dirty="0" smtClean="0">
+              <a:solidFill>
+                <a:schemeClr val="accent6">
+                  <a:lumMod val="50000"/>
+                </a:schemeClr>
+              </a:solidFill>
+            </a:endParaRPr>
+          </a:p>
+          <a:p>
+            <a:pPr marL="285750" indent="-285750">
+              <a:lnSpc>
+                <a:spcPct val="200000"/>
+              </a:lnSpc>
+              <a:buFont typeface="Arial" pitchFamily="34" charset="0"/>
+              <a:buChar char="•"/>
+            </a:pPr>
+            <a:r>
+              <a:rPr lang="en-US" altLang="ko-KR" sz="2000" dirty="0" smtClean="0">
+                <a:solidFill>
+                  <a:schemeClr val="accent6">
+                    <a:lumMod val="50000"/>
+                  </a:schemeClr>
+                </a:solidFill>
+              </a:rPr>
+              <a:t>10</a:t>
+            </a:r>
+            <a:r>
+              <a:rPr lang="en-US" altLang="ko-KR" sz="2000" dirty="0" smtClean="0">
+                <a:solidFill>
+                  <a:schemeClr val="accent6">
+                    <a:lumMod val="50000"/>
+                  </a:schemeClr>
+                </a:solidFill>
+              </a:rPr>
+              <a:t>. </a:t>
+            </a:r>
+            <a:r>
+              <a:rPr lang="ko-KR" altLang="en-US" sz="2000" dirty="0" smtClean="0">
+                <a:solidFill>
+                  <a:schemeClr val="accent6">
+                    <a:lumMod val="50000"/>
+                  </a:schemeClr>
+                </a:solidFill>
+              </a:rPr>
+              <a:t>거래</a:t>
+            </a:r>
+            <a:r>
+              <a:rPr lang="en-US" altLang="ko-KR" sz="2000" dirty="0" smtClean="0">
+                <a:solidFill>
+                  <a:schemeClr val="accent6">
+                    <a:lumMod val="50000"/>
+                  </a:schemeClr>
+                </a:solidFill>
+              </a:rPr>
+              <a:t>(</a:t>
+            </a:r>
+            <a:r>
+              <a:rPr lang="ko-KR" altLang="en-US" sz="2000" dirty="0" smtClean="0">
+                <a:solidFill>
+                  <a:schemeClr val="accent6">
+                    <a:lumMod val="50000"/>
+                  </a:schemeClr>
+                </a:solidFill>
+              </a:rPr>
+              <a:t>무역</a:t>
+            </a:r>
+            <a:r>
+              <a:rPr lang="en-US" altLang="ko-KR" sz="2000" dirty="0" smtClean="0">
+                <a:solidFill>
+                  <a:schemeClr val="accent6">
+                    <a:lumMod val="50000"/>
+                  </a:schemeClr>
+                </a:solidFill>
+              </a:rPr>
+              <a:t>)</a:t>
+            </a:r>
+            <a:endParaRPr lang="en-US" altLang="ko-KR" sz="2000" dirty="0" smtClean="0">
+              <a:solidFill>
+                <a:schemeClr val="accent6">
+                  <a:lumMod val="50000"/>
+                </a:schemeClr>
+              </a:solidFill>
+            </a:endParaRPr>
+          </a:p>
+          <a:p>
+            <a:pPr marL="285750" indent="-285750">
+              <a:lnSpc>
+                <a:spcPct val="200000"/>
+              </a:lnSpc>
+              <a:buFont typeface="Arial" pitchFamily="34" charset="0"/>
+              <a:buChar char="•"/>
+            </a:pPr>
+            <a:r>
+              <a:rPr lang="en-US" altLang="ko-KR" sz="2000" dirty="0" smtClean="0">
+                <a:solidFill>
+                  <a:schemeClr val="accent6">
+                    <a:lumMod val="50000"/>
+                  </a:schemeClr>
+                </a:solidFill>
+              </a:rPr>
+              <a:t>11. </a:t>
+            </a:r>
+            <a:r>
+              <a:rPr lang="ko-KR" altLang="en-US" sz="2000" dirty="0" err="1" smtClean="0">
+                <a:solidFill>
+                  <a:schemeClr val="accent6">
+                    <a:lumMod val="50000"/>
+                  </a:schemeClr>
+                </a:solidFill>
+              </a:rPr>
+              <a:t>던전</a:t>
+            </a:r>
+            <a:r>
+              <a:rPr lang="ko-KR" altLang="en-US" sz="2000" dirty="0" smtClean="0">
+                <a:solidFill>
+                  <a:schemeClr val="accent6">
+                    <a:lumMod val="50000"/>
+                  </a:schemeClr>
+                </a:solidFill>
+              </a:rPr>
+              <a:t> 입장</a:t>
+            </a:r>
+            <a:endParaRPr lang="en-US" altLang="ko-KR" sz="2000" dirty="0" smtClean="0">
+              <a:solidFill>
+                <a:schemeClr val="accent6">
+                  <a:lumMod val="50000"/>
+                </a:schemeClr>
+              </a:solidFill>
+            </a:endParaRPr>
+          </a:p>
+        </p:txBody>
+      </p:sp>
+    </p:spTree>
+  </p:cSld>
+  <p:clrMapOvr>
+    <a:masterClrMapping/>
+  </p:clrMapOvr>
+  <p:transition spd="slow">
+    <p:push dir="u"/>
+  </p:transition>
+</p:sld>
+</file>
+
+<file path=ppt/slides/slide9.xml><?xml version="1.0" encoding="utf-8"?>
+<p:sld xmlns:a="http://schemas.openxmlformats.org/drawingml/2006/main" xmlns:r="http://schemas.openxmlformats.org/officeDocument/2006/relationships" xmlns:p="http://schemas.openxmlformats.org/presentationml/2006/main">
+  <p:cSld>
+    <p:spTree>
+      <p:nvGrpSpPr>
+        <p:cNvPr id="1" name=""/>
+        <p:cNvGrpSpPr/>
+        <p:nvPr/>
+      </p:nvGrpSpPr>
+      <p:grpSpPr>
+        <a:xfrm>
+          <a:off x="0" y="0"/>
+          <a:ext cx="0" cy="0"/>
+          <a:chOff x="0" y="0"/>
+          <a:chExt cx="0" cy="0"/>
+        </a:xfrm>
+      </p:grpSpPr>
+      <p:sp>
+        <p:nvSpPr>
+          <p:cNvPr id="4" name="슬라이드 번호 개체 틀 3"/>
+          <p:cNvSpPr>
+            <a:spLocks noGrp="1"/>
+          </p:cNvSpPr>
+          <p:nvPr>
+            <p:ph type="sldNum" sz="quarter" idx="12"/>
+          </p:nvPr>
+        </p:nvSpPr>
+        <p:spPr/>
+        <p:txBody>
+          <a:bodyPr/>
+          <a:lstStyle/>
+          <a:p>
+            <a:fld id="{6077AF18-BF2E-40A5-AFCC-D5AE0C2FE057}" type="slidenum">
+              <a:rPr lang="ko-KR" altLang="en-US" smtClean="0"/>
+              <a:pPr/>
+              <a:t>9</a:t>
+            </a:fld>
+            <a:endParaRPr lang="ko-KR" altLang="en-US" dirty="0"/>
+          </a:p>
+        </p:txBody>
+      </p:sp>
+      <p:sp>
+        <p:nvSpPr>
+          <p:cNvPr id="5" name="TextBox 4"/>
+          <p:cNvSpPr txBox="1"/>
+          <p:nvPr/>
+        </p:nvSpPr>
+        <p:spPr>
+          <a:xfrm>
+            <a:off x="359869" y="332656"/>
+            <a:ext cx="4102405" cy="646331"/>
+          </a:xfrm>
+          <a:prstGeom prst="rect">
+            <a:avLst/>
+          </a:prstGeom>
+          <a:noFill/>
+        </p:spPr>
+        <p:txBody>
+          <a:bodyPr wrap="none" rtlCol="0">
+            <a:spAutoFit/>
+          </a:bodyPr>
+          <a:lstStyle/>
+          <a:p>
+            <a:r>
+              <a:rPr lang="en-US" altLang="ko-KR" sz="3600" dirty="0" smtClean="0">
+                <a:ln>
+                  <a:solidFill>
+                    <a:schemeClr val="bg1">
+                      <a:alpha val="0"/>
+                    </a:schemeClr>
+                  </a:solidFill>
+                </a:ln>
+                <a:solidFill>
+                  <a:schemeClr val="accent6">
+                    <a:lumMod val="50000"/>
+                  </a:schemeClr>
+                </a:solidFill>
+                <a:latin typeface="-윤고딕330" pitchFamily="18" charset="-127"/>
+                <a:ea typeface="-윤고딕330" pitchFamily="18" charset="-127"/>
+              </a:rPr>
+              <a:t>2.5 </a:t>
+            </a:r>
+            <a:r>
+              <a:rPr lang="ko-KR" altLang="en-US" sz="3600" dirty="0" smtClean="0">
+                <a:ln>
+                  <a:solidFill>
+                    <a:schemeClr val="bg1">
+                      <a:alpha val="0"/>
+                    </a:schemeClr>
+                  </a:solidFill>
+                </a:ln>
+                <a:solidFill>
+                  <a:schemeClr val="accent6">
+                    <a:lumMod val="50000"/>
+                  </a:schemeClr>
+                </a:solidFill>
+                <a:latin typeface="-윤고딕330" pitchFamily="18" charset="-127"/>
+                <a:ea typeface="-윤고딕330" pitchFamily="18" charset="-127"/>
+              </a:rPr>
+              <a:t>목표 대상 고객</a:t>
+            </a:r>
+            <a:endParaRPr lang="ko-KR" altLang="en-US" sz="2000" dirty="0">
+              <a:ln>
+                <a:solidFill>
+                  <a:schemeClr val="bg1">
+                    <a:alpha val="0"/>
+                  </a:schemeClr>
+                </a:solidFill>
+              </a:ln>
+              <a:solidFill>
+                <a:schemeClr val="accent6">
+                  <a:lumMod val="50000"/>
+                </a:schemeClr>
+              </a:solidFill>
+              <a:latin typeface="-윤고딕330" pitchFamily="18" charset="-127"/>
+              <a:ea typeface="-윤고딕330" pitchFamily="18" charset="-127"/>
+            </a:endParaRPr>
+          </a:p>
+        </p:txBody>
+      </p:sp>
     </p:spTree>
   </p:cSld>
   <p:clrMapOvr>
